--- a/ scmct-2012/Documents/ĐỒ ÁN CHUYÊN NGÀNH.pptx
+++ b/ scmct-2012/Documents/ĐỒ ÁN CHUYÊN NGÀNH.pptx
@@ -5,10 +5,10 @@
     <p:sldMasterId id="2147483650" r:id="rId1"/>
   </p:sldMasterIdLst>
   <p:notesMasterIdLst>
-    <p:notesMasterId r:id="rId26"/>
+    <p:notesMasterId r:id="rId32"/>
   </p:notesMasterIdLst>
   <p:handoutMasterIdLst>
-    <p:handoutMasterId r:id="rId27"/>
+    <p:handoutMasterId r:id="rId33"/>
   </p:handoutMasterIdLst>
   <p:sldIdLst>
     <p:sldId id="434" r:id="rId2"/>
@@ -17,24 +17,30 @@
     <p:sldId id="461" r:id="rId5"/>
     <p:sldId id="464" r:id="rId6"/>
     <p:sldId id="462" r:id="rId7"/>
-    <p:sldId id="455" r:id="rId8"/>
-    <p:sldId id="463" r:id="rId9"/>
-    <p:sldId id="465" r:id="rId10"/>
-    <p:sldId id="466" r:id="rId11"/>
-    <p:sldId id="469" r:id="rId12"/>
-    <p:sldId id="470" r:id="rId13"/>
-    <p:sldId id="468" r:id="rId14"/>
-    <p:sldId id="471" r:id="rId15"/>
-    <p:sldId id="472" r:id="rId16"/>
-    <p:sldId id="473" r:id="rId17"/>
-    <p:sldId id="474" r:id="rId18"/>
-    <p:sldId id="475" r:id="rId19"/>
-    <p:sldId id="476" r:id="rId20"/>
-    <p:sldId id="477" r:id="rId21"/>
-    <p:sldId id="478" r:id="rId22"/>
-    <p:sldId id="479" r:id="rId23"/>
-    <p:sldId id="480" r:id="rId24"/>
-    <p:sldId id="276" r:id="rId25"/>
+    <p:sldId id="487" r:id="rId8"/>
+    <p:sldId id="455" r:id="rId9"/>
+    <p:sldId id="463" r:id="rId10"/>
+    <p:sldId id="465" r:id="rId11"/>
+    <p:sldId id="466" r:id="rId12"/>
+    <p:sldId id="469" r:id="rId13"/>
+    <p:sldId id="470" r:id="rId14"/>
+    <p:sldId id="468" r:id="rId15"/>
+    <p:sldId id="471" r:id="rId16"/>
+    <p:sldId id="472" r:id="rId17"/>
+    <p:sldId id="473" r:id="rId18"/>
+    <p:sldId id="474" r:id="rId19"/>
+    <p:sldId id="475" r:id="rId20"/>
+    <p:sldId id="476" r:id="rId21"/>
+    <p:sldId id="477" r:id="rId22"/>
+    <p:sldId id="478" r:id="rId23"/>
+    <p:sldId id="479" r:id="rId24"/>
+    <p:sldId id="480" r:id="rId25"/>
+    <p:sldId id="482" r:id="rId26"/>
+    <p:sldId id="483" r:id="rId27"/>
+    <p:sldId id="484" r:id="rId28"/>
+    <p:sldId id="485" r:id="rId29"/>
+    <p:sldId id="486" r:id="rId30"/>
+    <p:sldId id="276" r:id="rId31"/>
   </p:sldIdLst>
   <p:sldSz cx="9144000" cy="6858000" type="screen4x3"/>
   <p:notesSz cx="9723438" cy="6858000"/>
@@ -164,6 +170,4180 @@
     </a:lvl9pPr>
   </p:defaultTextStyle>
 </p:presentation>
+</file>
+
+<file path=ppt/diagrams/colors1.xml><?xml version="1.0" encoding="utf-8"?>
+<dgm:colorsDef xmlns:dgm="http://schemas.openxmlformats.org/drawingml/2006/diagram" xmlns:a="http://schemas.openxmlformats.org/drawingml/2006/main" uniqueId="urn:microsoft.com/office/officeart/2005/8/colors/accent1_2">
+  <dgm:title val=""/>
+  <dgm:desc val=""/>
+  <dgm:catLst>
+    <dgm:cat type="accent1" pri="11200"/>
+  </dgm:catLst>
+  <dgm:styleLbl name="node0">
+    <dgm:fillClrLst meth="repeat">
+      <a:schemeClr val="accent1"/>
+    </dgm:fillClrLst>
+    <dgm:linClrLst meth="repeat">
+      <a:schemeClr val="lt1"/>
+    </dgm:linClrLst>
+    <dgm:effectClrLst/>
+    <dgm:txLinClrLst/>
+    <dgm:txFillClrLst/>
+    <dgm:txEffectClrLst/>
+  </dgm:styleLbl>
+  <dgm:styleLbl name="alignNode1">
+    <dgm:fillClrLst meth="repeat">
+      <a:schemeClr val="accent1"/>
+    </dgm:fillClrLst>
+    <dgm:linClrLst meth="repeat">
+      <a:schemeClr val="accent1"/>
+    </dgm:linClrLst>
+    <dgm:effectClrLst/>
+    <dgm:txLinClrLst/>
+    <dgm:txFillClrLst/>
+    <dgm:txEffectClrLst/>
+  </dgm:styleLbl>
+  <dgm:styleLbl name="node1">
+    <dgm:fillClrLst meth="repeat">
+      <a:schemeClr val="accent1"/>
+    </dgm:fillClrLst>
+    <dgm:linClrLst meth="repeat">
+      <a:schemeClr val="lt1"/>
+    </dgm:linClrLst>
+    <dgm:effectClrLst/>
+    <dgm:txLinClrLst/>
+    <dgm:txFillClrLst/>
+    <dgm:txEffectClrLst/>
+  </dgm:styleLbl>
+  <dgm:styleLbl name="lnNode1">
+    <dgm:fillClrLst meth="repeat">
+      <a:schemeClr val="accent1"/>
+    </dgm:fillClrLst>
+    <dgm:linClrLst meth="repeat">
+      <a:schemeClr val="lt1"/>
+    </dgm:linClrLst>
+    <dgm:effectClrLst/>
+    <dgm:txLinClrLst/>
+    <dgm:txFillClrLst/>
+    <dgm:txEffectClrLst/>
+  </dgm:styleLbl>
+  <dgm:styleLbl name="vennNode1">
+    <dgm:fillClrLst meth="repeat">
+      <a:schemeClr val="accent1">
+        <a:alpha val="50000"/>
+      </a:schemeClr>
+    </dgm:fillClrLst>
+    <dgm:linClrLst meth="repeat">
+      <a:schemeClr val="lt1"/>
+    </dgm:linClrLst>
+    <dgm:effectClrLst/>
+    <dgm:txLinClrLst/>
+    <dgm:txFillClrLst/>
+    <dgm:txEffectClrLst/>
+  </dgm:styleLbl>
+  <dgm:styleLbl name="node2">
+    <dgm:fillClrLst meth="repeat">
+      <a:schemeClr val="accent1"/>
+    </dgm:fillClrLst>
+    <dgm:linClrLst meth="repeat">
+      <a:schemeClr val="lt1"/>
+    </dgm:linClrLst>
+    <dgm:effectClrLst/>
+    <dgm:txLinClrLst/>
+    <dgm:txFillClrLst/>
+    <dgm:txEffectClrLst/>
+  </dgm:styleLbl>
+  <dgm:styleLbl name="node3">
+    <dgm:fillClrLst meth="repeat">
+      <a:schemeClr val="accent1"/>
+    </dgm:fillClrLst>
+    <dgm:linClrLst meth="repeat">
+      <a:schemeClr val="lt1"/>
+    </dgm:linClrLst>
+    <dgm:effectClrLst/>
+    <dgm:txLinClrLst/>
+    <dgm:txFillClrLst/>
+    <dgm:txEffectClrLst/>
+  </dgm:styleLbl>
+  <dgm:styleLbl name="node4">
+    <dgm:fillClrLst meth="repeat">
+      <a:schemeClr val="accent1"/>
+    </dgm:fillClrLst>
+    <dgm:linClrLst meth="repeat">
+      <a:schemeClr val="lt1"/>
+    </dgm:linClrLst>
+    <dgm:effectClrLst/>
+    <dgm:txLinClrLst/>
+    <dgm:txFillClrLst/>
+    <dgm:txEffectClrLst/>
+  </dgm:styleLbl>
+  <dgm:styleLbl name="fgImgPlace1">
+    <dgm:fillClrLst meth="repeat">
+      <a:schemeClr val="accent1">
+        <a:tint val="50000"/>
+      </a:schemeClr>
+    </dgm:fillClrLst>
+    <dgm:linClrLst meth="repeat">
+      <a:schemeClr val="lt1"/>
+    </dgm:linClrLst>
+    <dgm:effectClrLst/>
+    <dgm:txLinClrLst/>
+    <dgm:txFillClrLst meth="repeat">
+      <a:schemeClr val="lt1"/>
+    </dgm:txFillClrLst>
+    <dgm:txEffectClrLst/>
+  </dgm:styleLbl>
+  <dgm:styleLbl name="alignImgPlace1">
+    <dgm:fillClrLst meth="repeat">
+      <a:schemeClr val="accent1">
+        <a:tint val="50000"/>
+      </a:schemeClr>
+    </dgm:fillClrLst>
+    <dgm:linClrLst meth="repeat">
+      <a:schemeClr val="lt1"/>
+    </dgm:linClrLst>
+    <dgm:effectClrLst/>
+    <dgm:txLinClrLst/>
+    <dgm:txFillClrLst meth="repeat">
+      <a:schemeClr val="lt1"/>
+    </dgm:txFillClrLst>
+    <dgm:txEffectClrLst/>
+  </dgm:styleLbl>
+  <dgm:styleLbl name="bgImgPlace1">
+    <dgm:fillClrLst meth="repeat">
+      <a:schemeClr val="accent1">
+        <a:tint val="50000"/>
+      </a:schemeClr>
+    </dgm:fillClrLst>
+    <dgm:linClrLst meth="repeat">
+      <a:schemeClr val="lt1"/>
+    </dgm:linClrLst>
+    <dgm:effectClrLst/>
+    <dgm:txLinClrLst/>
+    <dgm:txFillClrLst meth="repeat">
+      <a:schemeClr val="lt1"/>
+    </dgm:txFillClrLst>
+    <dgm:txEffectClrLst/>
+  </dgm:styleLbl>
+  <dgm:styleLbl name="sibTrans2D1">
+    <dgm:fillClrLst meth="repeat">
+      <a:schemeClr val="accent1">
+        <a:tint val="60000"/>
+      </a:schemeClr>
+    </dgm:fillClrLst>
+    <dgm:linClrLst meth="repeat">
+      <a:schemeClr val="accent1">
+        <a:tint val="60000"/>
+      </a:schemeClr>
+    </dgm:linClrLst>
+    <dgm:effectClrLst/>
+    <dgm:txLinClrLst/>
+    <dgm:txFillClrLst/>
+    <dgm:txEffectClrLst/>
+  </dgm:styleLbl>
+  <dgm:styleLbl name="fgSibTrans2D1">
+    <dgm:fillClrLst meth="repeat">
+      <a:schemeClr val="accent1">
+        <a:tint val="60000"/>
+      </a:schemeClr>
+    </dgm:fillClrLst>
+    <dgm:linClrLst meth="repeat">
+      <a:schemeClr val="accent1">
+        <a:tint val="60000"/>
+      </a:schemeClr>
+    </dgm:linClrLst>
+    <dgm:effectClrLst/>
+    <dgm:txLinClrLst/>
+    <dgm:txFillClrLst/>
+    <dgm:txEffectClrLst/>
+  </dgm:styleLbl>
+  <dgm:styleLbl name="bgSibTrans2D1">
+    <dgm:fillClrLst meth="repeat">
+      <a:schemeClr val="accent1">
+        <a:tint val="60000"/>
+      </a:schemeClr>
+    </dgm:fillClrLst>
+    <dgm:linClrLst meth="repeat">
+      <a:schemeClr val="accent1">
+        <a:tint val="60000"/>
+      </a:schemeClr>
+    </dgm:linClrLst>
+    <dgm:effectClrLst/>
+    <dgm:txLinClrLst/>
+    <dgm:txFillClrLst/>
+    <dgm:txEffectClrLst/>
+  </dgm:styleLbl>
+  <dgm:styleLbl name="sibTrans1D1">
+    <dgm:fillClrLst meth="repeat">
+      <a:schemeClr val="accent1"/>
+    </dgm:fillClrLst>
+    <dgm:linClrLst meth="repeat">
+      <a:schemeClr val="accent1"/>
+    </dgm:linClrLst>
+    <dgm:effectClrLst/>
+    <dgm:txLinClrLst/>
+    <dgm:txFillClrLst meth="repeat">
+      <a:schemeClr val="tx1"/>
+    </dgm:txFillClrLst>
+    <dgm:txEffectClrLst/>
+  </dgm:styleLbl>
+  <dgm:styleLbl name="callout">
+    <dgm:fillClrLst meth="repeat">
+      <a:schemeClr val="accent1"/>
+    </dgm:fillClrLst>
+    <dgm:linClrLst meth="repeat">
+      <a:schemeClr val="accent1">
+        <a:tint val="50000"/>
+      </a:schemeClr>
+    </dgm:linClrLst>
+    <dgm:effectClrLst/>
+    <dgm:txLinClrLst/>
+    <dgm:txFillClrLst meth="repeat">
+      <a:schemeClr val="tx1"/>
+    </dgm:txFillClrLst>
+    <dgm:txEffectClrLst/>
+  </dgm:styleLbl>
+  <dgm:styleLbl name="asst0">
+    <dgm:fillClrLst meth="repeat">
+      <a:schemeClr val="accent1"/>
+    </dgm:fillClrLst>
+    <dgm:linClrLst meth="repeat">
+      <a:schemeClr val="lt1"/>
+    </dgm:linClrLst>
+    <dgm:effectClrLst/>
+    <dgm:txLinClrLst/>
+    <dgm:txFillClrLst/>
+    <dgm:txEffectClrLst/>
+  </dgm:styleLbl>
+  <dgm:styleLbl name="asst1">
+    <dgm:fillClrLst meth="repeat">
+      <a:schemeClr val="accent1"/>
+    </dgm:fillClrLst>
+    <dgm:linClrLst meth="repeat">
+      <a:schemeClr val="lt1"/>
+    </dgm:linClrLst>
+    <dgm:effectClrLst/>
+    <dgm:txLinClrLst/>
+    <dgm:txFillClrLst/>
+    <dgm:txEffectClrLst/>
+  </dgm:styleLbl>
+  <dgm:styleLbl name="asst2">
+    <dgm:fillClrLst meth="repeat">
+      <a:schemeClr val="accent1"/>
+    </dgm:fillClrLst>
+    <dgm:linClrLst meth="repeat">
+      <a:schemeClr val="lt1"/>
+    </dgm:linClrLst>
+    <dgm:effectClrLst/>
+    <dgm:txLinClrLst/>
+    <dgm:txFillClrLst/>
+    <dgm:txEffectClrLst/>
+  </dgm:styleLbl>
+  <dgm:styleLbl name="asst3">
+    <dgm:fillClrLst meth="repeat">
+      <a:schemeClr val="accent1"/>
+    </dgm:fillClrLst>
+    <dgm:linClrLst meth="repeat">
+      <a:schemeClr val="lt1"/>
+    </dgm:linClrLst>
+    <dgm:effectClrLst/>
+    <dgm:txLinClrLst/>
+    <dgm:txFillClrLst/>
+    <dgm:txEffectClrLst/>
+  </dgm:styleLbl>
+  <dgm:styleLbl name="asst4">
+    <dgm:fillClrLst meth="repeat">
+      <a:schemeClr val="accent1"/>
+    </dgm:fillClrLst>
+    <dgm:linClrLst meth="repeat">
+      <a:schemeClr val="lt1"/>
+    </dgm:linClrLst>
+    <dgm:effectClrLst/>
+    <dgm:txLinClrLst/>
+    <dgm:txFillClrLst/>
+    <dgm:txEffectClrLst/>
+  </dgm:styleLbl>
+  <dgm:styleLbl name="parChTrans2D1">
+    <dgm:fillClrLst meth="repeat">
+      <a:schemeClr val="accent1">
+        <a:tint val="60000"/>
+      </a:schemeClr>
+    </dgm:fillClrLst>
+    <dgm:linClrLst meth="repeat">
+      <a:schemeClr val="accent1">
+        <a:tint val="60000"/>
+      </a:schemeClr>
+    </dgm:linClrLst>
+    <dgm:effectClrLst/>
+    <dgm:txLinClrLst/>
+    <dgm:txFillClrLst meth="repeat">
+      <a:schemeClr val="lt1"/>
+    </dgm:txFillClrLst>
+    <dgm:txEffectClrLst/>
+  </dgm:styleLbl>
+  <dgm:styleLbl name="parChTrans2D2">
+    <dgm:fillClrLst meth="repeat">
+      <a:schemeClr val="accent1"/>
+    </dgm:fillClrLst>
+    <dgm:linClrLst meth="repeat">
+      <a:schemeClr val="accent1"/>
+    </dgm:linClrLst>
+    <dgm:effectClrLst/>
+    <dgm:txLinClrLst/>
+    <dgm:txFillClrLst meth="repeat">
+      <a:schemeClr val="lt1"/>
+    </dgm:txFillClrLst>
+    <dgm:txEffectClrLst/>
+  </dgm:styleLbl>
+  <dgm:styleLbl name="parChTrans2D3">
+    <dgm:fillClrLst meth="repeat">
+      <a:schemeClr val="accent1"/>
+    </dgm:fillClrLst>
+    <dgm:linClrLst meth="repeat">
+      <a:schemeClr val="accent1"/>
+    </dgm:linClrLst>
+    <dgm:effectClrLst/>
+    <dgm:txLinClrLst/>
+    <dgm:txFillClrLst meth="repeat">
+      <a:schemeClr val="lt1"/>
+    </dgm:txFillClrLst>
+    <dgm:txEffectClrLst/>
+  </dgm:styleLbl>
+  <dgm:styleLbl name="parChTrans2D4">
+    <dgm:fillClrLst meth="repeat">
+      <a:schemeClr val="accent1"/>
+    </dgm:fillClrLst>
+    <dgm:linClrLst meth="repeat">
+      <a:schemeClr val="accent1"/>
+    </dgm:linClrLst>
+    <dgm:effectClrLst/>
+    <dgm:txLinClrLst/>
+    <dgm:txFillClrLst meth="repeat">
+      <a:schemeClr val="lt1"/>
+    </dgm:txFillClrLst>
+    <dgm:txEffectClrLst/>
+  </dgm:styleLbl>
+  <dgm:styleLbl name="parChTrans1D1">
+    <dgm:fillClrLst meth="repeat">
+      <a:schemeClr val="accent1"/>
+    </dgm:fillClrLst>
+    <dgm:linClrLst meth="repeat">
+      <a:schemeClr val="accent1">
+        <a:shade val="60000"/>
+      </a:schemeClr>
+    </dgm:linClrLst>
+    <dgm:effectClrLst/>
+    <dgm:txLinClrLst/>
+    <dgm:txFillClrLst meth="repeat">
+      <a:schemeClr val="tx1"/>
+    </dgm:txFillClrLst>
+    <dgm:txEffectClrLst/>
+  </dgm:styleLbl>
+  <dgm:styleLbl name="parChTrans1D2">
+    <dgm:fillClrLst meth="repeat">
+      <a:schemeClr val="accent1"/>
+    </dgm:fillClrLst>
+    <dgm:linClrLst meth="repeat">
+      <a:schemeClr val="accent1">
+        <a:shade val="60000"/>
+      </a:schemeClr>
+    </dgm:linClrLst>
+    <dgm:effectClrLst/>
+    <dgm:txLinClrLst/>
+    <dgm:txFillClrLst meth="repeat">
+      <a:schemeClr val="tx1"/>
+    </dgm:txFillClrLst>
+    <dgm:txEffectClrLst/>
+  </dgm:styleLbl>
+  <dgm:styleLbl name="parChTrans1D3">
+    <dgm:fillClrLst meth="repeat">
+      <a:schemeClr val="accent1"/>
+    </dgm:fillClrLst>
+    <dgm:linClrLst meth="repeat">
+      <a:schemeClr val="accent1">
+        <a:shade val="80000"/>
+      </a:schemeClr>
+    </dgm:linClrLst>
+    <dgm:effectClrLst/>
+    <dgm:txLinClrLst/>
+    <dgm:txFillClrLst meth="repeat">
+      <a:schemeClr val="tx1"/>
+    </dgm:txFillClrLst>
+    <dgm:txEffectClrLst/>
+  </dgm:styleLbl>
+  <dgm:styleLbl name="parChTrans1D4">
+    <dgm:fillClrLst meth="repeat">
+      <a:schemeClr val="accent1"/>
+    </dgm:fillClrLst>
+    <dgm:linClrLst meth="repeat">
+      <a:schemeClr val="accent1">
+        <a:shade val="80000"/>
+      </a:schemeClr>
+    </dgm:linClrLst>
+    <dgm:effectClrLst/>
+    <dgm:txLinClrLst/>
+    <dgm:txFillClrLst meth="repeat">
+      <a:schemeClr val="tx1"/>
+    </dgm:txFillClrLst>
+    <dgm:txEffectClrLst/>
+  </dgm:styleLbl>
+  <dgm:styleLbl name="fgAcc1">
+    <dgm:fillClrLst meth="repeat">
+      <a:schemeClr val="lt1">
+        <a:alpha val="90000"/>
+      </a:schemeClr>
+    </dgm:fillClrLst>
+    <dgm:linClrLst meth="repeat">
+      <a:schemeClr val="accent1"/>
+    </dgm:linClrLst>
+    <dgm:effectClrLst/>
+    <dgm:txLinClrLst/>
+    <dgm:txFillClrLst meth="repeat">
+      <a:schemeClr val="dk1"/>
+    </dgm:txFillClrLst>
+    <dgm:txEffectClrLst/>
+  </dgm:styleLbl>
+  <dgm:styleLbl name="conFgAcc1">
+    <dgm:fillClrLst meth="repeat">
+      <a:schemeClr val="lt1">
+        <a:alpha val="90000"/>
+      </a:schemeClr>
+    </dgm:fillClrLst>
+    <dgm:linClrLst meth="repeat">
+      <a:schemeClr val="accent1"/>
+    </dgm:linClrLst>
+    <dgm:effectClrLst/>
+    <dgm:txLinClrLst/>
+    <dgm:txFillClrLst meth="repeat">
+      <a:schemeClr val="dk1"/>
+    </dgm:txFillClrLst>
+    <dgm:txEffectClrLst/>
+  </dgm:styleLbl>
+  <dgm:styleLbl name="alignAcc1">
+    <dgm:fillClrLst meth="repeat">
+      <a:schemeClr val="lt1">
+        <a:alpha val="90000"/>
+      </a:schemeClr>
+    </dgm:fillClrLst>
+    <dgm:linClrLst meth="repeat">
+      <a:schemeClr val="accent1"/>
+    </dgm:linClrLst>
+    <dgm:effectClrLst/>
+    <dgm:txLinClrLst/>
+    <dgm:txFillClrLst meth="repeat">
+      <a:schemeClr val="dk1"/>
+    </dgm:txFillClrLst>
+    <dgm:txEffectClrLst/>
+  </dgm:styleLbl>
+  <dgm:styleLbl name="trAlignAcc1">
+    <dgm:fillClrLst meth="repeat">
+      <a:schemeClr val="lt1">
+        <a:alpha val="40000"/>
+      </a:schemeClr>
+    </dgm:fillClrLst>
+    <dgm:linClrLst meth="repeat">
+      <a:schemeClr val="accent1"/>
+    </dgm:linClrLst>
+    <dgm:effectClrLst/>
+    <dgm:txLinClrLst/>
+    <dgm:txFillClrLst meth="repeat">
+      <a:schemeClr val="dk1"/>
+    </dgm:txFillClrLst>
+    <dgm:txEffectClrLst/>
+  </dgm:styleLbl>
+  <dgm:styleLbl name="bgAcc1">
+    <dgm:fillClrLst meth="repeat">
+      <a:schemeClr val="lt1">
+        <a:alpha val="90000"/>
+      </a:schemeClr>
+    </dgm:fillClrLst>
+    <dgm:linClrLst meth="repeat">
+      <a:schemeClr val="accent1"/>
+    </dgm:linClrLst>
+    <dgm:effectClrLst/>
+    <dgm:txLinClrLst/>
+    <dgm:txFillClrLst meth="repeat">
+      <a:schemeClr val="dk1"/>
+    </dgm:txFillClrLst>
+    <dgm:txEffectClrLst/>
+  </dgm:styleLbl>
+  <dgm:styleLbl name="solidFgAcc1">
+    <dgm:fillClrLst meth="repeat">
+      <a:schemeClr val="lt1"/>
+    </dgm:fillClrLst>
+    <dgm:linClrLst meth="repeat">
+      <a:schemeClr val="accent1"/>
+    </dgm:linClrLst>
+    <dgm:effectClrLst/>
+    <dgm:txLinClrLst/>
+    <dgm:txFillClrLst meth="repeat">
+      <a:schemeClr val="dk1"/>
+    </dgm:txFillClrLst>
+    <dgm:txEffectClrLst/>
+  </dgm:styleLbl>
+  <dgm:styleLbl name="solidAlignAcc1">
+    <dgm:fillClrLst meth="repeat">
+      <a:schemeClr val="lt1"/>
+    </dgm:fillClrLst>
+    <dgm:linClrLst meth="repeat">
+      <a:schemeClr val="accent1"/>
+    </dgm:linClrLst>
+    <dgm:effectClrLst/>
+    <dgm:txLinClrLst/>
+    <dgm:txFillClrLst meth="repeat">
+      <a:schemeClr val="dk1"/>
+    </dgm:txFillClrLst>
+    <dgm:txEffectClrLst/>
+  </dgm:styleLbl>
+  <dgm:styleLbl name="solidBgAcc1">
+    <dgm:fillClrLst meth="repeat">
+      <a:schemeClr val="lt1"/>
+    </dgm:fillClrLst>
+    <dgm:linClrLst meth="repeat">
+      <a:schemeClr val="accent1"/>
+    </dgm:linClrLst>
+    <dgm:effectClrLst/>
+    <dgm:txLinClrLst/>
+    <dgm:txFillClrLst meth="repeat">
+      <a:schemeClr val="dk1"/>
+    </dgm:txFillClrLst>
+    <dgm:txEffectClrLst/>
+  </dgm:styleLbl>
+  <dgm:styleLbl name="fgAccFollowNode1">
+    <dgm:fillClrLst meth="repeat">
+      <a:schemeClr val="accent1">
+        <a:alpha val="90000"/>
+        <a:tint val="40000"/>
+      </a:schemeClr>
+    </dgm:fillClrLst>
+    <dgm:linClrLst meth="repeat">
+      <a:schemeClr val="accent1">
+        <a:alpha val="90000"/>
+        <a:tint val="40000"/>
+      </a:schemeClr>
+    </dgm:linClrLst>
+    <dgm:effectClrLst/>
+    <dgm:txLinClrLst/>
+    <dgm:txFillClrLst meth="repeat">
+      <a:schemeClr val="dk1"/>
+    </dgm:txFillClrLst>
+    <dgm:txEffectClrLst/>
+  </dgm:styleLbl>
+  <dgm:styleLbl name="alignAccFollowNode1">
+    <dgm:fillClrLst meth="repeat">
+      <a:schemeClr val="accent1">
+        <a:alpha val="90000"/>
+        <a:tint val="40000"/>
+      </a:schemeClr>
+    </dgm:fillClrLst>
+    <dgm:linClrLst meth="repeat">
+      <a:schemeClr val="accent1">
+        <a:alpha val="90000"/>
+        <a:tint val="40000"/>
+      </a:schemeClr>
+    </dgm:linClrLst>
+    <dgm:effectClrLst/>
+    <dgm:txLinClrLst/>
+    <dgm:txFillClrLst meth="repeat">
+      <a:schemeClr val="dk1"/>
+    </dgm:txFillClrLst>
+    <dgm:txEffectClrLst/>
+  </dgm:styleLbl>
+  <dgm:styleLbl name="bgAccFollowNode1">
+    <dgm:fillClrLst meth="repeat">
+      <a:schemeClr val="accent1">
+        <a:alpha val="90000"/>
+        <a:tint val="40000"/>
+      </a:schemeClr>
+    </dgm:fillClrLst>
+    <dgm:linClrLst meth="repeat">
+      <a:schemeClr val="accent1">
+        <a:alpha val="90000"/>
+        <a:tint val="40000"/>
+      </a:schemeClr>
+    </dgm:linClrLst>
+    <dgm:effectClrLst/>
+    <dgm:txLinClrLst/>
+    <dgm:txFillClrLst meth="repeat">
+      <a:schemeClr val="dk1"/>
+    </dgm:txFillClrLst>
+    <dgm:txEffectClrLst/>
+  </dgm:styleLbl>
+  <dgm:styleLbl name="fgAcc0">
+    <dgm:fillClrLst meth="repeat">
+      <a:schemeClr val="lt1">
+        <a:alpha val="90000"/>
+      </a:schemeClr>
+    </dgm:fillClrLst>
+    <dgm:linClrLst meth="repeat">
+      <a:schemeClr val="accent1"/>
+    </dgm:linClrLst>
+    <dgm:effectClrLst/>
+    <dgm:txLinClrLst/>
+    <dgm:txFillClrLst meth="repeat">
+      <a:schemeClr val="dk1"/>
+    </dgm:txFillClrLst>
+    <dgm:txEffectClrLst/>
+  </dgm:styleLbl>
+  <dgm:styleLbl name="fgAcc2">
+    <dgm:fillClrLst meth="repeat">
+      <a:schemeClr val="lt1">
+        <a:alpha val="90000"/>
+      </a:schemeClr>
+    </dgm:fillClrLst>
+    <dgm:linClrLst meth="repeat">
+      <a:schemeClr val="accent1"/>
+    </dgm:linClrLst>
+    <dgm:effectClrLst/>
+    <dgm:txLinClrLst/>
+    <dgm:txFillClrLst meth="repeat">
+      <a:schemeClr val="dk1"/>
+    </dgm:txFillClrLst>
+    <dgm:txEffectClrLst/>
+  </dgm:styleLbl>
+  <dgm:styleLbl name="fgAcc3">
+    <dgm:fillClrLst meth="repeat">
+      <a:schemeClr val="lt1">
+        <a:alpha val="90000"/>
+      </a:schemeClr>
+    </dgm:fillClrLst>
+    <dgm:linClrLst meth="repeat">
+      <a:schemeClr val="accent1"/>
+    </dgm:linClrLst>
+    <dgm:effectClrLst/>
+    <dgm:txLinClrLst/>
+    <dgm:txFillClrLst meth="repeat">
+      <a:schemeClr val="dk1"/>
+    </dgm:txFillClrLst>
+    <dgm:txEffectClrLst/>
+  </dgm:styleLbl>
+  <dgm:styleLbl name="fgAcc4">
+    <dgm:fillClrLst meth="repeat">
+      <a:schemeClr val="lt1">
+        <a:alpha val="90000"/>
+      </a:schemeClr>
+    </dgm:fillClrLst>
+    <dgm:linClrLst meth="repeat">
+      <a:schemeClr val="accent1"/>
+    </dgm:linClrLst>
+    <dgm:effectClrLst/>
+    <dgm:txLinClrLst/>
+    <dgm:txFillClrLst meth="repeat">
+      <a:schemeClr val="dk1"/>
+    </dgm:txFillClrLst>
+    <dgm:txEffectClrLst/>
+  </dgm:styleLbl>
+  <dgm:styleLbl name="bgShp">
+    <dgm:fillClrLst meth="repeat">
+      <a:schemeClr val="accent1">
+        <a:tint val="40000"/>
+      </a:schemeClr>
+    </dgm:fillClrLst>
+    <dgm:linClrLst meth="repeat">
+      <a:schemeClr val="accent1"/>
+    </dgm:linClrLst>
+    <dgm:effectClrLst/>
+    <dgm:txLinClrLst/>
+    <dgm:txFillClrLst meth="repeat">
+      <a:schemeClr val="dk1"/>
+    </dgm:txFillClrLst>
+    <dgm:txEffectClrLst/>
+  </dgm:styleLbl>
+  <dgm:styleLbl name="dkBgShp">
+    <dgm:fillClrLst meth="repeat">
+      <a:schemeClr val="accent1">
+        <a:shade val="80000"/>
+      </a:schemeClr>
+    </dgm:fillClrLst>
+    <dgm:linClrLst meth="repeat">
+      <a:schemeClr val="accent1"/>
+    </dgm:linClrLst>
+    <dgm:effectClrLst/>
+    <dgm:txLinClrLst/>
+    <dgm:txFillClrLst meth="repeat">
+      <a:schemeClr val="lt1"/>
+    </dgm:txFillClrLst>
+    <dgm:txEffectClrLst/>
+  </dgm:styleLbl>
+  <dgm:styleLbl name="trBgShp">
+    <dgm:fillClrLst meth="repeat">
+      <a:schemeClr val="accent1">
+        <a:tint val="50000"/>
+        <a:alpha val="40000"/>
+      </a:schemeClr>
+    </dgm:fillClrLst>
+    <dgm:linClrLst meth="repeat">
+      <a:schemeClr val="accent1"/>
+    </dgm:linClrLst>
+    <dgm:effectClrLst/>
+    <dgm:txLinClrLst/>
+    <dgm:txFillClrLst meth="repeat">
+      <a:schemeClr val="lt1"/>
+    </dgm:txFillClrLst>
+    <dgm:txEffectClrLst/>
+  </dgm:styleLbl>
+  <dgm:styleLbl name="fgShp">
+    <dgm:fillClrLst meth="repeat">
+      <a:schemeClr val="accent1">
+        <a:tint val="60000"/>
+      </a:schemeClr>
+    </dgm:fillClrLst>
+    <dgm:linClrLst meth="repeat">
+      <a:schemeClr val="lt1"/>
+    </dgm:linClrLst>
+    <dgm:effectClrLst/>
+    <dgm:txLinClrLst/>
+    <dgm:txFillClrLst meth="repeat">
+      <a:schemeClr val="dk1"/>
+    </dgm:txFillClrLst>
+    <dgm:txEffectClrLst/>
+  </dgm:styleLbl>
+  <dgm:styleLbl name="revTx">
+    <dgm:fillClrLst meth="repeat">
+      <a:schemeClr val="lt1">
+        <a:alpha val="0"/>
+      </a:schemeClr>
+    </dgm:fillClrLst>
+    <dgm:linClrLst meth="repeat">
+      <a:schemeClr val="dk1">
+        <a:alpha val="0"/>
+      </a:schemeClr>
+    </dgm:linClrLst>
+    <dgm:effectClrLst/>
+    <dgm:txLinClrLst/>
+    <dgm:txFillClrLst meth="repeat">
+      <a:schemeClr val="tx1"/>
+    </dgm:txFillClrLst>
+    <dgm:txEffectClrLst/>
+  </dgm:styleLbl>
+</dgm:colorsDef>
+</file>
+
+<file path=ppt/diagrams/data1.xml><?xml version="1.0" encoding="utf-8"?>
+<dgm:dataModel xmlns:dgm="http://schemas.openxmlformats.org/drawingml/2006/diagram" xmlns:a="http://schemas.openxmlformats.org/drawingml/2006/main">
+  <dgm:ptLst>
+    <dgm:pt modelId="{20F1F469-8C9D-46C0-8866-025FCB2BA1F4}" type="doc">
+      <dgm:prSet loTypeId="urn:microsoft.com/office/officeart/2005/8/layout/vList3" loCatId="list" qsTypeId="urn:microsoft.com/office/officeart/2005/8/quickstyle/simple1" qsCatId="simple" csTypeId="urn:microsoft.com/office/officeart/2005/8/colors/accent1_2" csCatId="accent1" phldr="1"/>
+      <dgm:spPr/>
+      <dgm:t>
+        <a:bodyPr/>
+        <a:lstStyle/>
+        <a:p>
+          <a:endParaRPr lang="en-US"/>
+        </a:p>
+      </dgm:t>
+    </dgm:pt>
+    <dgm:pt modelId="{91208E2A-4143-4B7A-993E-1B0420F5FFDB}">
+      <dgm:prSet custT="1"/>
+      <dgm:spPr/>
+      <dgm:t>
+        <a:bodyPr/>
+        <a:lstStyle/>
+        <a:p>
+          <a:pPr algn="l" rtl="0"/>
+          <a:r>
+            <a:rPr lang="en-US" sz="2000" dirty="0" err="1" smtClean="0"/>
+            <a:t>Diễn</a:t>
+          </a:r>
+          <a:r>
+            <a:rPr lang="en-US" sz="2000" dirty="0" smtClean="0"/>
+            <a:t> </a:t>
+          </a:r>
+          <a:r>
+            <a:rPr lang="en-US" sz="2000" dirty="0" err="1" smtClean="0"/>
+            <a:t>đàn</a:t>
+          </a:r>
+          <a:r>
+            <a:rPr lang="en-US" sz="2000" dirty="0" smtClean="0"/>
+            <a:t> SCMCT</a:t>
+          </a:r>
+          <a:endParaRPr lang="en-US" sz="2000" dirty="0"/>
+        </a:p>
+      </dgm:t>
+    </dgm:pt>
+    <dgm:pt modelId="{64205A7B-7126-46C8-AC96-361A50026D47}" type="parTrans" cxnId="{2958F27F-F56B-4E90-A108-71EBE57BC444}">
+      <dgm:prSet/>
+      <dgm:spPr/>
+      <dgm:t>
+        <a:bodyPr/>
+        <a:lstStyle/>
+        <a:p>
+          <a:endParaRPr lang="en-US"/>
+        </a:p>
+      </dgm:t>
+    </dgm:pt>
+    <dgm:pt modelId="{D329B3A9-1254-4733-A7C3-8A0C8D02F38E}" type="sibTrans" cxnId="{2958F27F-F56B-4E90-A108-71EBE57BC444}">
+      <dgm:prSet/>
+      <dgm:spPr/>
+      <dgm:t>
+        <a:bodyPr/>
+        <a:lstStyle/>
+        <a:p>
+          <a:endParaRPr lang="en-US"/>
+        </a:p>
+      </dgm:t>
+    </dgm:pt>
+    <dgm:pt modelId="{2C0870C3-AA78-4996-925C-38F3DA8DEE66}">
+      <dgm:prSet custT="1"/>
+      <dgm:spPr/>
+      <dgm:t>
+        <a:bodyPr/>
+        <a:lstStyle/>
+        <a:p>
+          <a:pPr algn="l" rtl="0"/>
+          <a:r>
+            <a:rPr lang="en-US" sz="2000" dirty="0" err="1" smtClean="0"/>
+            <a:t>Đăng</a:t>
+          </a:r>
+          <a:r>
+            <a:rPr lang="en-US" sz="2000" dirty="0" smtClean="0"/>
+            <a:t> </a:t>
+          </a:r>
+          <a:r>
+            <a:rPr lang="en-US" sz="2000" dirty="0" err="1" smtClean="0"/>
+            <a:t>thông</a:t>
+          </a:r>
+          <a:r>
+            <a:rPr lang="en-US" sz="2000" dirty="0" smtClean="0"/>
+            <a:t> tin </a:t>
+          </a:r>
+          <a:r>
+            <a:rPr lang="en-US" sz="2000" dirty="0" err="1" smtClean="0"/>
+            <a:t>về</a:t>
+          </a:r>
+          <a:r>
+            <a:rPr lang="en-US" sz="2000" dirty="0" smtClean="0"/>
+            <a:t> </a:t>
+          </a:r>
+          <a:r>
+            <a:rPr lang="en-US" sz="2000" dirty="0" err="1" smtClean="0"/>
+            <a:t>các</a:t>
+          </a:r>
+          <a:r>
+            <a:rPr lang="en-US" sz="2000" dirty="0" smtClean="0"/>
+            <a:t> </a:t>
+          </a:r>
+          <a:r>
+            <a:rPr lang="en-US" sz="2000" dirty="0" err="1" smtClean="0"/>
+            <a:t>hoạt</a:t>
+          </a:r>
+          <a:r>
+            <a:rPr lang="en-US" sz="2000" dirty="0" smtClean="0"/>
+            <a:t> </a:t>
+          </a:r>
+          <a:r>
+            <a:rPr lang="en-US" sz="2000" dirty="0" err="1" smtClean="0"/>
+            <a:t>động</a:t>
+          </a:r>
+          <a:r>
+            <a:rPr lang="en-US" sz="2000" dirty="0" smtClean="0"/>
+            <a:t> </a:t>
+          </a:r>
+          <a:r>
+            <a:rPr lang="en-US" sz="2000" dirty="0" err="1" smtClean="0"/>
+            <a:t>quyên</a:t>
+          </a:r>
+          <a:r>
+            <a:rPr lang="en-US" sz="2000" dirty="0" smtClean="0"/>
+            <a:t> </a:t>
+          </a:r>
+          <a:r>
+            <a:rPr lang="en-US" sz="2000" dirty="0" err="1" smtClean="0"/>
+            <a:t>góp</a:t>
+          </a:r>
+          <a:r>
+            <a:rPr lang="en-US" sz="2000" dirty="0" smtClean="0"/>
+            <a:t> </a:t>
+          </a:r>
+          <a:r>
+            <a:rPr lang="en-US" sz="2000" dirty="0" err="1" smtClean="0"/>
+            <a:t>sách</a:t>
+          </a:r>
+          <a:endParaRPr lang="en-US" sz="2000" dirty="0"/>
+        </a:p>
+      </dgm:t>
+    </dgm:pt>
+    <dgm:pt modelId="{D398E535-3480-4227-9095-0610BA9DCF58}" type="parTrans" cxnId="{F05F1638-A2B9-4F97-BA81-28C56E22B4A3}">
+      <dgm:prSet/>
+      <dgm:spPr/>
+      <dgm:t>
+        <a:bodyPr/>
+        <a:lstStyle/>
+        <a:p>
+          <a:endParaRPr lang="en-US"/>
+        </a:p>
+      </dgm:t>
+    </dgm:pt>
+    <dgm:pt modelId="{47282CDA-CCB3-49A7-9D15-0D9D57C3ACA1}" type="sibTrans" cxnId="{F05F1638-A2B9-4F97-BA81-28C56E22B4A3}">
+      <dgm:prSet/>
+      <dgm:spPr/>
+      <dgm:t>
+        <a:bodyPr/>
+        <a:lstStyle/>
+        <a:p>
+          <a:endParaRPr lang="en-US"/>
+        </a:p>
+      </dgm:t>
+    </dgm:pt>
+    <dgm:pt modelId="{4EE9A9BD-73F6-42AC-9797-AC192E95C5F6}">
+      <dgm:prSet custT="1"/>
+      <dgm:spPr/>
+      <dgm:t>
+        <a:bodyPr/>
+        <a:lstStyle/>
+        <a:p>
+          <a:pPr algn="l" rtl="0"/>
+          <a:r>
+            <a:rPr lang="en-US" sz="2000" dirty="0" err="1" smtClean="0"/>
+            <a:t>Nhận</a:t>
+          </a:r>
+          <a:r>
+            <a:rPr lang="en-US" sz="2000" dirty="0" smtClean="0"/>
+            <a:t> </a:t>
+          </a:r>
+          <a:r>
+            <a:rPr lang="en-US" sz="2000" dirty="0" err="1" smtClean="0"/>
+            <a:t>yêu</a:t>
+          </a:r>
+          <a:r>
+            <a:rPr lang="en-US" sz="2000" dirty="0" smtClean="0"/>
+            <a:t> </a:t>
+          </a:r>
+          <a:r>
+            <a:rPr lang="en-US" sz="2000" dirty="0" err="1" smtClean="0"/>
+            <a:t>cầu</a:t>
+          </a:r>
+          <a:r>
+            <a:rPr lang="en-US" sz="2000" dirty="0" smtClean="0"/>
+            <a:t> </a:t>
+          </a:r>
+          <a:r>
+            <a:rPr lang="en-US" sz="2000" dirty="0" err="1" smtClean="0"/>
+            <a:t>quyên</a:t>
+          </a:r>
+          <a:r>
+            <a:rPr lang="en-US" sz="2000" dirty="0" smtClean="0"/>
+            <a:t> </a:t>
+          </a:r>
+          <a:r>
+            <a:rPr lang="en-US" sz="2000" dirty="0" err="1" smtClean="0"/>
+            <a:t>góp</a:t>
+          </a:r>
+          <a:r>
+            <a:rPr lang="en-US" sz="2000" dirty="0" smtClean="0"/>
+            <a:t> </a:t>
+          </a:r>
+          <a:r>
+            <a:rPr lang="en-US" sz="2000" dirty="0" err="1" smtClean="0"/>
+            <a:t>sách</a:t>
+          </a:r>
+          <a:endParaRPr lang="en-US" sz="2000" dirty="0"/>
+        </a:p>
+      </dgm:t>
+    </dgm:pt>
+    <dgm:pt modelId="{37CFA021-6FFE-485F-9A14-40BFA9B27EFF}" type="parTrans" cxnId="{A53E5C48-16A0-44F9-AC82-F3CFE0412CC2}">
+      <dgm:prSet/>
+      <dgm:spPr/>
+      <dgm:t>
+        <a:bodyPr/>
+        <a:lstStyle/>
+        <a:p>
+          <a:endParaRPr lang="en-US"/>
+        </a:p>
+      </dgm:t>
+    </dgm:pt>
+    <dgm:pt modelId="{93B2E9DF-BAB7-4CFA-B970-82E32FF5A5CF}" type="sibTrans" cxnId="{A53E5C48-16A0-44F9-AC82-F3CFE0412CC2}">
+      <dgm:prSet/>
+      <dgm:spPr/>
+      <dgm:t>
+        <a:bodyPr/>
+        <a:lstStyle/>
+        <a:p>
+          <a:endParaRPr lang="en-US"/>
+        </a:p>
+      </dgm:t>
+    </dgm:pt>
+    <dgm:pt modelId="{E0581600-4AE6-42EB-BB32-9E533F718B16}">
+      <dgm:prSet custT="1"/>
+      <dgm:spPr/>
+      <dgm:t>
+        <a:bodyPr/>
+        <a:lstStyle/>
+        <a:p>
+          <a:pPr algn="l" rtl="0"/>
+          <a:r>
+            <a:rPr lang="en-US" sz="2000" dirty="0" err="1" smtClean="0"/>
+            <a:t>Kho</a:t>
+          </a:r>
+          <a:r>
+            <a:rPr lang="en-US" sz="2000" dirty="0" smtClean="0"/>
+            <a:t> </a:t>
+          </a:r>
+          <a:r>
+            <a:rPr lang="en-US" sz="2000" dirty="0" err="1" smtClean="0"/>
+            <a:t>tài</a:t>
+          </a:r>
+          <a:r>
+            <a:rPr lang="en-US" sz="2000" dirty="0" smtClean="0"/>
+            <a:t> </a:t>
+          </a:r>
+          <a:r>
+            <a:rPr lang="en-US" sz="2000" dirty="0" err="1" smtClean="0"/>
+            <a:t>nguyên</a:t>
+          </a:r>
+          <a:r>
+            <a:rPr lang="en-US" sz="2000" dirty="0" smtClean="0"/>
+            <a:t> </a:t>
+          </a:r>
+          <a:r>
+            <a:rPr lang="en-US" sz="2000" dirty="0" err="1" smtClean="0"/>
+            <a:t>trực</a:t>
+          </a:r>
+          <a:r>
+            <a:rPr lang="en-US" sz="2000" dirty="0" smtClean="0"/>
+            <a:t> </a:t>
+          </a:r>
+          <a:r>
+            <a:rPr lang="en-US" sz="2000" dirty="0" err="1" smtClean="0"/>
+            <a:t>tuyến</a:t>
+          </a:r>
+          <a:endParaRPr lang="en-US" sz="2000" dirty="0"/>
+        </a:p>
+      </dgm:t>
+    </dgm:pt>
+    <dgm:pt modelId="{03B885EB-E792-4AD7-82F6-06BD15531FF7}" type="parTrans" cxnId="{7DBF2516-D020-430B-BAF1-D21B5940355C}">
+      <dgm:prSet/>
+      <dgm:spPr/>
+      <dgm:t>
+        <a:bodyPr/>
+        <a:lstStyle/>
+        <a:p>
+          <a:endParaRPr lang="en-US"/>
+        </a:p>
+      </dgm:t>
+    </dgm:pt>
+    <dgm:pt modelId="{F28C0622-48B0-4B09-B839-522962B78979}" type="sibTrans" cxnId="{7DBF2516-D020-430B-BAF1-D21B5940355C}">
+      <dgm:prSet/>
+      <dgm:spPr/>
+      <dgm:t>
+        <a:bodyPr/>
+        <a:lstStyle/>
+        <a:p>
+          <a:endParaRPr lang="en-US"/>
+        </a:p>
+      </dgm:t>
+    </dgm:pt>
+    <dgm:pt modelId="{F775503D-4858-45F8-8623-616B3086B50B}">
+      <dgm:prSet custT="1"/>
+      <dgm:spPr/>
+      <dgm:t>
+        <a:bodyPr/>
+        <a:lstStyle/>
+        <a:p>
+          <a:pPr algn="l"/>
+          <a:r>
+            <a:rPr lang="en-US" sz="2000" dirty="0" err="1" smtClean="0"/>
+            <a:t>Nhận</a:t>
+          </a:r>
+          <a:r>
+            <a:rPr lang="en-US" sz="2000" dirty="0" smtClean="0"/>
+            <a:t> </a:t>
+          </a:r>
+          <a:r>
+            <a:rPr lang="en-US" sz="2000" dirty="0" err="1" smtClean="0"/>
+            <a:t>yêu</a:t>
+          </a:r>
+          <a:r>
+            <a:rPr lang="en-US" sz="2000" dirty="0" smtClean="0"/>
+            <a:t> </a:t>
+          </a:r>
+          <a:r>
+            <a:rPr lang="en-US" sz="2000" dirty="0" err="1" smtClean="0"/>
+            <a:t>cầu</a:t>
+          </a:r>
+          <a:r>
+            <a:rPr lang="en-US" sz="2000" dirty="0" smtClean="0"/>
+            <a:t> </a:t>
+          </a:r>
+          <a:r>
+            <a:rPr lang="en-US" sz="2000" dirty="0" err="1" smtClean="0"/>
+            <a:t>xin</a:t>
+          </a:r>
+          <a:r>
+            <a:rPr lang="en-US" sz="2000" dirty="0" smtClean="0"/>
+            <a:t> </a:t>
+          </a:r>
+          <a:r>
+            <a:rPr lang="en-US" sz="2000" dirty="0" err="1" smtClean="0"/>
+            <a:t>hỗ</a:t>
+          </a:r>
+          <a:r>
+            <a:rPr lang="en-US" sz="2000" dirty="0" smtClean="0"/>
+            <a:t> </a:t>
+          </a:r>
+          <a:r>
+            <a:rPr lang="en-US" sz="2000" dirty="0" err="1" smtClean="0"/>
+            <a:t>trợ</a:t>
+          </a:r>
+          <a:r>
+            <a:rPr lang="en-US" sz="2000" dirty="0" smtClean="0"/>
+            <a:t> </a:t>
+          </a:r>
+          <a:r>
+            <a:rPr lang="en-US" sz="2000" dirty="0" err="1" smtClean="0"/>
+            <a:t>sách</a:t>
+          </a:r>
+          <a:endParaRPr lang="en-US" sz="2000" dirty="0"/>
+        </a:p>
+      </dgm:t>
+    </dgm:pt>
+    <dgm:pt modelId="{F4FC54F1-11A6-4FC4-88A4-933996964A63}" type="parTrans" cxnId="{40E22A61-DCE6-4786-822D-33359768AC0E}">
+      <dgm:prSet/>
+      <dgm:spPr/>
+      <dgm:t>
+        <a:bodyPr/>
+        <a:lstStyle/>
+        <a:p>
+          <a:endParaRPr lang="en-US"/>
+        </a:p>
+      </dgm:t>
+    </dgm:pt>
+    <dgm:pt modelId="{540A6E10-5414-4C81-BDF9-BD21DDF8414E}" type="sibTrans" cxnId="{40E22A61-DCE6-4786-822D-33359768AC0E}">
+      <dgm:prSet/>
+      <dgm:spPr/>
+      <dgm:t>
+        <a:bodyPr/>
+        <a:lstStyle/>
+        <a:p>
+          <a:endParaRPr lang="en-US"/>
+        </a:p>
+      </dgm:t>
+    </dgm:pt>
+    <dgm:pt modelId="{B7D52009-FC9D-41E8-9964-8E7898C511E1}">
+      <dgm:prSet custT="1"/>
+      <dgm:spPr/>
+      <dgm:t>
+        <a:bodyPr/>
+        <a:lstStyle/>
+        <a:p>
+          <a:pPr algn="l"/>
+          <a:r>
+            <a:rPr lang="en-US" sz="2000" dirty="0" err="1" smtClean="0"/>
+            <a:t>Triển</a:t>
+          </a:r>
+          <a:r>
+            <a:rPr lang="en-US" sz="2000" dirty="0" smtClean="0"/>
+            <a:t> </a:t>
+          </a:r>
+          <a:r>
+            <a:rPr lang="en-US" sz="2000" dirty="0" err="1" smtClean="0"/>
+            <a:t>khai</a:t>
+          </a:r>
+          <a:r>
+            <a:rPr lang="en-US" sz="2000" dirty="0" smtClean="0"/>
+            <a:t> </a:t>
+          </a:r>
+          <a:r>
+            <a:rPr lang="en-US" sz="2000" dirty="0" err="1" smtClean="0"/>
+            <a:t>các</a:t>
+          </a:r>
+          <a:r>
+            <a:rPr lang="en-US" sz="2000" dirty="0" smtClean="0"/>
+            <a:t> </a:t>
+          </a:r>
+          <a:r>
+            <a:rPr lang="en-US" sz="2000" dirty="0" err="1" smtClean="0"/>
+            <a:t>dự</a:t>
+          </a:r>
+          <a:r>
+            <a:rPr lang="en-US" sz="2000" dirty="0" smtClean="0"/>
+            <a:t> </a:t>
+          </a:r>
+          <a:r>
+            <a:rPr lang="en-US" sz="2000" dirty="0" err="1" smtClean="0"/>
+            <a:t>án</a:t>
+          </a:r>
+          <a:r>
+            <a:rPr lang="en-US" sz="2000" dirty="0" smtClean="0"/>
+            <a:t>, </a:t>
+          </a:r>
+          <a:r>
+            <a:rPr lang="en-US" sz="2000" dirty="0" err="1" smtClean="0"/>
+            <a:t>sự</a:t>
+          </a:r>
+          <a:r>
+            <a:rPr lang="en-US" sz="2000" dirty="0" smtClean="0"/>
+            <a:t> </a:t>
+          </a:r>
+          <a:r>
+            <a:rPr lang="en-US" sz="2000" dirty="0" err="1" smtClean="0"/>
+            <a:t>kiện</a:t>
+          </a:r>
+          <a:r>
+            <a:rPr lang="en-US" sz="2000" dirty="0" smtClean="0"/>
+            <a:t> </a:t>
+          </a:r>
+          <a:r>
+            <a:rPr lang="en-US" sz="2000" dirty="0" err="1" smtClean="0"/>
+            <a:t>quyên</a:t>
+          </a:r>
+          <a:r>
+            <a:rPr lang="en-US" sz="2000" dirty="0" smtClean="0"/>
+            <a:t> </a:t>
+          </a:r>
+          <a:r>
+            <a:rPr lang="en-US" sz="2000" dirty="0" err="1" smtClean="0"/>
+            <a:t>góp</a:t>
+          </a:r>
+          <a:r>
+            <a:rPr lang="en-US" sz="2000" dirty="0" smtClean="0"/>
+            <a:t> </a:t>
+          </a:r>
+          <a:r>
+            <a:rPr lang="en-US" sz="2000" dirty="0" err="1" smtClean="0"/>
+            <a:t>sách</a:t>
+          </a:r>
+          <a:endParaRPr lang="en-US" sz="2000" dirty="0"/>
+        </a:p>
+      </dgm:t>
+    </dgm:pt>
+    <dgm:pt modelId="{5C149856-96FD-4429-9EC9-0B0D01003602}" type="parTrans" cxnId="{140F4304-B6B1-45F9-816E-304F40A7B22D}">
+      <dgm:prSet/>
+      <dgm:spPr/>
+      <dgm:t>
+        <a:bodyPr/>
+        <a:lstStyle/>
+        <a:p>
+          <a:endParaRPr lang="en-US"/>
+        </a:p>
+      </dgm:t>
+    </dgm:pt>
+    <dgm:pt modelId="{591B1F17-86A6-4DD1-80CC-3A02E5336B0E}" type="sibTrans" cxnId="{140F4304-B6B1-45F9-816E-304F40A7B22D}">
+      <dgm:prSet/>
+      <dgm:spPr/>
+      <dgm:t>
+        <a:bodyPr/>
+        <a:lstStyle/>
+        <a:p>
+          <a:endParaRPr lang="en-US"/>
+        </a:p>
+      </dgm:t>
+    </dgm:pt>
+    <dgm:pt modelId="{07756BCF-5D55-4642-A6D6-A3B52CE27848}">
+      <dgm:prSet custT="1"/>
+      <dgm:spPr/>
+      <dgm:t>
+        <a:bodyPr/>
+        <a:lstStyle/>
+        <a:p>
+          <a:pPr algn="l" rtl="0"/>
+          <a:r>
+            <a:rPr lang="en-US" sz="2000" dirty="0" err="1" smtClean="0"/>
+            <a:t>Quản</a:t>
+          </a:r>
+          <a:r>
+            <a:rPr lang="en-US" sz="2000" dirty="0" smtClean="0"/>
+            <a:t> </a:t>
+          </a:r>
+          <a:r>
+            <a:rPr lang="en-US" sz="2000" dirty="0" err="1" smtClean="0"/>
+            <a:t>lý</a:t>
+          </a:r>
+          <a:r>
+            <a:rPr lang="en-US" sz="2000" dirty="0" smtClean="0"/>
+            <a:t> </a:t>
+          </a:r>
+          <a:r>
+            <a:rPr lang="en-US" sz="2000" dirty="0" err="1" smtClean="0"/>
+            <a:t>kho</a:t>
+          </a:r>
+          <a:r>
+            <a:rPr lang="en-US" sz="2000" dirty="0" smtClean="0"/>
+            <a:t> </a:t>
+          </a:r>
+          <a:r>
+            <a:rPr lang="en-US" sz="2000" dirty="0" err="1" smtClean="0"/>
+            <a:t>và</a:t>
+          </a:r>
+          <a:r>
+            <a:rPr lang="en-US" sz="2000" dirty="0" smtClean="0"/>
+            <a:t> </a:t>
+          </a:r>
+          <a:r>
+            <a:rPr lang="en-US" sz="2000" dirty="0" err="1" smtClean="0"/>
+            <a:t>báo</a:t>
+          </a:r>
+          <a:r>
+            <a:rPr lang="en-US" sz="2000" dirty="0" smtClean="0"/>
+            <a:t> </a:t>
+          </a:r>
+          <a:r>
+            <a:rPr lang="en-US" sz="2000" dirty="0" err="1" smtClean="0"/>
+            <a:t>cáo</a:t>
+          </a:r>
+          <a:r>
+            <a:rPr lang="en-US" sz="2000" dirty="0" smtClean="0"/>
+            <a:t> </a:t>
+          </a:r>
+          <a:r>
+            <a:rPr lang="en-US" sz="2000" dirty="0" err="1" smtClean="0"/>
+            <a:t>tài</a:t>
+          </a:r>
+          <a:r>
+            <a:rPr lang="en-US" sz="2000" dirty="0" smtClean="0"/>
+            <a:t> </a:t>
+          </a:r>
+          <a:r>
+            <a:rPr lang="en-US" sz="2000" dirty="0" err="1" smtClean="0"/>
+            <a:t>chính</a:t>
+          </a:r>
+          <a:r>
+            <a:rPr lang="en-US" sz="2000" dirty="0" smtClean="0"/>
+            <a:t> </a:t>
+          </a:r>
+          <a:r>
+            <a:rPr lang="en-US" sz="2000" dirty="0" err="1" smtClean="0"/>
+            <a:t>cho</a:t>
+          </a:r>
+          <a:r>
+            <a:rPr lang="en-US" sz="2000" dirty="0" smtClean="0"/>
+            <a:t> </a:t>
+          </a:r>
+          <a:r>
+            <a:rPr lang="en-US" sz="2000" dirty="0" err="1" smtClean="0"/>
+            <a:t>từng</a:t>
+          </a:r>
+          <a:r>
+            <a:rPr lang="en-US" sz="2000" dirty="0" smtClean="0"/>
+            <a:t> </a:t>
+          </a:r>
+          <a:r>
+            <a:rPr lang="en-US" sz="2000" dirty="0" err="1" smtClean="0"/>
+            <a:t>dự</a:t>
+          </a:r>
+          <a:r>
+            <a:rPr lang="en-US" sz="2000" dirty="0" smtClean="0"/>
+            <a:t> </a:t>
+          </a:r>
+          <a:r>
+            <a:rPr lang="en-US" sz="2000" dirty="0" err="1" smtClean="0"/>
+            <a:t>án</a:t>
+          </a:r>
+          <a:endParaRPr lang="en-US" sz="2000" dirty="0"/>
+        </a:p>
+      </dgm:t>
+    </dgm:pt>
+    <dgm:pt modelId="{4FC6653D-F509-4A43-86FE-F4A7D8280066}" type="parTrans" cxnId="{A3AACBC7-3BDC-40A3-BE3C-F5BAEA312CD0}">
+      <dgm:prSet/>
+      <dgm:spPr/>
+      <dgm:t>
+        <a:bodyPr/>
+        <a:lstStyle/>
+        <a:p>
+          <a:endParaRPr lang="en-US"/>
+        </a:p>
+      </dgm:t>
+    </dgm:pt>
+    <dgm:pt modelId="{38771C01-8A8F-491F-9D28-7C6251547FEA}" type="sibTrans" cxnId="{A3AACBC7-3BDC-40A3-BE3C-F5BAEA312CD0}">
+      <dgm:prSet/>
+      <dgm:spPr/>
+      <dgm:t>
+        <a:bodyPr/>
+        <a:lstStyle/>
+        <a:p>
+          <a:endParaRPr lang="en-US"/>
+        </a:p>
+      </dgm:t>
+    </dgm:pt>
+    <dgm:pt modelId="{9D87BD16-32F8-48BF-BD7D-A3A0003C74F3}" type="pres">
+      <dgm:prSet presAssocID="{20F1F469-8C9D-46C0-8866-025FCB2BA1F4}" presName="linearFlow" presStyleCnt="0">
+        <dgm:presLayoutVars>
+          <dgm:dir/>
+          <dgm:resizeHandles val="exact"/>
+        </dgm:presLayoutVars>
+      </dgm:prSet>
+      <dgm:spPr/>
+    </dgm:pt>
+    <dgm:pt modelId="{975400B6-67C3-41A1-AAD9-13EED5763C87}" type="pres">
+      <dgm:prSet presAssocID="{2C0870C3-AA78-4996-925C-38F3DA8DEE66}" presName="composite" presStyleCnt="0"/>
+      <dgm:spPr/>
+    </dgm:pt>
+    <dgm:pt modelId="{D44FDD41-C21A-4A80-920B-CFB1996BEE85}" type="pres">
+      <dgm:prSet presAssocID="{2C0870C3-AA78-4996-925C-38F3DA8DEE66}" presName="imgShp" presStyleLbl="fgImgPlace1" presStyleIdx="0" presStyleCnt="7" custScaleX="96706" custLinFactX="-25399" custLinFactNeighborX="-100000"/>
+      <dgm:spPr>
+        <a:blipFill>
+          <a:blip xmlns:r="http://schemas.openxmlformats.org/officeDocument/2006/relationships" r:embed="rId1" cstate="print">
+            <a:extLst>
+              <a:ext uri="{28A0092B-C50C-407E-A947-70E740481C1C}">
+                <a14:useLocalDpi xmlns:a14="http://schemas.microsoft.com/office/drawing/2010/main" val="0"/>
+              </a:ext>
+            </a:extLst>
+          </a:blip>
+          <a:srcRect/>
+          <a:stretch>
+            <a:fillRect l="-23000" r="-23000"/>
+          </a:stretch>
+        </a:blipFill>
+      </dgm:spPr>
+    </dgm:pt>
+    <dgm:pt modelId="{A0020A9B-5C55-40D3-94B0-70EA284449AB}" type="pres">
+      <dgm:prSet presAssocID="{2C0870C3-AA78-4996-925C-38F3DA8DEE66}" presName="txShp" presStyleLbl="node1" presStyleIdx="0" presStyleCnt="7" custScaleX="121596" custLinFactNeighborX="-3612">
+        <dgm:presLayoutVars>
+          <dgm:bulletEnabled val="1"/>
+        </dgm:presLayoutVars>
+      </dgm:prSet>
+      <dgm:spPr/>
+      <dgm:t>
+        <a:bodyPr/>
+        <a:lstStyle/>
+        <a:p>
+          <a:endParaRPr lang="en-US"/>
+        </a:p>
+      </dgm:t>
+    </dgm:pt>
+    <dgm:pt modelId="{77E5DFCB-AA28-4A08-80A0-D7EF2C21D8A5}" type="pres">
+      <dgm:prSet presAssocID="{47282CDA-CCB3-49A7-9D15-0D9D57C3ACA1}" presName="spacing" presStyleCnt="0"/>
+      <dgm:spPr/>
+    </dgm:pt>
+    <dgm:pt modelId="{F161170D-5670-4198-86E8-EECE1845FBD9}" type="pres">
+      <dgm:prSet presAssocID="{4EE9A9BD-73F6-42AC-9797-AC192E95C5F6}" presName="composite" presStyleCnt="0"/>
+      <dgm:spPr/>
+    </dgm:pt>
+    <dgm:pt modelId="{175FDBFA-C164-4EC6-BF21-3DF8F16F3233}" type="pres">
+      <dgm:prSet presAssocID="{4EE9A9BD-73F6-42AC-9797-AC192E95C5F6}" presName="imgShp" presStyleLbl="fgImgPlace1" presStyleIdx="1" presStyleCnt="7" custLinFactX="-25384" custLinFactNeighborX="-100000"/>
+      <dgm:spPr>
+        <a:blipFill>
+          <a:blip xmlns:r="http://schemas.openxmlformats.org/officeDocument/2006/relationships" r:embed="rId2" cstate="print">
+            <a:extLst>
+              <a:ext uri="{28A0092B-C50C-407E-A947-70E740481C1C}">
+                <a14:useLocalDpi xmlns:a14="http://schemas.microsoft.com/office/drawing/2010/main" val="0"/>
+              </a:ext>
+            </a:extLst>
+          </a:blip>
+          <a:srcRect/>
+          <a:stretch>
+            <a:fillRect l="-17000" r="-17000"/>
+          </a:stretch>
+        </a:blipFill>
+      </dgm:spPr>
+    </dgm:pt>
+    <dgm:pt modelId="{F71FDC50-C37D-457B-9971-9D6C3D85CD88}" type="pres">
+      <dgm:prSet presAssocID="{4EE9A9BD-73F6-42AC-9797-AC192E95C5F6}" presName="txShp" presStyleLbl="node1" presStyleIdx="1" presStyleCnt="7" custScaleX="120559" custLinFactNeighborX="-3096">
+        <dgm:presLayoutVars>
+          <dgm:bulletEnabled val="1"/>
+        </dgm:presLayoutVars>
+      </dgm:prSet>
+      <dgm:spPr/>
+      <dgm:t>
+        <a:bodyPr/>
+        <a:lstStyle/>
+        <a:p>
+          <a:endParaRPr lang="en-US"/>
+        </a:p>
+      </dgm:t>
+    </dgm:pt>
+    <dgm:pt modelId="{F3CD9C3F-12D2-4944-A35F-299AF8E41232}" type="pres">
+      <dgm:prSet presAssocID="{93B2E9DF-BAB7-4CFA-B970-82E32FF5A5CF}" presName="spacing" presStyleCnt="0"/>
+      <dgm:spPr/>
+    </dgm:pt>
+    <dgm:pt modelId="{F56EAB49-30D6-4041-9889-6944CF447764}" type="pres">
+      <dgm:prSet presAssocID="{F775503D-4858-45F8-8623-616B3086B50B}" presName="composite" presStyleCnt="0"/>
+      <dgm:spPr/>
+    </dgm:pt>
+    <dgm:pt modelId="{6E0A0951-6CDD-4916-BB2B-FD82D8173172}" type="pres">
+      <dgm:prSet presAssocID="{F775503D-4858-45F8-8623-616B3086B50B}" presName="imgShp" presStyleLbl="fgImgPlace1" presStyleIdx="2" presStyleCnt="7" custLinFactX="-25384" custLinFactNeighborX="-100000"/>
+      <dgm:spPr>
+        <a:blipFill>
+          <a:blip xmlns:r="http://schemas.openxmlformats.org/officeDocument/2006/relationships" r:embed="rId3"/>
+          <a:srcRect/>
+          <a:stretch>
+            <a:fillRect l="-66000" r="-66000"/>
+          </a:stretch>
+        </a:blipFill>
+      </dgm:spPr>
+    </dgm:pt>
+    <dgm:pt modelId="{3D651712-ADBA-4317-9649-BA283015484F}" type="pres">
+      <dgm:prSet presAssocID="{F775503D-4858-45F8-8623-616B3086B50B}" presName="txShp" presStyleLbl="node1" presStyleIdx="2" presStyleCnt="7" custScaleX="120559" custLinFactNeighborX="-3096">
+        <dgm:presLayoutVars>
+          <dgm:bulletEnabled val="1"/>
+        </dgm:presLayoutVars>
+      </dgm:prSet>
+      <dgm:spPr/>
+      <dgm:t>
+        <a:bodyPr/>
+        <a:lstStyle/>
+        <a:p>
+          <a:endParaRPr lang="en-US"/>
+        </a:p>
+      </dgm:t>
+    </dgm:pt>
+    <dgm:pt modelId="{FECF10F2-E614-4325-9DE9-5D9FB5AF09BF}" type="pres">
+      <dgm:prSet presAssocID="{540A6E10-5414-4C81-BDF9-BD21DDF8414E}" presName="spacing" presStyleCnt="0"/>
+      <dgm:spPr/>
+    </dgm:pt>
+    <dgm:pt modelId="{162156E2-1B47-46E8-94A1-91B895C2ADDD}" type="pres">
+      <dgm:prSet presAssocID="{B7D52009-FC9D-41E8-9964-8E7898C511E1}" presName="composite" presStyleCnt="0"/>
+      <dgm:spPr/>
+    </dgm:pt>
+    <dgm:pt modelId="{733AFF58-D87C-44F4-9B6F-8E2A82DBCDCD}" type="pres">
+      <dgm:prSet presAssocID="{B7D52009-FC9D-41E8-9964-8E7898C511E1}" presName="imgShp" presStyleLbl="fgImgPlace1" presStyleIdx="3" presStyleCnt="7" custLinFactX="-25384" custLinFactNeighborX="-100000"/>
+      <dgm:spPr>
+        <a:blipFill>
+          <a:blip xmlns:r="http://schemas.openxmlformats.org/officeDocument/2006/relationships" r:embed="rId4" cstate="print">
+            <a:extLst>
+              <a:ext uri="{28A0092B-C50C-407E-A947-70E740481C1C}">
+                <a14:useLocalDpi xmlns:a14="http://schemas.microsoft.com/office/drawing/2010/main" val="0"/>
+              </a:ext>
+            </a:extLst>
+          </a:blip>
+          <a:srcRect/>
+          <a:stretch>
+            <a:fillRect l="-14000" r="-14000"/>
+          </a:stretch>
+        </a:blipFill>
+      </dgm:spPr>
+    </dgm:pt>
+    <dgm:pt modelId="{F5003679-163F-4F6D-8AF1-772BD5F715F4}" type="pres">
+      <dgm:prSet presAssocID="{B7D52009-FC9D-41E8-9964-8E7898C511E1}" presName="txShp" presStyleLbl="node1" presStyleIdx="3" presStyleCnt="7" custScaleX="120559" custLinFactNeighborX="-3096">
+        <dgm:presLayoutVars>
+          <dgm:bulletEnabled val="1"/>
+        </dgm:presLayoutVars>
+      </dgm:prSet>
+      <dgm:spPr/>
+      <dgm:t>
+        <a:bodyPr/>
+        <a:lstStyle/>
+        <a:p>
+          <a:endParaRPr lang="en-US"/>
+        </a:p>
+      </dgm:t>
+    </dgm:pt>
+    <dgm:pt modelId="{E855850E-A673-4495-8391-341E964DB6BC}" type="pres">
+      <dgm:prSet presAssocID="{591B1F17-86A6-4DD1-80CC-3A02E5336B0E}" presName="spacing" presStyleCnt="0"/>
+      <dgm:spPr/>
+    </dgm:pt>
+    <dgm:pt modelId="{232EC375-94AF-4A48-901D-36C32BC9A575}" type="pres">
+      <dgm:prSet presAssocID="{E0581600-4AE6-42EB-BB32-9E533F718B16}" presName="composite" presStyleCnt="0"/>
+      <dgm:spPr/>
+    </dgm:pt>
+    <dgm:pt modelId="{04883265-DDEB-4D68-9DF3-C65FCE2A3CE3}" type="pres">
+      <dgm:prSet presAssocID="{E0581600-4AE6-42EB-BB32-9E533F718B16}" presName="imgShp" presStyleLbl="fgImgPlace1" presStyleIdx="4" presStyleCnt="7" custLinFactX="-25384" custLinFactNeighborX="-100000"/>
+      <dgm:spPr>
+        <a:blipFill>
+          <a:blip xmlns:r="http://schemas.openxmlformats.org/officeDocument/2006/relationships" r:embed="rId5" cstate="print">
+            <a:extLst>
+              <a:ext uri="{28A0092B-C50C-407E-A947-70E740481C1C}">
+                <a14:useLocalDpi xmlns:a14="http://schemas.microsoft.com/office/drawing/2010/main" val="0"/>
+              </a:ext>
+            </a:extLst>
+          </a:blip>
+          <a:srcRect/>
+          <a:stretch>
+            <a:fillRect l="-66000" r="-66000"/>
+          </a:stretch>
+        </a:blipFill>
+      </dgm:spPr>
+    </dgm:pt>
+    <dgm:pt modelId="{F1F15CCA-18B7-483C-B056-093E5EF49A70}" type="pres">
+      <dgm:prSet presAssocID="{E0581600-4AE6-42EB-BB32-9E533F718B16}" presName="txShp" presStyleLbl="node1" presStyleIdx="4" presStyleCnt="7" custScaleX="120559" custLinFactNeighborX="-3096">
+        <dgm:presLayoutVars>
+          <dgm:bulletEnabled val="1"/>
+        </dgm:presLayoutVars>
+      </dgm:prSet>
+      <dgm:spPr/>
+      <dgm:t>
+        <a:bodyPr/>
+        <a:lstStyle/>
+        <a:p>
+          <a:endParaRPr lang="en-US"/>
+        </a:p>
+      </dgm:t>
+    </dgm:pt>
+    <dgm:pt modelId="{C2F47F02-0F2B-493D-9866-5A9570156915}" type="pres">
+      <dgm:prSet presAssocID="{F28C0622-48B0-4B09-B839-522962B78979}" presName="spacing" presStyleCnt="0"/>
+      <dgm:spPr/>
+    </dgm:pt>
+    <dgm:pt modelId="{7D0C256A-7144-410C-96ED-FE26AA11A314}" type="pres">
+      <dgm:prSet presAssocID="{91208E2A-4143-4B7A-993E-1B0420F5FFDB}" presName="composite" presStyleCnt="0"/>
+      <dgm:spPr/>
+    </dgm:pt>
+    <dgm:pt modelId="{62F2674A-F765-4F1F-8F3B-11105635BE02}" type="pres">
+      <dgm:prSet presAssocID="{91208E2A-4143-4B7A-993E-1B0420F5FFDB}" presName="imgShp" presStyleLbl="fgImgPlace1" presStyleIdx="5" presStyleCnt="7" custLinFactX="-25384" custLinFactNeighborX="-100000"/>
+      <dgm:spPr>
+        <a:blipFill>
+          <a:blip xmlns:r="http://schemas.openxmlformats.org/officeDocument/2006/relationships" r:embed="rId6"/>
+          <a:srcRect/>
+          <a:stretch>
+            <a:fillRect l="-7000" r="-7000"/>
+          </a:stretch>
+        </a:blipFill>
+      </dgm:spPr>
+    </dgm:pt>
+    <dgm:pt modelId="{DFDB00B8-3804-4459-B8B1-F1CABB474CB9}" type="pres">
+      <dgm:prSet presAssocID="{91208E2A-4143-4B7A-993E-1B0420F5FFDB}" presName="txShp" presStyleLbl="node1" presStyleIdx="5" presStyleCnt="7" custScaleX="120559" custLinFactNeighborX="-3096">
+        <dgm:presLayoutVars>
+          <dgm:bulletEnabled val="1"/>
+        </dgm:presLayoutVars>
+      </dgm:prSet>
+      <dgm:spPr/>
+      <dgm:t>
+        <a:bodyPr/>
+        <a:lstStyle/>
+        <a:p>
+          <a:endParaRPr lang="en-US"/>
+        </a:p>
+      </dgm:t>
+    </dgm:pt>
+    <dgm:pt modelId="{81042F56-4DA0-4B61-9848-E45DB7EF5B3D}" type="pres">
+      <dgm:prSet presAssocID="{D329B3A9-1254-4733-A7C3-8A0C8D02F38E}" presName="spacing" presStyleCnt="0"/>
+      <dgm:spPr/>
+    </dgm:pt>
+    <dgm:pt modelId="{99D06258-2458-47E2-8587-E2CE63BA74C3}" type="pres">
+      <dgm:prSet presAssocID="{07756BCF-5D55-4642-A6D6-A3B52CE27848}" presName="composite" presStyleCnt="0"/>
+      <dgm:spPr/>
+    </dgm:pt>
+    <dgm:pt modelId="{2D027021-CC96-474A-B6D7-F61606AE0AB1}" type="pres">
+      <dgm:prSet presAssocID="{07756BCF-5D55-4642-A6D6-A3B52CE27848}" presName="imgShp" presStyleLbl="fgImgPlace1" presStyleIdx="6" presStyleCnt="7" custLinFactX="-25384" custLinFactNeighborX="-100000"/>
+      <dgm:spPr>
+        <a:blipFill>
+          <a:blip xmlns:r="http://schemas.openxmlformats.org/officeDocument/2006/relationships" r:embed="rId7" cstate="print">
+            <a:extLst>
+              <a:ext uri="{28A0092B-C50C-407E-A947-70E740481C1C}">
+                <a14:useLocalDpi xmlns:a14="http://schemas.microsoft.com/office/drawing/2010/main" val="0"/>
+              </a:ext>
+            </a:extLst>
+          </a:blip>
+          <a:srcRect/>
+          <a:stretch>
+            <a:fillRect/>
+          </a:stretch>
+        </a:blipFill>
+      </dgm:spPr>
+    </dgm:pt>
+    <dgm:pt modelId="{33E1CB3D-2697-42D6-B533-B2DCC658D2B0}" type="pres">
+      <dgm:prSet presAssocID="{07756BCF-5D55-4642-A6D6-A3B52CE27848}" presName="txShp" presStyleLbl="node1" presStyleIdx="6" presStyleCnt="7" custScaleX="120559" custLinFactNeighborX="-3096">
+        <dgm:presLayoutVars>
+          <dgm:bulletEnabled val="1"/>
+        </dgm:presLayoutVars>
+      </dgm:prSet>
+      <dgm:spPr/>
+      <dgm:t>
+        <a:bodyPr/>
+        <a:lstStyle/>
+        <a:p>
+          <a:endParaRPr lang="en-US"/>
+        </a:p>
+      </dgm:t>
+    </dgm:pt>
+  </dgm:ptLst>
+  <dgm:cxnLst>
+    <dgm:cxn modelId="{680578D9-7EFE-455F-9096-B3F541221A3B}" type="presOf" srcId="{20F1F469-8C9D-46C0-8866-025FCB2BA1F4}" destId="{9D87BD16-32F8-48BF-BD7D-A3A0003C74F3}" srcOrd="0" destOrd="0" presId="urn:microsoft.com/office/officeart/2005/8/layout/vList3"/>
+    <dgm:cxn modelId="{A53E5C48-16A0-44F9-AC82-F3CFE0412CC2}" srcId="{20F1F469-8C9D-46C0-8866-025FCB2BA1F4}" destId="{4EE9A9BD-73F6-42AC-9797-AC192E95C5F6}" srcOrd="1" destOrd="0" parTransId="{37CFA021-6FFE-485F-9A14-40BFA9B27EFF}" sibTransId="{93B2E9DF-BAB7-4CFA-B970-82E32FF5A5CF}"/>
+    <dgm:cxn modelId="{140F4304-B6B1-45F9-816E-304F40A7B22D}" srcId="{20F1F469-8C9D-46C0-8866-025FCB2BA1F4}" destId="{B7D52009-FC9D-41E8-9964-8E7898C511E1}" srcOrd="3" destOrd="0" parTransId="{5C149856-96FD-4429-9EC9-0B0D01003602}" sibTransId="{591B1F17-86A6-4DD1-80CC-3A02E5336B0E}"/>
+    <dgm:cxn modelId="{A3AACBC7-3BDC-40A3-BE3C-F5BAEA312CD0}" srcId="{20F1F469-8C9D-46C0-8866-025FCB2BA1F4}" destId="{07756BCF-5D55-4642-A6D6-A3B52CE27848}" srcOrd="6" destOrd="0" parTransId="{4FC6653D-F509-4A43-86FE-F4A7D8280066}" sibTransId="{38771C01-8A8F-491F-9D28-7C6251547FEA}"/>
+    <dgm:cxn modelId="{834318D5-497B-44F7-B25F-11E20BBF4652}" type="presOf" srcId="{91208E2A-4143-4B7A-993E-1B0420F5FFDB}" destId="{DFDB00B8-3804-4459-B8B1-F1CABB474CB9}" srcOrd="0" destOrd="0" presId="urn:microsoft.com/office/officeart/2005/8/layout/vList3"/>
+    <dgm:cxn modelId="{F05F1638-A2B9-4F97-BA81-28C56E22B4A3}" srcId="{20F1F469-8C9D-46C0-8866-025FCB2BA1F4}" destId="{2C0870C3-AA78-4996-925C-38F3DA8DEE66}" srcOrd="0" destOrd="0" parTransId="{D398E535-3480-4227-9095-0610BA9DCF58}" sibTransId="{47282CDA-CCB3-49A7-9D15-0D9D57C3ACA1}"/>
+    <dgm:cxn modelId="{2958F27F-F56B-4E90-A108-71EBE57BC444}" srcId="{20F1F469-8C9D-46C0-8866-025FCB2BA1F4}" destId="{91208E2A-4143-4B7A-993E-1B0420F5FFDB}" srcOrd="5" destOrd="0" parTransId="{64205A7B-7126-46C8-AC96-361A50026D47}" sibTransId="{D329B3A9-1254-4733-A7C3-8A0C8D02F38E}"/>
+    <dgm:cxn modelId="{40E22A61-DCE6-4786-822D-33359768AC0E}" srcId="{20F1F469-8C9D-46C0-8866-025FCB2BA1F4}" destId="{F775503D-4858-45F8-8623-616B3086B50B}" srcOrd="2" destOrd="0" parTransId="{F4FC54F1-11A6-4FC4-88A4-933996964A63}" sibTransId="{540A6E10-5414-4C81-BDF9-BD21DDF8414E}"/>
+    <dgm:cxn modelId="{3A625401-7C96-4ACD-9CD4-6814FFB3B353}" type="presOf" srcId="{B7D52009-FC9D-41E8-9964-8E7898C511E1}" destId="{F5003679-163F-4F6D-8AF1-772BD5F715F4}" srcOrd="0" destOrd="0" presId="urn:microsoft.com/office/officeart/2005/8/layout/vList3"/>
+    <dgm:cxn modelId="{6BCE1B47-31EB-47BE-B990-14BE8AC95653}" type="presOf" srcId="{E0581600-4AE6-42EB-BB32-9E533F718B16}" destId="{F1F15CCA-18B7-483C-B056-093E5EF49A70}" srcOrd="0" destOrd="0" presId="urn:microsoft.com/office/officeart/2005/8/layout/vList3"/>
+    <dgm:cxn modelId="{7DBF2516-D020-430B-BAF1-D21B5940355C}" srcId="{20F1F469-8C9D-46C0-8866-025FCB2BA1F4}" destId="{E0581600-4AE6-42EB-BB32-9E533F718B16}" srcOrd="4" destOrd="0" parTransId="{03B885EB-E792-4AD7-82F6-06BD15531FF7}" sibTransId="{F28C0622-48B0-4B09-B839-522962B78979}"/>
+    <dgm:cxn modelId="{97C4F3C7-C28F-413B-8E8A-83B130074213}" type="presOf" srcId="{F775503D-4858-45F8-8623-616B3086B50B}" destId="{3D651712-ADBA-4317-9649-BA283015484F}" srcOrd="0" destOrd="0" presId="urn:microsoft.com/office/officeart/2005/8/layout/vList3"/>
+    <dgm:cxn modelId="{15D24256-DB03-4CE8-B0D4-AC6AFF3573AF}" type="presOf" srcId="{07756BCF-5D55-4642-A6D6-A3B52CE27848}" destId="{33E1CB3D-2697-42D6-B533-B2DCC658D2B0}" srcOrd="0" destOrd="0" presId="urn:microsoft.com/office/officeart/2005/8/layout/vList3"/>
+    <dgm:cxn modelId="{DF02A892-6A7D-491D-A134-B62869830BAB}" type="presOf" srcId="{2C0870C3-AA78-4996-925C-38F3DA8DEE66}" destId="{A0020A9B-5C55-40D3-94B0-70EA284449AB}" srcOrd="0" destOrd="0" presId="urn:microsoft.com/office/officeart/2005/8/layout/vList3"/>
+    <dgm:cxn modelId="{6352B4C7-7B6D-4A9E-8915-ADA3E205153A}" type="presOf" srcId="{4EE9A9BD-73F6-42AC-9797-AC192E95C5F6}" destId="{F71FDC50-C37D-457B-9971-9D6C3D85CD88}" srcOrd="0" destOrd="0" presId="urn:microsoft.com/office/officeart/2005/8/layout/vList3"/>
+    <dgm:cxn modelId="{513B3831-1B3B-4C6F-869B-3FEF73EACC63}" type="presParOf" srcId="{9D87BD16-32F8-48BF-BD7D-A3A0003C74F3}" destId="{975400B6-67C3-41A1-AAD9-13EED5763C87}" srcOrd="0" destOrd="0" presId="urn:microsoft.com/office/officeart/2005/8/layout/vList3"/>
+    <dgm:cxn modelId="{8FD31DA0-2700-4D47-8817-09566D9C19C9}" type="presParOf" srcId="{975400B6-67C3-41A1-AAD9-13EED5763C87}" destId="{D44FDD41-C21A-4A80-920B-CFB1996BEE85}" srcOrd="0" destOrd="0" presId="urn:microsoft.com/office/officeart/2005/8/layout/vList3"/>
+    <dgm:cxn modelId="{82373E15-CC21-42F2-8ACC-779417FC6700}" type="presParOf" srcId="{975400B6-67C3-41A1-AAD9-13EED5763C87}" destId="{A0020A9B-5C55-40D3-94B0-70EA284449AB}" srcOrd="1" destOrd="0" presId="urn:microsoft.com/office/officeart/2005/8/layout/vList3"/>
+    <dgm:cxn modelId="{6082584A-95FD-4EC2-BA09-D55EC2585658}" type="presParOf" srcId="{9D87BD16-32F8-48BF-BD7D-A3A0003C74F3}" destId="{77E5DFCB-AA28-4A08-80A0-D7EF2C21D8A5}" srcOrd="1" destOrd="0" presId="urn:microsoft.com/office/officeart/2005/8/layout/vList3"/>
+    <dgm:cxn modelId="{4243835A-5750-4A85-B21F-C1F65FCED5FE}" type="presParOf" srcId="{9D87BD16-32F8-48BF-BD7D-A3A0003C74F3}" destId="{F161170D-5670-4198-86E8-EECE1845FBD9}" srcOrd="2" destOrd="0" presId="urn:microsoft.com/office/officeart/2005/8/layout/vList3"/>
+    <dgm:cxn modelId="{057157C2-5E2E-4765-B3CE-430E9CC0B434}" type="presParOf" srcId="{F161170D-5670-4198-86E8-EECE1845FBD9}" destId="{175FDBFA-C164-4EC6-BF21-3DF8F16F3233}" srcOrd="0" destOrd="0" presId="urn:microsoft.com/office/officeart/2005/8/layout/vList3"/>
+    <dgm:cxn modelId="{EF53A6AF-B732-47DB-A271-E79F8C91569B}" type="presParOf" srcId="{F161170D-5670-4198-86E8-EECE1845FBD9}" destId="{F71FDC50-C37D-457B-9971-9D6C3D85CD88}" srcOrd="1" destOrd="0" presId="urn:microsoft.com/office/officeart/2005/8/layout/vList3"/>
+    <dgm:cxn modelId="{18FFAC22-E56B-40A5-AAD2-14C1B9882606}" type="presParOf" srcId="{9D87BD16-32F8-48BF-BD7D-A3A0003C74F3}" destId="{F3CD9C3F-12D2-4944-A35F-299AF8E41232}" srcOrd="3" destOrd="0" presId="urn:microsoft.com/office/officeart/2005/8/layout/vList3"/>
+    <dgm:cxn modelId="{35B38A5E-3D12-4081-AFBC-0268C5DEFDB3}" type="presParOf" srcId="{9D87BD16-32F8-48BF-BD7D-A3A0003C74F3}" destId="{F56EAB49-30D6-4041-9889-6944CF447764}" srcOrd="4" destOrd="0" presId="urn:microsoft.com/office/officeart/2005/8/layout/vList3"/>
+    <dgm:cxn modelId="{0EA622E1-66F6-4FA7-BAD0-8CCF605E84C1}" type="presParOf" srcId="{F56EAB49-30D6-4041-9889-6944CF447764}" destId="{6E0A0951-6CDD-4916-BB2B-FD82D8173172}" srcOrd="0" destOrd="0" presId="urn:microsoft.com/office/officeart/2005/8/layout/vList3"/>
+    <dgm:cxn modelId="{6620533F-F271-4865-81EB-02A83FB7F5C5}" type="presParOf" srcId="{F56EAB49-30D6-4041-9889-6944CF447764}" destId="{3D651712-ADBA-4317-9649-BA283015484F}" srcOrd="1" destOrd="0" presId="urn:microsoft.com/office/officeart/2005/8/layout/vList3"/>
+    <dgm:cxn modelId="{0907531C-9FE9-48E6-A4DF-215D4FD51C70}" type="presParOf" srcId="{9D87BD16-32F8-48BF-BD7D-A3A0003C74F3}" destId="{FECF10F2-E614-4325-9DE9-5D9FB5AF09BF}" srcOrd="5" destOrd="0" presId="urn:microsoft.com/office/officeart/2005/8/layout/vList3"/>
+    <dgm:cxn modelId="{4052BFB9-6C74-4C62-A2F4-CC4AFCEB8A1D}" type="presParOf" srcId="{9D87BD16-32F8-48BF-BD7D-A3A0003C74F3}" destId="{162156E2-1B47-46E8-94A1-91B895C2ADDD}" srcOrd="6" destOrd="0" presId="urn:microsoft.com/office/officeart/2005/8/layout/vList3"/>
+    <dgm:cxn modelId="{34085ECB-8F69-4EBB-BB69-9F2FE79D122E}" type="presParOf" srcId="{162156E2-1B47-46E8-94A1-91B895C2ADDD}" destId="{733AFF58-D87C-44F4-9B6F-8E2A82DBCDCD}" srcOrd="0" destOrd="0" presId="urn:microsoft.com/office/officeart/2005/8/layout/vList3"/>
+    <dgm:cxn modelId="{EB323AF9-7185-4049-83BA-E101A3DF24CD}" type="presParOf" srcId="{162156E2-1B47-46E8-94A1-91B895C2ADDD}" destId="{F5003679-163F-4F6D-8AF1-772BD5F715F4}" srcOrd="1" destOrd="0" presId="urn:microsoft.com/office/officeart/2005/8/layout/vList3"/>
+    <dgm:cxn modelId="{BED48D39-8F2A-44DB-9D37-B237375FA556}" type="presParOf" srcId="{9D87BD16-32F8-48BF-BD7D-A3A0003C74F3}" destId="{E855850E-A673-4495-8391-341E964DB6BC}" srcOrd="7" destOrd="0" presId="urn:microsoft.com/office/officeart/2005/8/layout/vList3"/>
+    <dgm:cxn modelId="{6C74E15E-0C9E-44BB-A568-12631B0B1FB3}" type="presParOf" srcId="{9D87BD16-32F8-48BF-BD7D-A3A0003C74F3}" destId="{232EC375-94AF-4A48-901D-36C32BC9A575}" srcOrd="8" destOrd="0" presId="urn:microsoft.com/office/officeart/2005/8/layout/vList3"/>
+    <dgm:cxn modelId="{D0CEB34A-DAF5-4773-AF2A-1E6C90948E1D}" type="presParOf" srcId="{232EC375-94AF-4A48-901D-36C32BC9A575}" destId="{04883265-DDEB-4D68-9DF3-C65FCE2A3CE3}" srcOrd="0" destOrd="0" presId="urn:microsoft.com/office/officeart/2005/8/layout/vList3"/>
+    <dgm:cxn modelId="{BB95D1BE-F8BF-4363-8F83-7030968D84AE}" type="presParOf" srcId="{232EC375-94AF-4A48-901D-36C32BC9A575}" destId="{F1F15CCA-18B7-483C-B056-093E5EF49A70}" srcOrd="1" destOrd="0" presId="urn:microsoft.com/office/officeart/2005/8/layout/vList3"/>
+    <dgm:cxn modelId="{8F1A3366-3AF0-4FC0-9337-0DC4B97820A5}" type="presParOf" srcId="{9D87BD16-32F8-48BF-BD7D-A3A0003C74F3}" destId="{C2F47F02-0F2B-493D-9866-5A9570156915}" srcOrd="9" destOrd="0" presId="urn:microsoft.com/office/officeart/2005/8/layout/vList3"/>
+    <dgm:cxn modelId="{F2918782-F245-48B5-8AD9-105A5864578C}" type="presParOf" srcId="{9D87BD16-32F8-48BF-BD7D-A3A0003C74F3}" destId="{7D0C256A-7144-410C-96ED-FE26AA11A314}" srcOrd="10" destOrd="0" presId="urn:microsoft.com/office/officeart/2005/8/layout/vList3"/>
+    <dgm:cxn modelId="{B1B168F0-33A0-4DA5-BBF1-241DC9B4B80B}" type="presParOf" srcId="{7D0C256A-7144-410C-96ED-FE26AA11A314}" destId="{62F2674A-F765-4F1F-8F3B-11105635BE02}" srcOrd="0" destOrd="0" presId="urn:microsoft.com/office/officeart/2005/8/layout/vList3"/>
+    <dgm:cxn modelId="{EFC0E86E-E86F-4DF9-81C8-41E2016D6ACE}" type="presParOf" srcId="{7D0C256A-7144-410C-96ED-FE26AA11A314}" destId="{DFDB00B8-3804-4459-B8B1-F1CABB474CB9}" srcOrd="1" destOrd="0" presId="urn:microsoft.com/office/officeart/2005/8/layout/vList3"/>
+    <dgm:cxn modelId="{BD9E9AC8-15C8-4DF7-9C9B-357B7CB525ED}" type="presParOf" srcId="{9D87BD16-32F8-48BF-BD7D-A3A0003C74F3}" destId="{81042F56-4DA0-4B61-9848-E45DB7EF5B3D}" srcOrd="11" destOrd="0" presId="urn:microsoft.com/office/officeart/2005/8/layout/vList3"/>
+    <dgm:cxn modelId="{B3F4048C-0C97-445D-99D1-6D8E98DC448B}" type="presParOf" srcId="{9D87BD16-32F8-48BF-BD7D-A3A0003C74F3}" destId="{99D06258-2458-47E2-8587-E2CE63BA74C3}" srcOrd="12" destOrd="0" presId="urn:microsoft.com/office/officeart/2005/8/layout/vList3"/>
+    <dgm:cxn modelId="{3C481507-9861-441E-93DD-68807F251DFC}" type="presParOf" srcId="{99D06258-2458-47E2-8587-E2CE63BA74C3}" destId="{2D027021-CC96-474A-B6D7-F61606AE0AB1}" srcOrd="0" destOrd="0" presId="urn:microsoft.com/office/officeart/2005/8/layout/vList3"/>
+    <dgm:cxn modelId="{56BB4AC5-804D-414D-B810-D00B707F2BC5}" type="presParOf" srcId="{99D06258-2458-47E2-8587-E2CE63BA74C3}" destId="{33E1CB3D-2697-42D6-B533-B2DCC658D2B0}" srcOrd="1" destOrd="0" presId="urn:microsoft.com/office/officeart/2005/8/layout/vList3"/>
+  </dgm:cxnLst>
+  <dgm:bg/>
+  <dgm:whole/>
+  <dgm:extLst>
+    <a:ext uri="http://schemas.microsoft.com/office/drawing/2008/diagram">
+      <dsp:dataModelExt xmlns:dsp="http://schemas.microsoft.com/office/drawing/2008/diagram" relId="rId6" minVer="http://schemas.openxmlformats.org/drawingml/2006/diagram"/>
+    </a:ext>
+  </dgm:extLst>
+</dgm:dataModel>
+</file>
+
+<file path=ppt/diagrams/drawing1.xml><?xml version="1.0" encoding="utf-8"?>
+<dsp:drawing xmlns:dgm="http://schemas.openxmlformats.org/drawingml/2006/diagram" xmlns:dsp="http://schemas.microsoft.com/office/drawing/2008/diagram" xmlns:a="http://schemas.openxmlformats.org/drawingml/2006/main">
+  <dsp:spTree>
+    <dsp:nvGrpSpPr>
+      <dsp:cNvPr id="0" name=""/>
+      <dsp:cNvGrpSpPr/>
+    </dsp:nvGrpSpPr>
+    <dsp:grpSpPr/>
+    <dsp:sp modelId="{A0020A9B-5C55-40D3-94B0-70EA284449AB}">
+      <dsp:nvSpPr>
+        <dsp:cNvPr id="0" name=""/>
+        <dsp:cNvSpPr/>
+      </dsp:nvSpPr>
+      <dsp:spPr>
+        <a:xfrm rot="10800000">
+          <a:off x="570615" y="1597"/>
+          <a:ext cx="6437623" cy="609460"/>
+        </a:xfrm>
+        <a:prstGeom prst="homePlate">
+          <a:avLst/>
+        </a:prstGeom>
+        <a:solidFill>
+          <a:schemeClr val="accent1">
+            <a:hueOff val="0"/>
+            <a:satOff val="0"/>
+            <a:lumOff val="0"/>
+            <a:alphaOff val="0"/>
+          </a:schemeClr>
+        </a:solidFill>
+        <a:ln w="25400" cap="flat" cmpd="sng" algn="ctr">
+          <a:solidFill>
+            <a:schemeClr val="lt1">
+              <a:hueOff val="0"/>
+              <a:satOff val="0"/>
+              <a:lumOff val="0"/>
+              <a:alphaOff val="0"/>
+            </a:schemeClr>
+          </a:solidFill>
+          <a:prstDash val="solid"/>
+        </a:ln>
+        <a:effectLst/>
+      </dsp:spPr>
+      <dsp:style>
+        <a:lnRef idx="2">
+          <a:scrgbClr r="0" g="0" b="0"/>
+        </a:lnRef>
+        <a:fillRef idx="1">
+          <a:scrgbClr r="0" g="0" b="0"/>
+        </a:fillRef>
+        <a:effectRef idx="0">
+          <a:scrgbClr r="0" g="0" b="0"/>
+        </a:effectRef>
+        <a:fontRef idx="minor">
+          <a:schemeClr val="lt1"/>
+        </a:fontRef>
+      </dsp:style>
+      <dsp:txBody>
+        <a:bodyPr spcFirstLastPara="0" vert="horz" wrap="square" lIns="268755" tIns="76200" rIns="142240" bIns="76200" numCol="1" spcCol="1270" anchor="ctr" anchorCtr="0">
+          <a:noAutofit/>
+        </a:bodyPr>
+        <a:lstStyle/>
+        <a:p>
+          <a:pPr lvl="0" algn="l" defTabSz="889000" rtl="0">
+            <a:lnSpc>
+              <a:spcPct val="90000"/>
+            </a:lnSpc>
+            <a:spcBef>
+              <a:spcPct val="0"/>
+            </a:spcBef>
+            <a:spcAft>
+              <a:spcPct val="35000"/>
+            </a:spcAft>
+          </a:pPr>
+          <a:r>
+            <a:rPr lang="en-US" sz="2000" kern="1200" dirty="0" err="1" smtClean="0"/>
+            <a:t>Đăng</a:t>
+          </a:r>
+          <a:r>
+            <a:rPr lang="en-US" sz="2000" kern="1200" dirty="0" smtClean="0"/>
+            <a:t> </a:t>
+          </a:r>
+          <a:r>
+            <a:rPr lang="en-US" sz="2000" kern="1200" dirty="0" err="1" smtClean="0"/>
+            <a:t>thông</a:t>
+          </a:r>
+          <a:r>
+            <a:rPr lang="en-US" sz="2000" kern="1200" dirty="0" smtClean="0"/>
+            <a:t> tin </a:t>
+          </a:r>
+          <a:r>
+            <a:rPr lang="en-US" sz="2000" kern="1200" dirty="0" err="1" smtClean="0"/>
+            <a:t>về</a:t>
+          </a:r>
+          <a:r>
+            <a:rPr lang="en-US" sz="2000" kern="1200" dirty="0" smtClean="0"/>
+            <a:t> </a:t>
+          </a:r>
+          <a:r>
+            <a:rPr lang="en-US" sz="2000" kern="1200" dirty="0" err="1" smtClean="0"/>
+            <a:t>các</a:t>
+          </a:r>
+          <a:r>
+            <a:rPr lang="en-US" sz="2000" kern="1200" dirty="0" smtClean="0"/>
+            <a:t> </a:t>
+          </a:r>
+          <a:r>
+            <a:rPr lang="en-US" sz="2000" kern="1200" dirty="0" err="1" smtClean="0"/>
+            <a:t>hoạt</a:t>
+          </a:r>
+          <a:r>
+            <a:rPr lang="en-US" sz="2000" kern="1200" dirty="0" smtClean="0"/>
+            <a:t> </a:t>
+          </a:r>
+          <a:r>
+            <a:rPr lang="en-US" sz="2000" kern="1200" dirty="0" err="1" smtClean="0"/>
+            <a:t>động</a:t>
+          </a:r>
+          <a:r>
+            <a:rPr lang="en-US" sz="2000" kern="1200" dirty="0" smtClean="0"/>
+            <a:t> </a:t>
+          </a:r>
+          <a:r>
+            <a:rPr lang="en-US" sz="2000" kern="1200" dirty="0" err="1" smtClean="0"/>
+            <a:t>quyên</a:t>
+          </a:r>
+          <a:r>
+            <a:rPr lang="en-US" sz="2000" kern="1200" dirty="0" smtClean="0"/>
+            <a:t> </a:t>
+          </a:r>
+          <a:r>
+            <a:rPr lang="en-US" sz="2000" kern="1200" dirty="0" err="1" smtClean="0"/>
+            <a:t>góp</a:t>
+          </a:r>
+          <a:r>
+            <a:rPr lang="en-US" sz="2000" kern="1200" dirty="0" smtClean="0"/>
+            <a:t> </a:t>
+          </a:r>
+          <a:r>
+            <a:rPr lang="en-US" sz="2000" kern="1200" dirty="0" err="1" smtClean="0"/>
+            <a:t>sách</a:t>
+          </a:r>
+          <a:endParaRPr lang="en-US" sz="2000" kern="1200" dirty="0"/>
+        </a:p>
+      </dsp:txBody>
+      <dsp:txXfrm rot="10800000">
+        <a:off x="722980" y="1597"/>
+        <a:ext cx="6285258" cy="609460"/>
+      </dsp:txXfrm>
+    </dsp:sp>
+    <dsp:sp modelId="{D44FDD41-C21A-4A80-920B-CFB1996BEE85}">
+      <dsp:nvSpPr>
+        <dsp:cNvPr id="0" name=""/>
+        <dsp:cNvSpPr/>
+      </dsp:nvSpPr>
+      <dsp:spPr>
+        <a:xfrm>
+          <a:off x="274570" y="1597"/>
+          <a:ext cx="589384" cy="609460"/>
+        </a:xfrm>
+        <a:prstGeom prst="ellipse">
+          <a:avLst/>
+        </a:prstGeom>
+        <a:blipFill>
+          <a:blip xmlns:r="http://schemas.openxmlformats.org/officeDocument/2006/relationships" r:embed="rId1" cstate="print">
+            <a:extLst>
+              <a:ext uri="{28A0092B-C50C-407E-A947-70E740481C1C}">
+                <a14:useLocalDpi xmlns:a14="http://schemas.microsoft.com/office/drawing/2010/main" val="0"/>
+              </a:ext>
+            </a:extLst>
+          </a:blip>
+          <a:srcRect/>
+          <a:stretch>
+            <a:fillRect l="-23000" r="-23000"/>
+          </a:stretch>
+        </a:blipFill>
+        <a:ln w="25400" cap="flat" cmpd="sng" algn="ctr">
+          <a:solidFill>
+            <a:schemeClr val="lt1">
+              <a:hueOff val="0"/>
+              <a:satOff val="0"/>
+              <a:lumOff val="0"/>
+              <a:alphaOff val="0"/>
+            </a:schemeClr>
+          </a:solidFill>
+          <a:prstDash val="solid"/>
+        </a:ln>
+        <a:effectLst/>
+      </dsp:spPr>
+      <dsp:style>
+        <a:lnRef idx="2">
+          <a:scrgbClr r="0" g="0" b="0"/>
+        </a:lnRef>
+        <a:fillRef idx="1">
+          <a:scrgbClr r="0" g="0" b="0"/>
+        </a:fillRef>
+        <a:effectRef idx="0">
+          <a:scrgbClr r="0" g="0" b="0"/>
+        </a:effectRef>
+        <a:fontRef idx="minor"/>
+      </dsp:style>
+    </dsp:sp>
+    <dsp:sp modelId="{F71FDC50-C37D-457B-9971-9D6C3D85CD88}">
+      <dsp:nvSpPr>
+        <dsp:cNvPr id="0" name=""/>
+        <dsp:cNvSpPr/>
+      </dsp:nvSpPr>
+      <dsp:spPr>
+        <a:xfrm rot="10800000">
+          <a:off x="625384" y="792986"/>
+          <a:ext cx="6382721" cy="609460"/>
+        </a:xfrm>
+        <a:prstGeom prst="homePlate">
+          <a:avLst/>
+        </a:prstGeom>
+        <a:solidFill>
+          <a:schemeClr val="accent1">
+            <a:hueOff val="0"/>
+            <a:satOff val="0"/>
+            <a:lumOff val="0"/>
+            <a:alphaOff val="0"/>
+          </a:schemeClr>
+        </a:solidFill>
+        <a:ln w="25400" cap="flat" cmpd="sng" algn="ctr">
+          <a:solidFill>
+            <a:schemeClr val="lt1">
+              <a:hueOff val="0"/>
+              <a:satOff val="0"/>
+              <a:lumOff val="0"/>
+              <a:alphaOff val="0"/>
+            </a:schemeClr>
+          </a:solidFill>
+          <a:prstDash val="solid"/>
+        </a:ln>
+        <a:effectLst/>
+      </dsp:spPr>
+      <dsp:style>
+        <a:lnRef idx="2">
+          <a:scrgbClr r="0" g="0" b="0"/>
+        </a:lnRef>
+        <a:fillRef idx="1">
+          <a:scrgbClr r="0" g="0" b="0"/>
+        </a:fillRef>
+        <a:effectRef idx="0">
+          <a:scrgbClr r="0" g="0" b="0"/>
+        </a:effectRef>
+        <a:fontRef idx="minor">
+          <a:schemeClr val="lt1"/>
+        </a:fontRef>
+      </dsp:style>
+      <dsp:txBody>
+        <a:bodyPr spcFirstLastPara="0" vert="horz" wrap="square" lIns="268755" tIns="76200" rIns="142240" bIns="76200" numCol="1" spcCol="1270" anchor="ctr" anchorCtr="0">
+          <a:noAutofit/>
+        </a:bodyPr>
+        <a:lstStyle/>
+        <a:p>
+          <a:pPr lvl="0" algn="l" defTabSz="889000" rtl="0">
+            <a:lnSpc>
+              <a:spcPct val="90000"/>
+            </a:lnSpc>
+            <a:spcBef>
+              <a:spcPct val="0"/>
+            </a:spcBef>
+            <a:spcAft>
+              <a:spcPct val="35000"/>
+            </a:spcAft>
+          </a:pPr>
+          <a:r>
+            <a:rPr lang="en-US" sz="2000" kern="1200" dirty="0" err="1" smtClean="0"/>
+            <a:t>Nhận</a:t>
+          </a:r>
+          <a:r>
+            <a:rPr lang="en-US" sz="2000" kern="1200" dirty="0" smtClean="0"/>
+            <a:t> </a:t>
+          </a:r>
+          <a:r>
+            <a:rPr lang="en-US" sz="2000" kern="1200" dirty="0" err="1" smtClean="0"/>
+            <a:t>yêu</a:t>
+          </a:r>
+          <a:r>
+            <a:rPr lang="en-US" sz="2000" kern="1200" dirty="0" smtClean="0"/>
+            <a:t> </a:t>
+          </a:r>
+          <a:r>
+            <a:rPr lang="en-US" sz="2000" kern="1200" dirty="0" err="1" smtClean="0"/>
+            <a:t>cầu</a:t>
+          </a:r>
+          <a:r>
+            <a:rPr lang="en-US" sz="2000" kern="1200" dirty="0" smtClean="0"/>
+            <a:t> </a:t>
+          </a:r>
+          <a:r>
+            <a:rPr lang="en-US" sz="2000" kern="1200" dirty="0" err="1" smtClean="0"/>
+            <a:t>quyên</a:t>
+          </a:r>
+          <a:r>
+            <a:rPr lang="en-US" sz="2000" kern="1200" dirty="0" smtClean="0"/>
+            <a:t> </a:t>
+          </a:r>
+          <a:r>
+            <a:rPr lang="en-US" sz="2000" kern="1200" dirty="0" err="1" smtClean="0"/>
+            <a:t>góp</a:t>
+          </a:r>
+          <a:r>
+            <a:rPr lang="en-US" sz="2000" kern="1200" dirty="0" smtClean="0"/>
+            <a:t> </a:t>
+          </a:r>
+          <a:r>
+            <a:rPr lang="en-US" sz="2000" kern="1200" dirty="0" err="1" smtClean="0"/>
+            <a:t>sách</a:t>
+          </a:r>
+          <a:endParaRPr lang="en-US" sz="2000" kern="1200" dirty="0"/>
+        </a:p>
+      </dsp:txBody>
+      <dsp:txXfrm rot="10800000">
+        <a:off x="777749" y="792986"/>
+        <a:ext cx="6230356" cy="609460"/>
+      </dsp:txXfrm>
+    </dsp:sp>
+    <dsp:sp modelId="{175FDBFA-C164-4EC6-BF21-3DF8F16F3233}">
+      <dsp:nvSpPr>
+        <dsp:cNvPr id="0" name=""/>
+        <dsp:cNvSpPr/>
+      </dsp:nvSpPr>
+      <dsp:spPr>
+        <a:xfrm>
+          <a:off x="264624" y="792986"/>
+          <a:ext cx="609460" cy="609460"/>
+        </a:xfrm>
+        <a:prstGeom prst="ellipse">
+          <a:avLst/>
+        </a:prstGeom>
+        <a:blipFill>
+          <a:blip xmlns:r="http://schemas.openxmlformats.org/officeDocument/2006/relationships" r:embed="rId2" cstate="print">
+            <a:extLst>
+              <a:ext uri="{28A0092B-C50C-407E-A947-70E740481C1C}">
+                <a14:useLocalDpi xmlns:a14="http://schemas.microsoft.com/office/drawing/2010/main" val="0"/>
+              </a:ext>
+            </a:extLst>
+          </a:blip>
+          <a:srcRect/>
+          <a:stretch>
+            <a:fillRect l="-17000" r="-17000"/>
+          </a:stretch>
+        </a:blipFill>
+        <a:ln w="25400" cap="flat" cmpd="sng" algn="ctr">
+          <a:solidFill>
+            <a:schemeClr val="lt1">
+              <a:hueOff val="0"/>
+              <a:satOff val="0"/>
+              <a:lumOff val="0"/>
+              <a:alphaOff val="0"/>
+            </a:schemeClr>
+          </a:solidFill>
+          <a:prstDash val="solid"/>
+        </a:ln>
+        <a:effectLst/>
+      </dsp:spPr>
+      <dsp:style>
+        <a:lnRef idx="2">
+          <a:scrgbClr r="0" g="0" b="0"/>
+        </a:lnRef>
+        <a:fillRef idx="1">
+          <a:scrgbClr r="0" g="0" b="0"/>
+        </a:fillRef>
+        <a:effectRef idx="0">
+          <a:scrgbClr r="0" g="0" b="0"/>
+        </a:effectRef>
+        <a:fontRef idx="minor"/>
+      </dsp:style>
+    </dsp:sp>
+    <dsp:sp modelId="{3D651712-ADBA-4317-9649-BA283015484F}">
+      <dsp:nvSpPr>
+        <dsp:cNvPr id="0" name=""/>
+        <dsp:cNvSpPr/>
+      </dsp:nvSpPr>
+      <dsp:spPr>
+        <a:xfrm rot="10800000">
+          <a:off x="625384" y="1584374"/>
+          <a:ext cx="6382721" cy="609460"/>
+        </a:xfrm>
+        <a:prstGeom prst="homePlate">
+          <a:avLst/>
+        </a:prstGeom>
+        <a:solidFill>
+          <a:schemeClr val="accent1">
+            <a:hueOff val="0"/>
+            <a:satOff val="0"/>
+            <a:lumOff val="0"/>
+            <a:alphaOff val="0"/>
+          </a:schemeClr>
+        </a:solidFill>
+        <a:ln w="25400" cap="flat" cmpd="sng" algn="ctr">
+          <a:solidFill>
+            <a:schemeClr val="lt1">
+              <a:hueOff val="0"/>
+              <a:satOff val="0"/>
+              <a:lumOff val="0"/>
+              <a:alphaOff val="0"/>
+            </a:schemeClr>
+          </a:solidFill>
+          <a:prstDash val="solid"/>
+        </a:ln>
+        <a:effectLst/>
+      </dsp:spPr>
+      <dsp:style>
+        <a:lnRef idx="2">
+          <a:scrgbClr r="0" g="0" b="0"/>
+        </a:lnRef>
+        <a:fillRef idx="1">
+          <a:scrgbClr r="0" g="0" b="0"/>
+        </a:fillRef>
+        <a:effectRef idx="0">
+          <a:scrgbClr r="0" g="0" b="0"/>
+        </a:effectRef>
+        <a:fontRef idx="minor">
+          <a:schemeClr val="lt1"/>
+        </a:fontRef>
+      </dsp:style>
+      <dsp:txBody>
+        <a:bodyPr spcFirstLastPara="0" vert="horz" wrap="square" lIns="268755" tIns="76200" rIns="142240" bIns="76200" numCol="1" spcCol="1270" anchor="ctr" anchorCtr="0">
+          <a:noAutofit/>
+        </a:bodyPr>
+        <a:lstStyle/>
+        <a:p>
+          <a:pPr lvl="0" algn="l" defTabSz="889000">
+            <a:lnSpc>
+              <a:spcPct val="90000"/>
+            </a:lnSpc>
+            <a:spcBef>
+              <a:spcPct val="0"/>
+            </a:spcBef>
+            <a:spcAft>
+              <a:spcPct val="35000"/>
+            </a:spcAft>
+          </a:pPr>
+          <a:r>
+            <a:rPr lang="en-US" sz="2000" kern="1200" dirty="0" err="1" smtClean="0"/>
+            <a:t>Nhận</a:t>
+          </a:r>
+          <a:r>
+            <a:rPr lang="en-US" sz="2000" kern="1200" dirty="0" smtClean="0"/>
+            <a:t> </a:t>
+          </a:r>
+          <a:r>
+            <a:rPr lang="en-US" sz="2000" kern="1200" dirty="0" err="1" smtClean="0"/>
+            <a:t>yêu</a:t>
+          </a:r>
+          <a:r>
+            <a:rPr lang="en-US" sz="2000" kern="1200" dirty="0" smtClean="0"/>
+            <a:t> </a:t>
+          </a:r>
+          <a:r>
+            <a:rPr lang="en-US" sz="2000" kern="1200" dirty="0" err="1" smtClean="0"/>
+            <a:t>cầu</a:t>
+          </a:r>
+          <a:r>
+            <a:rPr lang="en-US" sz="2000" kern="1200" dirty="0" smtClean="0"/>
+            <a:t> </a:t>
+          </a:r>
+          <a:r>
+            <a:rPr lang="en-US" sz="2000" kern="1200" dirty="0" err="1" smtClean="0"/>
+            <a:t>xin</a:t>
+          </a:r>
+          <a:r>
+            <a:rPr lang="en-US" sz="2000" kern="1200" dirty="0" smtClean="0"/>
+            <a:t> </a:t>
+          </a:r>
+          <a:r>
+            <a:rPr lang="en-US" sz="2000" kern="1200" dirty="0" err="1" smtClean="0"/>
+            <a:t>hỗ</a:t>
+          </a:r>
+          <a:r>
+            <a:rPr lang="en-US" sz="2000" kern="1200" dirty="0" smtClean="0"/>
+            <a:t> </a:t>
+          </a:r>
+          <a:r>
+            <a:rPr lang="en-US" sz="2000" kern="1200" dirty="0" err="1" smtClean="0"/>
+            <a:t>trợ</a:t>
+          </a:r>
+          <a:r>
+            <a:rPr lang="en-US" sz="2000" kern="1200" dirty="0" smtClean="0"/>
+            <a:t> </a:t>
+          </a:r>
+          <a:r>
+            <a:rPr lang="en-US" sz="2000" kern="1200" dirty="0" err="1" smtClean="0"/>
+            <a:t>sách</a:t>
+          </a:r>
+          <a:endParaRPr lang="en-US" sz="2000" kern="1200" dirty="0"/>
+        </a:p>
+      </dsp:txBody>
+      <dsp:txXfrm rot="10800000">
+        <a:off x="777749" y="1584374"/>
+        <a:ext cx="6230356" cy="609460"/>
+      </dsp:txXfrm>
+    </dsp:sp>
+    <dsp:sp modelId="{6E0A0951-6CDD-4916-BB2B-FD82D8173172}">
+      <dsp:nvSpPr>
+        <dsp:cNvPr id="0" name=""/>
+        <dsp:cNvSpPr/>
+      </dsp:nvSpPr>
+      <dsp:spPr>
+        <a:xfrm>
+          <a:off x="264624" y="1584374"/>
+          <a:ext cx="609460" cy="609460"/>
+        </a:xfrm>
+        <a:prstGeom prst="ellipse">
+          <a:avLst/>
+        </a:prstGeom>
+        <a:blipFill>
+          <a:blip xmlns:r="http://schemas.openxmlformats.org/officeDocument/2006/relationships" r:embed="rId3"/>
+          <a:srcRect/>
+          <a:stretch>
+            <a:fillRect l="-66000" r="-66000"/>
+          </a:stretch>
+        </a:blipFill>
+        <a:ln w="25400" cap="flat" cmpd="sng" algn="ctr">
+          <a:solidFill>
+            <a:schemeClr val="lt1">
+              <a:hueOff val="0"/>
+              <a:satOff val="0"/>
+              <a:lumOff val="0"/>
+              <a:alphaOff val="0"/>
+            </a:schemeClr>
+          </a:solidFill>
+          <a:prstDash val="solid"/>
+        </a:ln>
+        <a:effectLst/>
+      </dsp:spPr>
+      <dsp:style>
+        <a:lnRef idx="2">
+          <a:scrgbClr r="0" g="0" b="0"/>
+        </a:lnRef>
+        <a:fillRef idx="1">
+          <a:scrgbClr r="0" g="0" b="0"/>
+        </a:fillRef>
+        <a:effectRef idx="0">
+          <a:scrgbClr r="0" g="0" b="0"/>
+        </a:effectRef>
+        <a:fontRef idx="minor"/>
+      </dsp:style>
+    </dsp:sp>
+    <dsp:sp modelId="{F5003679-163F-4F6D-8AF1-772BD5F715F4}">
+      <dsp:nvSpPr>
+        <dsp:cNvPr id="0" name=""/>
+        <dsp:cNvSpPr/>
+      </dsp:nvSpPr>
+      <dsp:spPr>
+        <a:xfrm rot="10800000">
+          <a:off x="625384" y="2375763"/>
+          <a:ext cx="6382721" cy="609460"/>
+        </a:xfrm>
+        <a:prstGeom prst="homePlate">
+          <a:avLst/>
+        </a:prstGeom>
+        <a:solidFill>
+          <a:schemeClr val="accent1">
+            <a:hueOff val="0"/>
+            <a:satOff val="0"/>
+            <a:lumOff val="0"/>
+            <a:alphaOff val="0"/>
+          </a:schemeClr>
+        </a:solidFill>
+        <a:ln w="25400" cap="flat" cmpd="sng" algn="ctr">
+          <a:solidFill>
+            <a:schemeClr val="lt1">
+              <a:hueOff val="0"/>
+              <a:satOff val="0"/>
+              <a:lumOff val="0"/>
+              <a:alphaOff val="0"/>
+            </a:schemeClr>
+          </a:solidFill>
+          <a:prstDash val="solid"/>
+        </a:ln>
+        <a:effectLst/>
+      </dsp:spPr>
+      <dsp:style>
+        <a:lnRef idx="2">
+          <a:scrgbClr r="0" g="0" b="0"/>
+        </a:lnRef>
+        <a:fillRef idx="1">
+          <a:scrgbClr r="0" g="0" b="0"/>
+        </a:fillRef>
+        <a:effectRef idx="0">
+          <a:scrgbClr r="0" g="0" b="0"/>
+        </a:effectRef>
+        <a:fontRef idx="minor">
+          <a:schemeClr val="lt1"/>
+        </a:fontRef>
+      </dsp:style>
+      <dsp:txBody>
+        <a:bodyPr spcFirstLastPara="0" vert="horz" wrap="square" lIns="268755" tIns="76200" rIns="142240" bIns="76200" numCol="1" spcCol="1270" anchor="ctr" anchorCtr="0">
+          <a:noAutofit/>
+        </a:bodyPr>
+        <a:lstStyle/>
+        <a:p>
+          <a:pPr lvl="0" algn="l" defTabSz="889000">
+            <a:lnSpc>
+              <a:spcPct val="90000"/>
+            </a:lnSpc>
+            <a:spcBef>
+              <a:spcPct val="0"/>
+            </a:spcBef>
+            <a:spcAft>
+              <a:spcPct val="35000"/>
+            </a:spcAft>
+          </a:pPr>
+          <a:r>
+            <a:rPr lang="en-US" sz="2000" kern="1200" dirty="0" err="1" smtClean="0"/>
+            <a:t>Triển</a:t>
+          </a:r>
+          <a:r>
+            <a:rPr lang="en-US" sz="2000" kern="1200" dirty="0" smtClean="0"/>
+            <a:t> </a:t>
+          </a:r>
+          <a:r>
+            <a:rPr lang="en-US" sz="2000" kern="1200" dirty="0" err="1" smtClean="0"/>
+            <a:t>khai</a:t>
+          </a:r>
+          <a:r>
+            <a:rPr lang="en-US" sz="2000" kern="1200" dirty="0" smtClean="0"/>
+            <a:t> </a:t>
+          </a:r>
+          <a:r>
+            <a:rPr lang="en-US" sz="2000" kern="1200" dirty="0" err="1" smtClean="0"/>
+            <a:t>các</a:t>
+          </a:r>
+          <a:r>
+            <a:rPr lang="en-US" sz="2000" kern="1200" dirty="0" smtClean="0"/>
+            <a:t> </a:t>
+          </a:r>
+          <a:r>
+            <a:rPr lang="en-US" sz="2000" kern="1200" dirty="0" err="1" smtClean="0"/>
+            <a:t>dự</a:t>
+          </a:r>
+          <a:r>
+            <a:rPr lang="en-US" sz="2000" kern="1200" dirty="0" smtClean="0"/>
+            <a:t> </a:t>
+          </a:r>
+          <a:r>
+            <a:rPr lang="en-US" sz="2000" kern="1200" dirty="0" err="1" smtClean="0"/>
+            <a:t>án</a:t>
+          </a:r>
+          <a:r>
+            <a:rPr lang="en-US" sz="2000" kern="1200" dirty="0" smtClean="0"/>
+            <a:t>, </a:t>
+          </a:r>
+          <a:r>
+            <a:rPr lang="en-US" sz="2000" kern="1200" dirty="0" err="1" smtClean="0"/>
+            <a:t>sự</a:t>
+          </a:r>
+          <a:r>
+            <a:rPr lang="en-US" sz="2000" kern="1200" dirty="0" smtClean="0"/>
+            <a:t> </a:t>
+          </a:r>
+          <a:r>
+            <a:rPr lang="en-US" sz="2000" kern="1200" dirty="0" err="1" smtClean="0"/>
+            <a:t>kiện</a:t>
+          </a:r>
+          <a:r>
+            <a:rPr lang="en-US" sz="2000" kern="1200" dirty="0" smtClean="0"/>
+            <a:t> </a:t>
+          </a:r>
+          <a:r>
+            <a:rPr lang="en-US" sz="2000" kern="1200" dirty="0" err="1" smtClean="0"/>
+            <a:t>quyên</a:t>
+          </a:r>
+          <a:r>
+            <a:rPr lang="en-US" sz="2000" kern="1200" dirty="0" smtClean="0"/>
+            <a:t> </a:t>
+          </a:r>
+          <a:r>
+            <a:rPr lang="en-US" sz="2000" kern="1200" dirty="0" err="1" smtClean="0"/>
+            <a:t>góp</a:t>
+          </a:r>
+          <a:r>
+            <a:rPr lang="en-US" sz="2000" kern="1200" dirty="0" smtClean="0"/>
+            <a:t> </a:t>
+          </a:r>
+          <a:r>
+            <a:rPr lang="en-US" sz="2000" kern="1200" dirty="0" err="1" smtClean="0"/>
+            <a:t>sách</a:t>
+          </a:r>
+          <a:endParaRPr lang="en-US" sz="2000" kern="1200" dirty="0"/>
+        </a:p>
+      </dsp:txBody>
+      <dsp:txXfrm rot="10800000">
+        <a:off x="777749" y="2375763"/>
+        <a:ext cx="6230356" cy="609460"/>
+      </dsp:txXfrm>
+    </dsp:sp>
+    <dsp:sp modelId="{733AFF58-D87C-44F4-9B6F-8E2A82DBCDCD}">
+      <dsp:nvSpPr>
+        <dsp:cNvPr id="0" name=""/>
+        <dsp:cNvSpPr/>
+      </dsp:nvSpPr>
+      <dsp:spPr>
+        <a:xfrm>
+          <a:off x="264624" y="2375763"/>
+          <a:ext cx="609460" cy="609460"/>
+        </a:xfrm>
+        <a:prstGeom prst="ellipse">
+          <a:avLst/>
+        </a:prstGeom>
+        <a:blipFill>
+          <a:blip xmlns:r="http://schemas.openxmlformats.org/officeDocument/2006/relationships" r:embed="rId4" cstate="print">
+            <a:extLst>
+              <a:ext uri="{28A0092B-C50C-407E-A947-70E740481C1C}">
+                <a14:useLocalDpi xmlns:a14="http://schemas.microsoft.com/office/drawing/2010/main" val="0"/>
+              </a:ext>
+            </a:extLst>
+          </a:blip>
+          <a:srcRect/>
+          <a:stretch>
+            <a:fillRect l="-14000" r="-14000"/>
+          </a:stretch>
+        </a:blipFill>
+        <a:ln w="25400" cap="flat" cmpd="sng" algn="ctr">
+          <a:solidFill>
+            <a:schemeClr val="lt1">
+              <a:hueOff val="0"/>
+              <a:satOff val="0"/>
+              <a:lumOff val="0"/>
+              <a:alphaOff val="0"/>
+            </a:schemeClr>
+          </a:solidFill>
+          <a:prstDash val="solid"/>
+        </a:ln>
+        <a:effectLst/>
+      </dsp:spPr>
+      <dsp:style>
+        <a:lnRef idx="2">
+          <a:scrgbClr r="0" g="0" b="0"/>
+        </a:lnRef>
+        <a:fillRef idx="1">
+          <a:scrgbClr r="0" g="0" b="0"/>
+        </a:fillRef>
+        <a:effectRef idx="0">
+          <a:scrgbClr r="0" g="0" b="0"/>
+        </a:effectRef>
+        <a:fontRef idx="minor"/>
+      </dsp:style>
+    </dsp:sp>
+    <dsp:sp modelId="{F1F15CCA-18B7-483C-B056-093E5EF49A70}">
+      <dsp:nvSpPr>
+        <dsp:cNvPr id="0" name=""/>
+        <dsp:cNvSpPr/>
+      </dsp:nvSpPr>
+      <dsp:spPr>
+        <a:xfrm rot="10800000">
+          <a:off x="625384" y="3167152"/>
+          <a:ext cx="6382721" cy="609460"/>
+        </a:xfrm>
+        <a:prstGeom prst="homePlate">
+          <a:avLst/>
+        </a:prstGeom>
+        <a:solidFill>
+          <a:schemeClr val="accent1">
+            <a:hueOff val="0"/>
+            <a:satOff val="0"/>
+            <a:lumOff val="0"/>
+            <a:alphaOff val="0"/>
+          </a:schemeClr>
+        </a:solidFill>
+        <a:ln w="25400" cap="flat" cmpd="sng" algn="ctr">
+          <a:solidFill>
+            <a:schemeClr val="lt1">
+              <a:hueOff val="0"/>
+              <a:satOff val="0"/>
+              <a:lumOff val="0"/>
+              <a:alphaOff val="0"/>
+            </a:schemeClr>
+          </a:solidFill>
+          <a:prstDash val="solid"/>
+        </a:ln>
+        <a:effectLst/>
+      </dsp:spPr>
+      <dsp:style>
+        <a:lnRef idx="2">
+          <a:scrgbClr r="0" g="0" b="0"/>
+        </a:lnRef>
+        <a:fillRef idx="1">
+          <a:scrgbClr r="0" g="0" b="0"/>
+        </a:fillRef>
+        <a:effectRef idx="0">
+          <a:scrgbClr r="0" g="0" b="0"/>
+        </a:effectRef>
+        <a:fontRef idx="minor">
+          <a:schemeClr val="lt1"/>
+        </a:fontRef>
+      </dsp:style>
+      <dsp:txBody>
+        <a:bodyPr spcFirstLastPara="0" vert="horz" wrap="square" lIns="268755" tIns="76200" rIns="142240" bIns="76200" numCol="1" spcCol="1270" anchor="ctr" anchorCtr="0">
+          <a:noAutofit/>
+        </a:bodyPr>
+        <a:lstStyle/>
+        <a:p>
+          <a:pPr lvl="0" algn="l" defTabSz="889000" rtl="0">
+            <a:lnSpc>
+              <a:spcPct val="90000"/>
+            </a:lnSpc>
+            <a:spcBef>
+              <a:spcPct val="0"/>
+            </a:spcBef>
+            <a:spcAft>
+              <a:spcPct val="35000"/>
+            </a:spcAft>
+          </a:pPr>
+          <a:r>
+            <a:rPr lang="en-US" sz="2000" kern="1200" dirty="0" err="1" smtClean="0"/>
+            <a:t>Kho</a:t>
+          </a:r>
+          <a:r>
+            <a:rPr lang="en-US" sz="2000" kern="1200" dirty="0" smtClean="0"/>
+            <a:t> </a:t>
+          </a:r>
+          <a:r>
+            <a:rPr lang="en-US" sz="2000" kern="1200" dirty="0" err="1" smtClean="0"/>
+            <a:t>tài</a:t>
+          </a:r>
+          <a:r>
+            <a:rPr lang="en-US" sz="2000" kern="1200" dirty="0" smtClean="0"/>
+            <a:t> </a:t>
+          </a:r>
+          <a:r>
+            <a:rPr lang="en-US" sz="2000" kern="1200" dirty="0" err="1" smtClean="0"/>
+            <a:t>nguyên</a:t>
+          </a:r>
+          <a:r>
+            <a:rPr lang="en-US" sz="2000" kern="1200" dirty="0" smtClean="0"/>
+            <a:t> </a:t>
+          </a:r>
+          <a:r>
+            <a:rPr lang="en-US" sz="2000" kern="1200" dirty="0" err="1" smtClean="0"/>
+            <a:t>trực</a:t>
+          </a:r>
+          <a:r>
+            <a:rPr lang="en-US" sz="2000" kern="1200" dirty="0" smtClean="0"/>
+            <a:t> </a:t>
+          </a:r>
+          <a:r>
+            <a:rPr lang="en-US" sz="2000" kern="1200" dirty="0" err="1" smtClean="0"/>
+            <a:t>tuyến</a:t>
+          </a:r>
+          <a:endParaRPr lang="en-US" sz="2000" kern="1200" dirty="0"/>
+        </a:p>
+      </dsp:txBody>
+      <dsp:txXfrm rot="10800000">
+        <a:off x="777749" y="3167152"/>
+        <a:ext cx="6230356" cy="609460"/>
+      </dsp:txXfrm>
+    </dsp:sp>
+    <dsp:sp modelId="{04883265-DDEB-4D68-9DF3-C65FCE2A3CE3}">
+      <dsp:nvSpPr>
+        <dsp:cNvPr id="0" name=""/>
+        <dsp:cNvSpPr/>
+      </dsp:nvSpPr>
+      <dsp:spPr>
+        <a:xfrm>
+          <a:off x="264624" y="3167152"/>
+          <a:ext cx="609460" cy="609460"/>
+        </a:xfrm>
+        <a:prstGeom prst="ellipse">
+          <a:avLst/>
+        </a:prstGeom>
+        <a:blipFill>
+          <a:blip xmlns:r="http://schemas.openxmlformats.org/officeDocument/2006/relationships" r:embed="rId5" cstate="print">
+            <a:extLst>
+              <a:ext uri="{28A0092B-C50C-407E-A947-70E740481C1C}">
+                <a14:useLocalDpi xmlns:a14="http://schemas.microsoft.com/office/drawing/2010/main" val="0"/>
+              </a:ext>
+            </a:extLst>
+          </a:blip>
+          <a:srcRect/>
+          <a:stretch>
+            <a:fillRect l="-66000" r="-66000"/>
+          </a:stretch>
+        </a:blipFill>
+        <a:ln w="25400" cap="flat" cmpd="sng" algn="ctr">
+          <a:solidFill>
+            <a:schemeClr val="lt1">
+              <a:hueOff val="0"/>
+              <a:satOff val="0"/>
+              <a:lumOff val="0"/>
+              <a:alphaOff val="0"/>
+            </a:schemeClr>
+          </a:solidFill>
+          <a:prstDash val="solid"/>
+        </a:ln>
+        <a:effectLst/>
+      </dsp:spPr>
+      <dsp:style>
+        <a:lnRef idx="2">
+          <a:scrgbClr r="0" g="0" b="0"/>
+        </a:lnRef>
+        <a:fillRef idx="1">
+          <a:scrgbClr r="0" g="0" b="0"/>
+        </a:fillRef>
+        <a:effectRef idx="0">
+          <a:scrgbClr r="0" g="0" b="0"/>
+        </a:effectRef>
+        <a:fontRef idx="minor"/>
+      </dsp:style>
+    </dsp:sp>
+    <dsp:sp modelId="{DFDB00B8-3804-4459-B8B1-F1CABB474CB9}">
+      <dsp:nvSpPr>
+        <dsp:cNvPr id="0" name=""/>
+        <dsp:cNvSpPr/>
+      </dsp:nvSpPr>
+      <dsp:spPr>
+        <a:xfrm rot="10800000">
+          <a:off x="625384" y="3958540"/>
+          <a:ext cx="6382721" cy="609460"/>
+        </a:xfrm>
+        <a:prstGeom prst="homePlate">
+          <a:avLst/>
+        </a:prstGeom>
+        <a:solidFill>
+          <a:schemeClr val="accent1">
+            <a:hueOff val="0"/>
+            <a:satOff val="0"/>
+            <a:lumOff val="0"/>
+            <a:alphaOff val="0"/>
+          </a:schemeClr>
+        </a:solidFill>
+        <a:ln w="25400" cap="flat" cmpd="sng" algn="ctr">
+          <a:solidFill>
+            <a:schemeClr val="lt1">
+              <a:hueOff val="0"/>
+              <a:satOff val="0"/>
+              <a:lumOff val="0"/>
+              <a:alphaOff val="0"/>
+            </a:schemeClr>
+          </a:solidFill>
+          <a:prstDash val="solid"/>
+        </a:ln>
+        <a:effectLst/>
+      </dsp:spPr>
+      <dsp:style>
+        <a:lnRef idx="2">
+          <a:scrgbClr r="0" g="0" b="0"/>
+        </a:lnRef>
+        <a:fillRef idx="1">
+          <a:scrgbClr r="0" g="0" b="0"/>
+        </a:fillRef>
+        <a:effectRef idx="0">
+          <a:scrgbClr r="0" g="0" b="0"/>
+        </a:effectRef>
+        <a:fontRef idx="minor">
+          <a:schemeClr val="lt1"/>
+        </a:fontRef>
+      </dsp:style>
+      <dsp:txBody>
+        <a:bodyPr spcFirstLastPara="0" vert="horz" wrap="square" lIns="268755" tIns="76200" rIns="142240" bIns="76200" numCol="1" spcCol="1270" anchor="ctr" anchorCtr="0">
+          <a:noAutofit/>
+        </a:bodyPr>
+        <a:lstStyle/>
+        <a:p>
+          <a:pPr lvl="0" algn="l" defTabSz="889000" rtl="0">
+            <a:lnSpc>
+              <a:spcPct val="90000"/>
+            </a:lnSpc>
+            <a:spcBef>
+              <a:spcPct val="0"/>
+            </a:spcBef>
+            <a:spcAft>
+              <a:spcPct val="35000"/>
+            </a:spcAft>
+          </a:pPr>
+          <a:r>
+            <a:rPr lang="en-US" sz="2000" kern="1200" dirty="0" err="1" smtClean="0"/>
+            <a:t>Diễn</a:t>
+          </a:r>
+          <a:r>
+            <a:rPr lang="en-US" sz="2000" kern="1200" dirty="0" smtClean="0"/>
+            <a:t> </a:t>
+          </a:r>
+          <a:r>
+            <a:rPr lang="en-US" sz="2000" kern="1200" dirty="0" err="1" smtClean="0"/>
+            <a:t>đàn</a:t>
+          </a:r>
+          <a:r>
+            <a:rPr lang="en-US" sz="2000" kern="1200" dirty="0" smtClean="0"/>
+            <a:t> SCMCT</a:t>
+          </a:r>
+          <a:endParaRPr lang="en-US" sz="2000" kern="1200" dirty="0"/>
+        </a:p>
+      </dsp:txBody>
+      <dsp:txXfrm rot="10800000">
+        <a:off x="777749" y="3958540"/>
+        <a:ext cx="6230356" cy="609460"/>
+      </dsp:txXfrm>
+    </dsp:sp>
+    <dsp:sp modelId="{62F2674A-F765-4F1F-8F3B-11105635BE02}">
+      <dsp:nvSpPr>
+        <dsp:cNvPr id="0" name=""/>
+        <dsp:cNvSpPr/>
+      </dsp:nvSpPr>
+      <dsp:spPr>
+        <a:xfrm>
+          <a:off x="264624" y="3958540"/>
+          <a:ext cx="609460" cy="609460"/>
+        </a:xfrm>
+        <a:prstGeom prst="ellipse">
+          <a:avLst/>
+        </a:prstGeom>
+        <a:blipFill>
+          <a:blip xmlns:r="http://schemas.openxmlformats.org/officeDocument/2006/relationships" r:embed="rId6"/>
+          <a:srcRect/>
+          <a:stretch>
+            <a:fillRect l="-7000" r="-7000"/>
+          </a:stretch>
+        </a:blipFill>
+        <a:ln w="25400" cap="flat" cmpd="sng" algn="ctr">
+          <a:solidFill>
+            <a:schemeClr val="lt1">
+              <a:hueOff val="0"/>
+              <a:satOff val="0"/>
+              <a:lumOff val="0"/>
+              <a:alphaOff val="0"/>
+            </a:schemeClr>
+          </a:solidFill>
+          <a:prstDash val="solid"/>
+        </a:ln>
+        <a:effectLst/>
+      </dsp:spPr>
+      <dsp:style>
+        <a:lnRef idx="2">
+          <a:scrgbClr r="0" g="0" b="0"/>
+        </a:lnRef>
+        <a:fillRef idx="1">
+          <a:scrgbClr r="0" g="0" b="0"/>
+        </a:fillRef>
+        <a:effectRef idx="0">
+          <a:scrgbClr r="0" g="0" b="0"/>
+        </a:effectRef>
+        <a:fontRef idx="minor"/>
+      </dsp:style>
+    </dsp:sp>
+    <dsp:sp modelId="{33E1CB3D-2697-42D6-B533-B2DCC658D2B0}">
+      <dsp:nvSpPr>
+        <dsp:cNvPr id="0" name=""/>
+        <dsp:cNvSpPr/>
+      </dsp:nvSpPr>
+      <dsp:spPr>
+        <a:xfrm rot="10800000">
+          <a:off x="625384" y="4749929"/>
+          <a:ext cx="6382721" cy="609460"/>
+        </a:xfrm>
+        <a:prstGeom prst="homePlate">
+          <a:avLst/>
+        </a:prstGeom>
+        <a:solidFill>
+          <a:schemeClr val="accent1">
+            <a:hueOff val="0"/>
+            <a:satOff val="0"/>
+            <a:lumOff val="0"/>
+            <a:alphaOff val="0"/>
+          </a:schemeClr>
+        </a:solidFill>
+        <a:ln w="25400" cap="flat" cmpd="sng" algn="ctr">
+          <a:solidFill>
+            <a:schemeClr val="lt1">
+              <a:hueOff val="0"/>
+              <a:satOff val="0"/>
+              <a:lumOff val="0"/>
+              <a:alphaOff val="0"/>
+            </a:schemeClr>
+          </a:solidFill>
+          <a:prstDash val="solid"/>
+        </a:ln>
+        <a:effectLst/>
+      </dsp:spPr>
+      <dsp:style>
+        <a:lnRef idx="2">
+          <a:scrgbClr r="0" g="0" b="0"/>
+        </a:lnRef>
+        <a:fillRef idx="1">
+          <a:scrgbClr r="0" g="0" b="0"/>
+        </a:fillRef>
+        <a:effectRef idx="0">
+          <a:scrgbClr r="0" g="0" b="0"/>
+        </a:effectRef>
+        <a:fontRef idx="minor">
+          <a:schemeClr val="lt1"/>
+        </a:fontRef>
+      </dsp:style>
+      <dsp:txBody>
+        <a:bodyPr spcFirstLastPara="0" vert="horz" wrap="square" lIns="268755" tIns="76200" rIns="142240" bIns="76200" numCol="1" spcCol="1270" anchor="ctr" anchorCtr="0">
+          <a:noAutofit/>
+        </a:bodyPr>
+        <a:lstStyle/>
+        <a:p>
+          <a:pPr lvl="0" algn="l" defTabSz="889000" rtl="0">
+            <a:lnSpc>
+              <a:spcPct val="90000"/>
+            </a:lnSpc>
+            <a:spcBef>
+              <a:spcPct val="0"/>
+            </a:spcBef>
+            <a:spcAft>
+              <a:spcPct val="35000"/>
+            </a:spcAft>
+          </a:pPr>
+          <a:r>
+            <a:rPr lang="en-US" sz="2000" kern="1200" dirty="0" err="1" smtClean="0"/>
+            <a:t>Quản</a:t>
+          </a:r>
+          <a:r>
+            <a:rPr lang="en-US" sz="2000" kern="1200" dirty="0" smtClean="0"/>
+            <a:t> </a:t>
+          </a:r>
+          <a:r>
+            <a:rPr lang="en-US" sz="2000" kern="1200" dirty="0" err="1" smtClean="0"/>
+            <a:t>lý</a:t>
+          </a:r>
+          <a:r>
+            <a:rPr lang="en-US" sz="2000" kern="1200" dirty="0" smtClean="0"/>
+            <a:t> </a:t>
+          </a:r>
+          <a:r>
+            <a:rPr lang="en-US" sz="2000" kern="1200" dirty="0" err="1" smtClean="0"/>
+            <a:t>kho</a:t>
+          </a:r>
+          <a:r>
+            <a:rPr lang="en-US" sz="2000" kern="1200" dirty="0" smtClean="0"/>
+            <a:t> </a:t>
+          </a:r>
+          <a:r>
+            <a:rPr lang="en-US" sz="2000" kern="1200" dirty="0" err="1" smtClean="0"/>
+            <a:t>và</a:t>
+          </a:r>
+          <a:r>
+            <a:rPr lang="en-US" sz="2000" kern="1200" dirty="0" smtClean="0"/>
+            <a:t> </a:t>
+          </a:r>
+          <a:r>
+            <a:rPr lang="en-US" sz="2000" kern="1200" dirty="0" err="1" smtClean="0"/>
+            <a:t>báo</a:t>
+          </a:r>
+          <a:r>
+            <a:rPr lang="en-US" sz="2000" kern="1200" dirty="0" smtClean="0"/>
+            <a:t> </a:t>
+          </a:r>
+          <a:r>
+            <a:rPr lang="en-US" sz="2000" kern="1200" dirty="0" err="1" smtClean="0"/>
+            <a:t>cáo</a:t>
+          </a:r>
+          <a:r>
+            <a:rPr lang="en-US" sz="2000" kern="1200" dirty="0" smtClean="0"/>
+            <a:t> </a:t>
+          </a:r>
+          <a:r>
+            <a:rPr lang="en-US" sz="2000" kern="1200" dirty="0" err="1" smtClean="0"/>
+            <a:t>tài</a:t>
+          </a:r>
+          <a:r>
+            <a:rPr lang="en-US" sz="2000" kern="1200" dirty="0" smtClean="0"/>
+            <a:t> </a:t>
+          </a:r>
+          <a:r>
+            <a:rPr lang="en-US" sz="2000" kern="1200" dirty="0" err="1" smtClean="0"/>
+            <a:t>chính</a:t>
+          </a:r>
+          <a:r>
+            <a:rPr lang="en-US" sz="2000" kern="1200" dirty="0" smtClean="0"/>
+            <a:t> </a:t>
+          </a:r>
+          <a:r>
+            <a:rPr lang="en-US" sz="2000" kern="1200" dirty="0" err="1" smtClean="0"/>
+            <a:t>cho</a:t>
+          </a:r>
+          <a:r>
+            <a:rPr lang="en-US" sz="2000" kern="1200" dirty="0" smtClean="0"/>
+            <a:t> </a:t>
+          </a:r>
+          <a:r>
+            <a:rPr lang="en-US" sz="2000" kern="1200" dirty="0" err="1" smtClean="0"/>
+            <a:t>từng</a:t>
+          </a:r>
+          <a:r>
+            <a:rPr lang="en-US" sz="2000" kern="1200" dirty="0" smtClean="0"/>
+            <a:t> </a:t>
+          </a:r>
+          <a:r>
+            <a:rPr lang="en-US" sz="2000" kern="1200" dirty="0" err="1" smtClean="0"/>
+            <a:t>dự</a:t>
+          </a:r>
+          <a:r>
+            <a:rPr lang="en-US" sz="2000" kern="1200" dirty="0" smtClean="0"/>
+            <a:t> </a:t>
+          </a:r>
+          <a:r>
+            <a:rPr lang="en-US" sz="2000" kern="1200" dirty="0" err="1" smtClean="0"/>
+            <a:t>án</a:t>
+          </a:r>
+          <a:endParaRPr lang="en-US" sz="2000" kern="1200" dirty="0"/>
+        </a:p>
+      </dsp:txBody>
+      <dsp:txXfrm rot="10800000">
+        <a:off x="777749" y="4749929"/>
+        <a:ext cx="6230356" cy="609460"/>
+      </dsp:txXfrm>
+    </dsp:sp>
+    <dsp:sp modelId="{2D027021-CC96-474A-B6D7-F61606AE0AB1}">
+      <dsp:nvSpPr>
+        <dsp:cNvPr id="0" name=""/>
+        <dsp:cNvSpPr/>
+      </dsp:nvSpPr>
+      <dsp:spPr>
+        <a:xfrm>
+          <a:off x="264624" y="4749929"/>
+          <a:ext cx="609460" cy="609460"/>
+        </a:xfrm>
+        <a:prstGeom prst="ellipse">
+          <a:avLst/>
+        </a:prstGeom>
+        <a:blipFill>
+          <a:blip xmlns:r="http://schemas.openxmlformats.org/officeDocument/2006/relationships" r:embed="rId7" cstate="print">
+            <a:extLst>
+              <a:ext uri="{28A0092B-C50C-407E-A947-70E740481C1C}">
+                <a14:useLocalDpi xmlns:a14="http://schemas.microsoft.com/office/drawing/2010/main" val="0"/>
+              </a:ext>
+            </a:extLst>
+          </a:blip>
+          <a:srcRect/>
+          <a:stretch>
+            <a:fillRect/>
+          </a:stretch>
+        </a:blipFill>
+        <a:ln w="25400" cap="flat" cmpd="sng" algn="ctr">
+          <a:solidFill>
+            <a:schemeClr val="lt1">
+              <a:hueOff val="0"/>
+              <a:satOff val="0"/>
+              <a:lumOff val="0"/>
+              <a:alphaOff val="0"/>
+            </a:schemeClr>
+          </a:solidFill>
+          <a:prstDash val="solid"/>
+        </a:ln>
+        <a:effectLst/>
+      </dsp:spPr>
+      <dsp:style>
+        <a:lnRef idx="2">
+          <a:scrgbClr r="0" g="0" b="0"/>
+        </a:lnRef>
+        <a:fillRef idx="1">
+          <a:scrgbClr r="0" g="0" b="0"/>
+        </a:fillRef>
+        <a:effectRef idx="0">
+          <a:scrgbClr r="0" g="0" b="0"/>
+        </a:effectRef>
+        <a:fontRef idx="minor"/>
+      </dsp:style>
+    </dsp:sp>
+  </dsp:spTree>
+</dsp:drawing>
+</file>
+
+<file path=ppt/diagrams/layout1.xml><?xml version="1.0" encoding="utf-8"?>
+<dgm:layoutDef xmlns:dgm="http://schemas.openxmlformats.org/drawingml/2006/diagram" xmlns:a="http://schemas.openxmlformats.org/drawingml/2006/main" uniqueId="urn:microsoft.com/office/officeart/2005/8/layout/vList3">
+  <dgm:title val=""/>
+  <dgm:desc val=""/>
+  <dgm:catLst>
+    <dgm:cat type="list" pri="14000"/>
+    <dgm:cat type="convert" pri="3000"/>
+    <dgm:cat type="picture" pri="27000"/>
+    <dgm:cat type="pictureconvert" pri="27000"/>
+  </dgm:catLst>
+  <dgm:sampData useDef="1">
+    <dgm:dataModel>
+      <dgm:ptLst/>
+      <dgm:bg/>
+      <dgm:whole/>
+    </dgm:dataModel>
+  </dgm:sampData>
+  <dgm:styleData>
+    <dgm:dataModel>
+      <dgm:ptLst>
+        <dgm:pt modelId="0" type="doc"/>
+        <dgm:pt modelId="1"/>
+        <dgm:pt modelId="2"/>
+      </dgm:ptLst>
+      <dgm:cxnLst>
+        <dgm:cxn modelId="3" srcId="0" destId="1" srcOrd="0" destOrd="0"/>
+        <dgm:cxn modelId="4" srcId="0" destId="2" srcOrd="1" destOrd="0"/>
+      </dgm:cxnLst>
+      <dgm:bg/>
+      <dgm:whole/>
+    </dgm:dataModel>
+  </dgm:styleData>
+  <dgm:clrData>
+    <dgm:dataModel>
+      <dgm:ptLst>
+        <dgm:pt modelId="0" type="doc"/>
+        <dgm:pt modelId="1"/>
+        <dgm:pt modelId="2"/>
+        <dgm:pt modelId="3"/>
+        <dgm:pt modelId="4"/>
+      </dgm:ptLst>
+      <dgm:cxnLst>
+        <dgm:cxn modelId="5" srcId="0" destId="1" srcOrd="0" destOrd="0"/>
+        <dgm:cxn modelId="6" srcId="0" destId="2" srcOrd="1" destOrd="0"/>
+        <dgm:cxn modelId="7" srcId="0" destId="3" srcOrd="2" destOrd="0"/>
+        <dgm:cxn modelId="8" srcId="0" destId="4" srcOrd="3" destOrd="0"/>
+      </dgm:cxnLst>
+      <dgm:bg/>
+      <dgm:whole/>
+    </dgm:dataModel>
+  </dgm:clrData>
+  <dgm:layoutNode name="linearFlow">
+    <dgm:varLst>
+      <dgm:dir/>
+      <dgm:resizeHandles val="exact"/>
+    </dgm:varLst>
+    <dgm:alg type="lin">
+      <dgm:param type="linDir" val="fromT"/>
+      <dgm:param type="vertAlign" val="mid"/>
+      <dgm:param type="horzAlign" val="ctr"/>
+    </dgm:alg>
+    <dgm:shape xmlns:r="http://schemas.openxmlformats.org/officeDocument/2006/relationships" r:blip="">
+      <dgm:adjLst/>
+    </dgm:shape>
+    <dgm:presOf/>
+    <dgm:constrLst>
+      <dgm:constr type="w" for="ch" forName="composite" refType="w"/>
+      <dgm:constr type="h" for="ch" forName="composite" refType="h"/>
+      <dgm:constr type="h" for="ch" forName="spacing" refType="h" refFor="ch" refForName="composite" fact="0.25"/>
+      <dgm:constr type="h" for="ch" forName="spacing" refType="w" op="lte" fact="0.1"/>
+      <dgm:constr type="primFontSz" for="des" ptType="node" op="equ" val="65"/>
+    </dgm:constrLst>
+    <dgm:ruleLst/>
+    <dgm:forEach name="Name0" axis="ch" ptType="node">
+      <dgm:layoutNode name="composite">
+        <dgm:alg type="composite"/>
+        <dgm:shape xmlns:r="http://schemas.openxmlformats.org/officeDocument/2006/relationships" r:blip="">
+          <dgm:adjLst/>
+        </dgm:shape>
+        <dgm:presOf/>
+        <dgm:choose name="Name1">
+          <dgm:if name="Name2" func="var" arg="dir" op="equ" val="norm">
+            <dgm:constrLst>
+              <dgm:constr type="w" for="ch" forName="imgShp" refType="w" fact="0.335"/>
+              <dgm:constr type="h" for="ch" forName="imgShp" refType="w" refFor="ch" refForName="imgShp" op="equ"/>
+              <dgm:constr type="h" for="ch" forName="imgShp" refType="h" op="lte"/>
+              <dgm:constr type="ctrY" for="ch" forName="imgShp" refType="h" fact="0.5"/>
+              <dgm:constr type="l" for="ch" forName="imgShp"/>
+              <dgm:constr type="w" for="ch" forName="txShp" refType="w" op="equ" fact="0.665"/>
+              <dgm:constr type="h" for="ch" forName="txShp" refType="h" refFor="ch" refForName="imgShp" op="equ"/>
+              <dgm:constr type="ctrY" for="ch" forName="txShp" refType="h" fact="0.5"/>
+              <dgm:constr type="l" for="ch" forName="txShp" refType="w" refFor="ch" refForName="imgShp" fact="0.5"/>
+              <dgm:constr type="lMarg" for="ch" forName="txShp" refType="w" refFor="ch" refForName="imgShp" fact="1.25"/>
+            </dgm:constrLst>
+          </dgm:if>
+          <dgm:else name="Name3">
+            <dgm:constrLst>
+              <dgm:constr type="w" for="ch" forName="imgShp" refType="w" fact="0.335"/>
+              <dgm:constr type="h" for="ch" forName="imgShp" refType="w" refFor="ch" refForName="imgShp" op="equ"/>
+              <dgm:constr type="h" for="ch" forName="imgShp" refType="h" op="lte"/>
+              <dgm:constr type="ctrY" for="ch" forName="imgShp" refType="h" fact="0.5"/>
+              <dgm:constr type="r" for="ch" forName="imgShp" refType="w"/>
+              <dgm:constr type="w" for="ch" forName="txShp" refType="w" op="equ" fact="0.665"/>
+              <dgm:constr type="h" for="ch" forName="txShp" refType="h" refFor="ch" refForName="imgShp" op="equ"/>
+              <dgm:constr type="ctrY" for="ch" forName="txShp" refType="h" fact="0.5"/>
+              <dgm:constr type="r" for="ch" forName="txShp" refType="ctrX" refFor="ch" refForName="imgShp"/>
+              <dgm:constr type="rMarg" for="ch" forName="txShp" refType="w" refFor="ch" refForName="imgShp" fact="1.25"/>
+            </dgm:constrLst>
+          </dgm:else>
+        </dgm:choose>
+        <dgm:ruleLst/>
+        <dgm:layoutNode name="imgShp" styleLbl="fgImgPlace1">
+          <dgm:alg type="sp"/>
+          <dgm:shape xmlns:r="http://schemas.openxmlformats.org/officeDocument/2006/relationships" type="ellipse" r:blip="" blipPhldr="1">
+            <dgm:adjLst/>
+          </dgm:shape>
+          <dgm:presOf/>
+          <dgm:constrLst/>
+          <dgm:ruleLst/>
+        </dgm:layoutNode>
+        <dgm:layoutNode name="txShp">
+          <dgm:varLst>
+            <dgm:bulletEnabled val="1"/>
+          </dgm:varLst>
+          <dgm:alg type="tx"/>
+          <dgm:choose name="Name4">
+            <dgm:if name="Name5" func="var" arg="dir" op="equ" val="norm">
+              <dgm:shape xmlns:r="http://schemas.openxmlformats.org/officeDocument/2006/relationships" rot="180" type="homePlate" r:blip="" zOrderOff="-1">
+                <dgm:adjLst/>
+              </dgm:shape>
+            </dgm:if>
+            <dgm:else name="Name6">
+              <dgm:shape xmlns:r="http://schemas.openxmlformats.org/officeDocument/2006/relationships" type="homePlate" r:blip="" zOrderOff="-1">
+                <dgm:adjLst/>
+              </dgm:shape>
+            </dgm:else>
+          </dgm:choose>
+          <dgm:presOf axis="desOrSelf" ptType="node"/>
+          <dgm:constrLst>
+            <dgm:constr type="tMarg" refType="primFontSz" fact="0.3"/>
+            <dgm:constr type="bMarg" refType="primFontSz" fact="0.3"/>
+          </dgm:constrLst>
+          <dgm:ruleLst>
+            <dgm:rule type="primFontSz" val="5" fact="NaN" max="NaN"/>
+          </dgm:ruleLst>
+        </dgm:layoutNode>
+      </dgm:layoutNode>
+      <dgm:forEach name="Name7" axis="followSib" ptType="sibTrans" cnt="1">
+        <dgm:layoutNode name="spacing">
+          <dgm:alg type="sp"/>
+          <dgm:shape xmlns:r="http://schemas.openxmlformats.org/officeDocument/2006/relationships" r:blip="">
+            <dgm:adjLst/>
+          </dgm:shape>
+          <dgm:presOf axis="self"/>
+          <dgm:constrLst/>
+          <dgm:ruleLst/>
+        </dgm:layoutNode>
+      </dgm:forEach>
+    </dgm:forEach>
+  </dgm:layoutNode>
+</dgm:layoutDef>
+</file>
+
+<file path=ppt/diagrams/quickStyle1.xml><?xml version="1.0" encoding="utf-8"?>
+<dgm:styleDef xmlns:dgm="http://schemas.openxmlformats.org/drawingml/2006/diagram" xmlns:a="http://schemas.openxmlformats.org/drawingml/2006/main" uniqueId="urn:microsoft.com/office/officeart/2005/8/quickstyle/simple1">
+  <dgm:title val=""/>
+  <dgm:desc val=""/>
+  <dgm:catLst>
+    <dgm:cat type="simple" pri="10100"/>
+  </dgm:catLst>
+  <dgm:scene3d>
+    <a:camera prst="orthographicFront"/>
+    <a:lightRig rig="threePt" dir="t"/>
+  </dgm:scene3d>
+  <dgm:styleLbl name="node0">
+    <dgm:scene3d>
+      <a:camera prst="orthographicFront"/>
+      <a:lightRig rig="threePt" dir="t"/>
+    </dgm:scene3d>
+    <dgm:sp3d/>
+    <dgm:txPr/>
+    <dgm:style>
+      <a:lnRef idx="2">
+        <a:scrgbClr r="0" g="0" b="0"/>
+      </a:lnRef>
+      <a:fillRef idx="1">
+        <a:scrgbClr r="0" g="0" b="0"/>
+      </a:fillRef>
+      <a:effectRef idx="0">
+        <a:scrgbClr r="0" g="0" b="0"/>
+      </a:effectRef>
+      <a:fontRef idx="minor">
+        <a:schemeClr val="lt1"/>
+      </a:fontRef>
+    </dgm:style>
+  </dgm:styleLbl>
+  <dgm:styleLbl name="lnNode1">
+    <dgm:scene3d>
+      <a:camera prst="orthographicFront"/>
+      <a:lightRig rig="threePt" dir="t"/>
+    </dgm:scene3d>
+    <dgm:sp3d/>
+    <dgm:txPr/>
+    <dgm:style>
+      <a:lnRef idx="2">
+        <a:scrgbClr r="0" g="0" b="0"/>
+      </a:lnRef>
+      <a:fillRef idx="1">
+        <a:scrgbClr r="0" g="0" b="0"/>
+      </a:fillRef>
+      <a:effectRef idx="0">
+        <a:scrgbClr r="0" g="0" b="0"/>
+      </a:effectRef>
+      <a:fontRef idx="minor">
+        <a:schemeClr val="lt1"/>
+      </a:fontRef>
+    </dgm:style>
+  </dgm:styleLbl>
+  <dgm:styleLbl name="vennNode1">
+    <dgm:scene3d>
+      <a:camera prst="orthographicFront"/>
+      <a:lightRig rig="threePt" dir="t"/>
+    </dgm:scene3d>
+    <dgm:sp3d/>
+    <dgm:txPr/>
+    <dgm:style>
+      <a:lnRef idx="2">
+        <a:scrgbClr r="0" g="0" b="0"/>
+      </a:lnRef>
+      <a:fillRef idx="1">
+        <a:scrgbClr r="0" g="0" b="0"/>
+      </a:fillRef>
+      <a:effectRef idx="0">
+        <a:scrgbClr r="0" g="0" b="0"/>
+      </a:effectRef>
+      <a:fontRef idx="minor">
+        <a:schemeClr val="tx1"/>
+      </a:fontRef>
+    </dgm:style>
+  </dgm:styleLbl>
+  <dgm:styleLbl name="alignNode1">
+    <dgm:scene3d>
+      <a:camera prst="orthographicFront"/>
+      <a:lightRig rig="threePt" dir="t"/>
+    </dgm:scene3d>
+    <dgm:sp3d/>
+    <dgm:txPr/>
+    <dgm:style>
+      <a:lnRef idx="2">
+        <a:scrgbClr r="0" g="0" b="0"/>
+      </a:lnRef>
+      <a:fillRef idx="1">
+        <a:scrgbClr r="0" g="0" b="0"/>
+      </a:fillRef>
+      <a:effectRef idx="0">
+        <a:scrgbClr r="0" g="0" b="0"/>
+      </a:effectRef>
+      <a:fontRef idx="minor">
+        <a:schemeClr val="lt1"/>
+      </a:fontRef>
+    </dgm:style>
+  </dgm:styleLbl>
+  <dgm:styleLbl name="node1">
+    <dgm:scene3d>
+      <a:camera prst="orthographicFront"/>
+      <a:lightRig rig="threePt" dir="t"/>
+    </dgm:scene3d>
+    <dgm:sp3d/>
+    <dgm:txPr/>
+    <dgm:style>
+      <a:lnRef idx="2">
+        <a:scrgbClr r="0" g="0" b="0"/>
+      </a:lnRef>
+      <a:fillRef idx="1">
+        <a:scrgbClr r="0" g="0" b="0"/>
+      </a:fillRef>
+      <a:effectRef idx="0">
+        <a:scrgbClr r="0" g="0" b="0"/>
+      </a:effectRef>
+      <a:fontRef idx="minor">
+        <a:schemeClr val="lt1"/>
+      </a:fontRef>
+    </dgm:style>
+  </dgm:styleLbl>
+  <dgm:styleLbl name="node2">
+    <dgm:scene3d>
+      <a:camera prst="orthographicFront"/>
+      <a:lightRig rig="threePt" dir="t"/>
+    </dgm:scene3d>
+    <dgm:sp3d/>
+    <dgm:txPr/>
+    <dgm:style>
+      <a:lnRef idx="2">
+        <a:scrgbClr r="0" g="0" b="0"/>
+      </a:lnRef>
+      <a:fillRef idx="1">
+        <a:scrgbClr r="0" g="0" b="0"/>
+      </a:fillRef>
+      <a:effectRef idx="0">
+        <a:scrgbClr r="0" g="0" b="0"/>
+      </a:effectRef>
+      <a:fontRef idx="minor">
+        <a:schemeClr val="lt1"/>
+      </a:fontRef>
+    </dgm:style>
+  </dgm:styleLbl>
+  <dgm:styleLbl name="node3">
+    <dgm:scene3d>
+      <a:camera prst="orthographicFront"/>
+      <a:lightRig rig="threePt" dir="t"/>
+    </dgm:scene3d>
+    <dgm:sp3d/>
+    <dgm:txPr/>
+    <dgm:style>
+      <a:lnRef idx="2">
+        <a:scrgbClr r="0" g="0" b="0"/>
+      </a:lnRef>
+      <a:fillRef idx="1">
+        <a:scrgbClr r="0" g="0" b="0"/>
+      </a:fillRef>
+      <a:effectRef idx="0">
+        <a:scrgbClr r="0" g="0" b="0"/>
+      </a:effectRef>
+      <a:fontRef idx="minor">
+        <a:schemeClr val="lt1"/>
+      </a:fontRef>
+    </dgm:style>
+  </dgm:styleLbl>
+  <dgm:styleLbl name="node4">
+    <dgm:scene3d>
+      <a:camera prst="orthographicFront"/>
+      <a:lightRig rig="threePt" dir="t"/>
+    </dgm:scene3d>
+    <dgm:sp3d/>
+    <dgm:txPr/>
+    <dgm:style>
+      <a:lnRef idx="2">
+        <a:scrgbClr r="0" g="0" b="0"/>
+      </a:lnRef>
+      <a:fillRef idx="1">
+        <a:scrgbClr r="0" g="0" b="0"/>
+      </a:fillRef>
+      <a:effectRef idx="0">
+        <a:scrgbClr r="0" g="0" b="0"/>
+      </a:effectRef>
+      <a:fontRef idx="minor">
+        <a:schemeClr val="lt1"/>
+      </a:fontRef>
+    </dgm:style>
+  </dgm:styleLbl>
+  <dgm:styleLbl name="fgImgPlace1">
+    <dgm:scene3d>
+      <a:camera prst="orthographicFront"/>
+      <a:lightRig rig="threePt" dir="t"/>
+    </dgm:scene3d>
+    <dgm:sp3d/>
+    <dgm:txPr/>
+    <dgm:style>
+      <a:lnRef idx="2">
+        <a:scrgbClr r="0" g="0" b="0"/>
+      </a:lnRef>
+      <a:fillRef idx="1">
+        <a:scrgbClr r="0" g="0" b="0"/>
+      </a:fillRef>
+      <a:effectRef idx="0">
+        <a:scrgbClr r="0" g="0" b="0"/>
+      </a:effectRef>
+      <a:fontRef idx="minor"/>
+    </dgm:style>
+  </dgm:styleLbl>
+  <dgm:styleLbl name="alignImgPlace1">
+    <dgm:scene3d>
+      <a:camera prst="orthographicFront"/>
+      <a:lightRig rig="threePt" dir="t"/>
+    </dgm:scene3d>
+    <dgm:sp3d/>
+    <dgm:txPr/>
+    <dgm:style>
+      <a:lnRef idx="2">
+        <a:scrgbClr r="0" g="0" b="0"/>
+      </a:lnRef>
+      <a:fillRef idx="1">
+        <a:scrgbClr r="0" g="0" b="0"/>
+      </a:fillRef>
+      <a:effectRef idx="0">
+        <a:scrgbClr r="0" g="0" b="0"/>
+      </a:effectRef>
+      <a:fontRef idx="minor"/>
+    </dgm:style>
+  </dgm:styleLbl>
+  <dgm:styleLbl name="bgImgPlace1">
+    <dgm:scene3d>
+      <a:camera prst="orthographicFront"/>
+      <a:lightRig rig="threePt" dir="t"/>
+    </dgm:scene3d>
+    <dgm:sp3d/>
+    <dgm:txPr/>
+    <dgm:style>
+      <a:lnRef idx="2">
+        <a:scrgbClr r="0" g="0" b="0"/>
+      </a:lnRef>
+      <a:fillRef idx="1">
+        <a:scrgbClr r="0" g="0" b="0"/>
+      </a:fillRef>
+      <a:effectRef idx="0">
+        <a:scrgbClr r="0" g="0" b="0"/>
+      </a:effectRef>
+      <a:fontRef idx="minor"/>
+    </dgm:style>
+  </dgm:styleLbl>
+  <dgm:styleLbl name="sibTrans2D1">
+    <dgm:scene3d>
+      <a:camera prst="orthographicFront"/>
+      <a:lightRig rig="threePt" dir="t"/>
+    </dgm:scene3d>
+    <dgm:sp3d/>
+    <dgm:txPr/>
+    <dgm:style>
+      <a:lnRef idx="0">
+        <a:scrgbClr r="0" g="0" b="0"/>
+      </a:lnRef>
+      <a:fillRef idx="1">
+        <a:scrgbClr r="0" g="0" b="0"/>
+      </a:fillRef>
+      <a:effectRef idx="0">
+        <a:scrgbClr r="0" g="0" b="0"/>
+      </a:effectRef>
+      <a:fontRef idx="minor">
+        <a:schemeClr val="lt1"/>
+      </a:fontRef>
+    </dgm:style>
+  </dgm:styleLbl>
+  <dgm:styleLbl name="fgSibTrans2D1">
+    <dgm:scene3d>
+      <a:camera prst="orthographicFront"/>
+      <a:lightRig rig="threePt" dir="t"/>
+    </dgm:scene3d>
+    <dgm:sp3d/>
+    <dgm:txPr/>
+    <dgm:style>
+      <a:lnRef idx="0">
+        <a:scrgbClr r="0" g="0" b="0"/>
+      </a:lnRef>
+      <a:fillRef idx="1">
+        <a:scrgbClr r="0" g="0" b="0"/>
+      </a:fillRef>
+      <a:effectRef idx="0">
+        <a:scrgbClr r="0" g="0" b="0"/>
+      </a:effectRef>
+      <a:fontRef idx="minor">
+        <a:schemeClr val="lt1"/>
+      </a:fontRef>
+    </dgm:style>
+  </dgm:styleLbl>
+  <dgm:styleLbl name="bgSibTrans2D1">
+    <dgm:scene3d>
+      <a:camera prst="orthographicFront"/>
+      <a:lightRig rig="threePt" dir="t"/>
+    </dgm:scene3d>
+    <dgm:sp3d/>
+    <dgm:txPr/>
+    <dgm:style>
+      <a:lnRef idx="0">
+        <a:scrgbClr r="0" g="0" b="0"/>
+      </a:lnRef>
+      <a:fillRef idx="1">
+        <a:scrgbClr r="0" g="0" b="0"/>
+      </a:fillRef>
+      <a:effectRef idx="0">
+        <a:scrgbClr r="0" g="0" b="0"/>
+      </a:effectRef>
+      <a:fontRef idx="minor">
+        <a:schemeClr val="lt1"/>
+      </a:fontRef>
+    </dgm:style>
+  </dgm:styleLbl>
+  <dgm:styleLbl name="sibTrans1D1">
+    <dgm:scene3d>
+      <a:camera prst="orthographicFront"/>
+      <a:lightRig rig="threePt" dir="t"/>
+    </dgm:scene3d>
+    <dgm:sp3d/>
+    <dgm:txPr/>
+    <dgm:style>
+      <a:lnRef idx="1">
+        <a:scrgbClr r="0" g="0" b="0"/>
+      </a:lnRef>
+      <a:fillRef idx="0">
+        <a:scrgbClr r="0" g="0" b="0"/>
+      </a:fillRef>
+      <a:effectRef idx="0">
+        <a:scrgbClr r="0" g="0" b="0"/>
+      </a:effectRef>
+      <a:fontRef idx="minor"/>
+    </dgm:style>
+  </dgm:styleLbl>
+  <dgm:styleLbl name="callout">
+    <dgm:scene3d>
+      <a:camera prst="orthographicFront"/>
+      <a:lightRig rig="threePt" dir="t"/>
+    </dgm:scene3d>
+    <dgm:sp3d/>
+    <dgm:txPr/>
+    <dgm:style>
+      <a:lnRef idx="2">
+        <a:scrgbClr r="0" g="0" b="0"/>
+      </a:lnRef>
+      <a:fillRef idx="1">
+        <a:scrgbClr r="0" g="0" b="0"/>
+      </a:fillRef>
+      <a:effectRef idx="0">
+        <a:scrgbClr r="0" g="0" b="0"/>
+      </a:effectRef>
+      <a:fontRef idx="minor"/>
+    </dgm:style>
+  </dgm:styleLbl>
+  <dgm:styleLbl name="asst0">
+    <dgm:scene3d>
+      <a:camera prst="orthographicFront"/>
+      <a:lightRig rig="threePt" dir="t"/>
+    </dgm:scene3d>
+    <dgm:sp3d/>
+    <dgm:txPr/>
+    <dgm:style>
+      <a:lnRef idx="2">
+        <a:scrgbClr r="0" g="0" b="0"/>
+      </a:lnRef>
+      <a:fillRef idx="1">
+        <a:scrgbClr r="0" g="0" b="0"/>
+      </a:fillRef>
+      <a:effectRef idx="0">
+        <a:scrgbClr r="0" g="0" b="0"/>
+      </a:effectRef>
+      <a:fontRef idx="minor">
+        <a:schemeClr val="lt1"/>
+      </a:fontRef>
+    </dgm:style>
+  </dgm:styleLbl>
+  <dgm:styleLbl name="asst1">
+    <dgm:scene3d>
+      <a:camera prst="orthographicFront"/>
+      <a:lightRig rig="threePt" dir="t"/>
+    </dgm:scene3d>
+    <dgm:sp3d/>
+    <dgm:txPr/>
+    <dgm:style>
+      <a:lnRef idx="2">
+        <a:scrgbClr r="0" g="0" b="0"/>
+      </a:lnRef>
+      <a:fillRef idx="1">
+        <a:scrgbClr r="0" g="0" b="0"/>
+      </a:fillRef>
+      <a:effectRef idx="0">
+        <a:scrgbClr r="0" g="0" b="0"/>
+      </a:effectRef>
+      <a:fontRef idx="minor">
+        <a:schemeClr val="lt1"/>
+      </a:fontRef>
+    </dgm:style>
+  </dgm:styleLbl>
+  <dgm:styleLbl name="asst2">
+    <dgm:scene3d>
+      <a:camera prst="orthographicFront"/>
+      <a:lightRig rig="threePt" dir="t"/>
+    </dgm:scene3d>
+    <dgm:sp3d/>
+    <dgm:txPr/>
+    <dgm:style>
+      <a:lnRef idx="2">
+        <a:scrgbClr r="0" g="0" b="0"/>
+      </a:lnRef>
+      <a:fillRef idx="1">
+        <a:scrgbClr r="0" g="0" b="0"/>
+      </a:fillRef>
+      <a:effectRef idx="0">
+        <a:scrgbClr r="0" g="0" b="0"/>
+      </a:effectRef>
+      <a:fontRef idx="minor">
+        <a:schemeClr val="lt1"/>
+      </a:fontRef>
+    </dgm:style>
+  </dgm:styleLbl>
+  <dgm:styleLbl name="asst3">
+    <dgm:scene3d>
+      <a:camera prst="orthographicFront"/>
+      <a:lightRig rig="threePt" dir="t"/>
+    </dgm:scene3d>
+    <dgm:sp3d/>
+    <dgm:txPr/>
+    <dgm:style>
+      <a:lnRef idx="2">
+        <a:scrgbClr r="0" g="0" b="0"/>
+      </a:lnRef>
+      <a:fillRef idx="1">
+        <a:scrgbClr r="0" g="0" b="0"/>
+      </a:fillRef>
+      <a:effectRef idx="0">
+        <a:scrgbClr r="0" g="0" b="0"/>
+      </a:effectRef>
+      <a:fontRef idx="minor">
+        <a:schemeClr val="lt1"/>
+      </a:fontRef>
+    </dgm:style>
+  </dgm:styleLbl>
+  <dgm:styleLbl name="asst4">
+    <dgm:scene3d>
+      <a:camera prst="orthographicFront"/>
+      <a:lightRig rig="threePt" dir="t"/>
+    </dgm:scene3d>
+    <dgm:sp3d/>
+    <dgm:txPr/>
+    <dgm:style>
+      <a:lnRef idx="2">
+        <a:scrgbClr r="0" g="0" b="0"/>
+      </a:lnRef>
+      <a:fillRef idx="1">
+        <a:scrgbClr r="0" g="0" b="0"/>
+      </a:fillRef>
+      <a:effectRef idx="0">
+        <a:scrgbClr r="0" g="0" b="0"/>
+      </a:effectRef>
+      <a:fontRef idx="minor">
+        <a:schemeClr val="lt1"/>
+      </a:fontRef>
+    </dgm:style>
+  </dgm:styleLbl>
+  <dgm:styleLbl name="parChTrans2D1">
+    <dgm:scene3d>
+      <a:camera prst="orthographicFront"/>
+      <a:lightRig rig="threePt" dir="t"/>
+    </dgm:scene3d>
+    <dgm:sp3d/>
+    <dgm:txPr/>
+    <dgm:style>
+      <a:lnRef idx="2">
+        <a:scrgbClr r="0" g="0" b="0"/>
+      </a:lnRef>
+      <a:fillRef idx="1">
+        <a:scrgbClr r="0" g="0" b="0"/>
+      </a:fillRef>
+      <a:effectRef idx="0">
+        <a:scrgbClr r="0" g="0" b="0"/>
+      </a:effectRef>
+      <a:fontRef idx="minor">
+        <a:schemeClr val="lt1"/>
+      </a:fontRef>
+    </dgm:style>
+  </dgm:styleLbl>
+  <dgm:styleLbl name="parChTrans2D2">
+    <dgm:scene3d>
+      <a:camera prst="orthographicFront"/>
+      <a:lightRig rig="threePt" dir="t"/>
+    </dgm:scene3d>
+    <dgm:sp3d/>
+    <dgm:txPr/>
+    <dgm:style>
+      <a:lnRef idx="2">
+        <a:scrgbClr r="0" g="0" b="0"/>
+      </a:lnRef>
+      <a:fillRef idx="1">
+        <a:scrgbClr r="0" g="0" b="0"/>
+      </a:fillRef>
+      <a:effectRef idx="0">
+        <a:scrgbClr r="0" g="0" b="0"/>
+      </a:effectRef>
+      <a:fontRef idx="minor">
+        <a:schemeClr val="lt1"/>
+      </a:fontRef>
+    </dgm:style>
+  </dgm:styleLbl>
+  <dgm:styleLbl name="parChTrans2D3">
+    <dgm:scene3d>
+      <a:camera prst="orthographicFront"/>
+      <a:lightRig rig="threePt" dir="t"/>
+    </dgm:scene3d>
+    <dgm:sp3d/>
+    <dgm:txPr/>
+    <dgm:style>
+      <a:lnRef idx="2">
+        <a:scrgbClr r="0" g="0" b="0"/>
+      </a:lnRef>
+      <a:fillRef idx="1">
+        <a:scrgbClr r="0" g="0" b="0"/>
+      </a:fillRef>
+      <a:effectRef idx="0">
+        <a:scrgbClr r="0" g="0" b="0"/>
+      </a:effectRef>
+      <a:fontRef idx="minor">
+        <a:schemeClr val="lt1"/>
+      </a:fontRef>
+    </dgm:style>
+  </dgm:styleLbl>
+  <dgm:styleLbl name="parChTrans2D4">
+    <dgm:scene3d>
+      <a:camera prst="orthographicFront"/>
+      <a:lightRig rig="threePt" dir="t"/>
+    </dgm:scene3d>
+    <dgm:sp3d/>
+    <dgm:txPr/>
+    <dgm:style>
+      <a:lnRef idx="2">
+        <a:scrgbClr r="0" g="0" b="0"/>
+      </a:lnRef>
+      <a:fillRef idx="1">
+        <a:scrgbClr r="0" g="0" b="0"/>
+      </a:fillRef>
+      <a:effectRef idx="0">
+        <a:scrgbClr r="0" g="0" b="0"/>
+      </a:effectRef>
+      <a:fontRef idx="minor">
+        <a:schemeClr val="lt1"/>
+      </a:fontRef>
+    </dgm:style>
+  </dgm:styleLbl>
+  <dgm:styleLbl name="parChTrans1D1">
+    <dgm:scene3d>
+      <a:camera prst="orthographicFront"/>
+      <a:lightRig rig="threePt" dir="t"/>
+    </dgm:scene3d>
+    <dgm:sp3d/>
+    <dgm:txPr/>
+    <dgm:style>
+      <a:lnRef idx="2">
+        <a:scrgbClr r="0" g="0" b="0"/>
+      </a:lnRef>
+      <a:fillRef idx="0">
+        <a:scrgbClr r="0" g="0" b="0"/>
+      </a:fillRef>
+      <a:effectRef idx="0">
+        <a:scrgbClr r="0" g="0" b="0"/>
+      </a:effectRef>
+      <a:fontRef idx="minor"/>
+    </dgm:style>
+  </dgm:styleLbl>
+  <dgm:styleLbl name="parChTrans1D2">
+    <dgm:scene3d>
+      <a:camera prst="orthographicFront"/>
+      <a:lightRig rig="threePt" dir="t"/>
+    </dgm:scene3d>
+    <dgm:sp3d/>
+    <dgm:txPr/>
+    <dgm:style>
+      <a:lnRef idx="2">
+        <a:scrgbClr r="0" g="0" b="0"/>
+      </a:lnRef>
+      <a:fillRef idx="0">
+        <a:scrgbClr r="0" g="0" b="0"/>
+      </a:fillRef>
+      <a:effectRef idx="0">
+        <a:scrgbClr r="0" g="0" b="0"/>
+      </a:effectRef>
+      <a:fontRef idx="minor"/>
+    </dgm:style>
+  </dgm:styleLbl>
+  <dgm:styleLbl name="parChTrans1D3">
+    <dgm:scene3d>
+      <a:camera prst="orthographicFront"/>
+      <a:lightRig rig="threePt" dir="t"/>
+    </dgm:scene3d>
+    <dgm:sp3d/>
+    <dgm:txPr/>
+    <dgm:style>
+      <a:lnRef idx="2">
+        <a:scrgbClr r="0" g="0" b="0"/>
+      </a:lnRef>
+      <a:fillRef idx="0">
+        <a:scrgbClr r="0" g="0" b="0"/>
+      </a:fillRef>
+      <a:effectRef idx="0">
+        <a:scrgbClr r="0" g="0" b="0"/>
+      </a:effectRef>
+      <a:fontRef idx="minor"/>
+    </dgm:style>
+  </dgm:styleLbl>
+  <dgm:styleLbl name="parChTrans1D4">
+    <dgm:scene3d>
+      <a:camera prst="orthographicFront"/>
+      <a:lightRig rig="threePt" dir="t"/>
+    </dgm:scene3d>
+    <dgm:sp3d/>
+    <dgm:txPr/>
+    <dgm:style>
+      <a:lnRef idx="2">
+        <a:scrgbClr r="0" g="0" b="0"/>
+      </a:lnRef>
+      <a:fillRef idx="0">
+        <a:scrgbClr r="0" g="0" b="0"/>
+      </a:fillRef>
+      <a:effectRef idx="0">
+        <a:scrgbClr r="0" g="0" b="0"/>
+      </a:effectRef>
+      <a:fontRef idx="minor"/>
+    </dgm:style>
+  </dgm:styleLbl>
+  <dgm:styleLbl name="fgAcc1">
+    <dgm:scene3d>
+      <a:camera prst="orthographicFront"/>
+      <a:lightRig rig="threePt" dir="t"/>
+    </dgm:scene3d>
+    <dgm:sp3d/>
+    <dgm:txPr/>
+    <dgm:style>
+      <a:lnRef idx="2">
+        <a:scrgbClr r="0" g="0" b="0"/>
+      </a:lnRef>
+      <a:fillRef idx="1">
+        <a:scrgbClr r="0" g="0" b="0"/>
+      </a:fillRef>
+      <a:effectRef idx="0">
+        <a:scrgbClr r="0" g="0" b="0"/>
+      </a:effectRef>
+      <a:fontRef idx="minor"/>
+    </dgm:style>
+  </dgm:styleLbl>
+  <dgm:styleLbl name="conFgAcc1">
+    <dgm:scene3d>
+      <a:camera prst="orthographicFront"/>
+      <a:lightRig rig="threePt" dir="t"/>
+    </dgm:scene3d>
+    <dgm:sp3d/>
+    <dgm:txPr/>
+    <dgm:style>
+      <a:lnRef idx="2">
+        <a:scrgbClr r="0" g="0" b="0"/>
+      </a:lnRef>
+      <a:fillRef idx="1">
+        <a:scrgbClr r="0" g="0" b="0"/>
+      </a:fillRef>
+      <a:effectRef idx="0">
+        <a:scrgbClr r="0" g="0" b="0"/>
+      </a:effectRef>
+      <a:fontRef idx="minor"/>
+    </dgm:style>
+  </dgm:styleLbl>
+  <dgm:styleLbl name="alignAcc1">
+    <dgm:scene3d>
+      <a:camera prst="orthographicFront"/>
+      <a:lightRig rig="threePt" dir="t"/>
+    </dgm:scene3d>
+    <dgm:sp3d/>
+    <dgm:txPr/>
+    <dgm:style>
+      <a:lnRef idx="2">
+        <a:scrgbClr r="0" g="0" b="0"/>
+      </a:lnRef>
+      <a:fillRef idx="1">
+        <a:scrgbClr r="0" g="0" b="0"/>
+      </a:fillRef>
+      <a:effectRef idx="0">
+        <a:scrgbClr r="0" g="0" b="0"/>
+      </a:effectRef>
+      <a:fontRef idx="minor"/>
+    </dgm:style>
+  </dgm:styleLbl>
+  <dgm:styleLbl name="trAlignAcc1">
+    <dgm:scene3d>
+      <a:camera prst="orthographicFront"/>
+      <a:lightRig rig="threePt" dir="t"/>
+    </dgm:scene3d>
+    <dgm:sp3d/>
+    <dgm:txPr/>
+    <dgm:style>
+      <a:lnRef idx="1">
+        <a:scrgbClr r="0" g="0" b="0"/>
+      </a:lnRef>
+      <a:fillRef idx="1">
+        <a:scrgbClr r="0" g="0" b="0"/>
+      </a:fillRef>
+      <a:effectRef idx="0">
+        <a:scrgbClr r="0" g="0" b="0"/>
+      </a:effectRef>
+      <a:fontRef idx="minor"/>
+    </dgm:style>
+  </dgm:styleLbl>
+  <dgm:styleLbl name="bgAcc1">
+    <dgm:scene3d>
+      <a:camera prst="orthographicFront"/>
+      <a:lightRig rig="threePt" dir="t"/>
+    </dgm:scene3d>
+    <dgm:sp3d/>
+    <dgm:txPr/>
+    <dgm:style>
+      <a:lnRef idx="2">
+        <a:scrgbClr r="0" g="0" b="0"/>
+      </a:lnRef>
+      <a:fillRef idx="1">
+        <a:scrgbClr r="0" g="0" b="0"/>
+      </a:fillRef>
+      <a:effectRef idx="0">
+        <a:scrgbClr r="0" g="0" b="0"/>
+      </a:effectRef>
+      <a:fontRef idx="minor"/>
+    </dgm:style>
+  </dgm:styleLbl>
+  <dgm:styleLbl name="solidFgAcc1">
+    <dgm:scene3d>
+      <a:camera prst="orthographicFront"/>
+      <a:lightRig rig="threePt" dir="t"/>
+    </dgm:scene3d>
+    <dgm:sp3d/>
+    <dgm:txPr/>
+    <dgm:style>
+      <a:lnRef idx="2">
+        <a:scrgbClr r="0" g="0" b="0"/>
+      </a:lnRef>
+      <a:fillRef idx="1">
+        <a:scrgbClr r="0" g="0" b="0"/>
+      </a:fillRef>
+      <a:effectRef idx="0">
+        <a:scrgbClr r="0" g="0" b="0"/>
+      </a:effectRef>
+      <a:fontRef idx="minor"/>
+    </dgm:style>
+  </dgm:styleLbl>
+  <dgm:styleLbl name="solidAlignAcc1">
+    <dgm:scene3d>
+      <a:camera prst="orthographicFront"/>
+      <a:lightRig rig="threePt" dir="t"/>
+    </dgm:scene3d>
+    <dgm:sp3d/>
+    <dgm:txPr/>
+    <dgm:style>
+      <a:lnRef idx="2">
+        <a:scrgbClr r="0" g="0" b="0"/>
+      </a:lnRef>
+      <a:fillRef idx="1">
+        <a:scrgbClr r="0" g="0" b="0"/>
+      </a:fillRef>
+      <a:effectRef idx="0">
+        <a:scrgbClr r="0" g="0" b="0"/>
+      </a:effectRef>
+      <a:fontRef idx="minor"/>
+    </dgm:style>
+  </dgm:styleLbl>
+  <dgm:styleLbl name="solidBgAcc1">
+    <dgm:scene3d>
+      <a:camera prst="orthographicFront"/>
+      <a:lightRig rig="threePt" dir="t"/>
+    </dgm:scene3d>
+    <dgm:sp3d/>
+    <dgm:txPr/>
+    <dgm:style>
+      <a:lnRef idx="2">
+        <a:scrgbClr r="0" g="0" b="0"/>
+      </a:lnRef>
+      <a:fillRef idx="1">
+        <a:scrgbClr r="0" g="0" b="0"/>
+      </a:fillRef>
+      <a:effectRef idx="0">
+        <a:scrgbClr r="0" g="0" b="0"/>
+      </a:effectRef>
+      <a:fontRef idx="minor"/>
+    </dgm:style>
+  </dgm:styleLbl>
+  <dgm:styleLbl name="fgAccFollowNode1">
+    <dgm:scene3d>
+      <a:camera prst="orthographicFront"/>
+      <a:lightRig rig="threePt" dir="t"/>
+    </dgm:scene3d>
+    <dgm:sp3d/>
+    <dgm:txPr/>
+    <dgm:style>
+      <a:lnRef idx="2">
+        <a:scrgbClr r="0" g="0" b="0"/>
+      </a:lnRef>
+      <a:fillRef idx="1">
+        <a:scrgbClr r="0" g="0" b="0"/>
+      </a:fillRef>
+      <a:effectRef idx="0">
+        <a:scrgbClr r="0" g="0" b="0"/>
+      </a:effectRef>
+      <a:fontRef idx="minor"/>
+    </dgm:style>
+  </dgm:styleLbl>
+  <dgm:styleLbl name="alignAccFollowNode1">
+    <dgm:scene3d>
+      <a:camera prst="orthographicFront"/>
+      <a:lightRig rig="threePt" dir="t"/>
+    </dgm:scene3d>
+    <dgm:sp3d/>
+    <dgm:txPr/>
+    <dgm:style>
+      <a:lnRef idx="2">
+        <a:scrgbClr r="0" g="0" b="0"/>
+      </a:lnRef>
+      <a:fillRef idx="1">
+        <a:scrgbClr r="0" g="0" b="0"/>
+      </a:fillRef>
+      <a:effectRef idx="0">
+        <a:scrgbClr r="0" g="0" b="0"/>
+      </a:effectRef>
+      <a:fontRef idx="minor"/>
+    </dgm:style>
+  </dgm:styleLbl>
+  <dgm:styleLbl name="bgAccFollowNode1">
+    <dgm:scene3d>
+      <a:camera prst="orthographicFront"/>
+      <a:lightRig rig="threePt" dir="t"/>
+    </dgm:scene3d>
+    <dgm:sp3d/>
+    <dgm:txPr/>
+    <dgm:style>
+      <a:lnRef idx="2">
+        <a:scrgbClr r="0" g="0" b="0"/>
+      </a:lnRef>
+      <a:fillRef idx="1">
+        <a:scrgbClr r="0" g="0" b="0"/>
+      </a:fillRef>
+      <a:effectRef idx="0">
+        <a:scrgbClr r="0" g="0" b="0"/>
+      </a:effectRef>
+      <a:fontRef idx="minor"/>
+    </dgm:style>
+  </dgm:styleLbl>
+  <dgm:styleLbl name="fgAcc0">
+    <dgm:scene3d>
+      <a:camera prst="orthographicFront"/>
+      <a:lightRig rig="threePt" dir="t"/>
+    </dgm:scene3d>
+    <dgm:sp3d/>
+    <dgm:txPr/>
+    <dgm:style>
+      <a:lnRef idx="2">
+        <a:scrgbClr r="0" g="0" b="0"/>
+      </a:lnRef>
+      <a:fillRef idx="1">
+        <a:scrgbClr r="0" g="0" b="0"/>
+      </a:fillRef>
+      <a:effectRef idx="0">
+        <a:scrgbClr r="0" g="0" b="0"/>
+      </a:effectRef>
+      <a:fontRef idx="minor"/>
+    </dgm:style>
+  </dgm:styleLbl>
+  <dgm:styleLbl name="fgAcc2">
+    <dgm:scene3d>
+      <a:camera prst="orthographicFront"/>
+      <a:lightRig rig="threePt" dir="t"/>
+    </dgm:scene3d>
+    <dgm:sp3d/>
+    <dgm:txPr/>
+    <dgm:style>
+      <a:lnRef idx="2">
+        <a:scrgbClr r="0" g="0" b="0"/>
+      </a:lnRef>
+      <a:fillRef idx="1">
+        <a:scrgbClr r="0" g="0" b="0"/>
+      </a:fillRef>
+      <a:effectRef idx="0">
+        <a:scrgbClr r="0" g="0" b="0"/>
+      </a:effectRef>
+      <a:fontRef idx="minor"/>
+    </dgm:style>
+  </dgm:styleLbl>
+  <dgm:styleLbl name="fgAcc3">
+    <dgm:scene3d>
+      <a:camera prst="orthographicFront"/>
+      <a:lightRig rig="threePt" dir="t"/>
+    </dgm:scene3d>
+    <dgm:sp3d/>
+    <dgm:txPr/>
+    <dgm:style>
+      <a:lnRef idx="2">
+        <a:scrgbClr r="0" g="0" b="0"/>
+      </a:lnRef>
+      <a:fillRef idx="1">
+        <a:scrgbClr r="0" g="0" b="0"/>
+      </a:fillRef>
+      <a:effectRef idx="0">
+        <a:scrgbClr r="0" g="0" b="0"/>
+      </a:effectRef>
+      <a:fontRef idx="minor"/>
+    </dgm:style>
+  </dgm:styleLbl>
+  <dgm:styleLbl name="fgAcc4">
+    <dgm:scene3d>
+      <a:camera prst="orthographicFront"/>
+      <a:lightRig rig="threePt" dir="t"/>
+    </dgm:scene3d>
+    <dgm:sp3d/>
+    <dgm:txPr/>
+    <dgm:style>
+      <a:lnRef idx="2">
+        <a:scrgbClr r="0" g="0" b="0"/>
+      </a:lnRef>
+      <a:fillRef idx="1">
+        <a:scrgbClr r="0" g="0" b="0"/>
+      </a:fillRef>
+      <a:effectRef idx="0">
+        <a:scrgbClr r="0" g="0" b="0"/>
+      </a:effectRef>
+      <a:fontRef idx="minor"/>
+    </dgm:style>
+  </dgm:styleLbl>
+  <dgm:styleLbl name="bgShp">
+    <dgm:scene3d>
+      <a:camera prst="orthographicFront"/>
+      <a:lightRig rig="threePt" dir="t"/>
+    </dgm:scene3d>
+    <dgm:sp3d/>
+    <dgm:txPr/>
+    <dgm:style>
+      <a:lnRef idx="0">
+        <a:scrgbClr r="0" g="0" b="0"/>
+      </a:lnRef>
+      <a:fillRef idx="1">
+        <a:scrgbClr r="0" g="0" b="0"/>
+      </a:fillRef>
+      <a:effectRef idx="0">
+        <a:scrgbClr r="0" g="0" b="0"/>
+      </a:effectRef>
+      <a:fontRef idx="minor"/>
+    </dgm:style>
+  </dgm:styleLbl>
+  <dgm:styleLbl name="dkBgShp">
+    <dgm:scene3d>
+      <a:camera prst="orthographicFront"/>
+      <a:lightRig rig="threePt" dir="t"/>
+    </dgm:scene3d>
+    <dgm:sp3d/>
+    <dgm:txPr/>
+    <dgm:style>
+      <a:lnRef idx="0">
+        <a:scrgbClr r="0" g="0" b="0"/>
+      </a:lnRef>
+      <a:fillRef idx="1">
+        <a:scrgbClr r="0" g="0" b="0"/>
+      </a:fillRef>
+      <a:effectRef idx="0">
+        <a:scrgbClr r="0" g="0" b="0"/>
+      </a:effectRef>
+      <a:fontRef idx="minor"/>
+    </dgm:style>
+  </dgm:styleLbl>
+  <dgm:styleLbl name="trBgShp">
+    <dgm:scene3d>
+      <a:camera prst="orthographicFront"/>
+      <a:lightRig rig="threePt" dir="t"/>
+    </dgm:scene3d>
+    <dgm:sp3d/>
+    <dgm:txPr/>
+    <dgm:style>
+      <a:lnRef idx="0">
+        <a:scrgbClr r="0" g="0" b="0"/>
+      </a:lnRef>
+      <a:fillRef idx="1">
+        <a:scrgbClr r="0" g="0" b="0"/>
+      </a:fillRef>
+      <a:effectRef idx="0">
+        <a:scrgbClr r="0" g="0" b="0"/>
+      </a:effectRef>
+      <a:fontRef idx="minor"/>
+    </dgm:style>
+  </dgm:styleLbl>
+  <dgm:styleLbl name="fgShp">
+    <dgm:scene3d>
+      <a:camera prst="orthographicFront"/>
+      <a:lightRig rig="threePt" dir="t"/>
+    </dgm:scene3d>
+    <dgm:sp3d/>
+    <dgm:txPr/>
+    <dgm:style>
+      <a:lnRef idx="2">
+        <a:scrgbClr r="0" g="0" b="0"/>
+      </a:lnRef>
+      <a:fillRef idx="1">
+        <a:scrgbClr r="0" g="0" b="0"/>
+      </a:fillRef>
+      <a:effectRef idx="0">
+        <a:scrgbClr r="0" g="0" b="0"/>
+      </a:effectRef>
+      <a:fontRef idx="minor"/>
+    </dgm:style>
+  </dgm:styleLbl>
+  <dgm:styleLbl name="revTx">
+    <dgm:scene3d>
+      <a:camera prst="orthographicFront"/>
+      <a:lightRig rig="threePt" dir="t"/>
+    </dgm:scene3d>
+    <dgm:sp3d/>
+    <dgm:txPr/>
+    <dgm:style>
+      <a:lnRef idx="0">
+        <a:scrgbClr r="0" g="0" b="0"/>
+      </a:lnRef>
+      <a:fillRef idx="0">
+        <a:scrgbClr r="0" g="0" b="0"/>
+      </a:fillRef>
+      <a:effectRef idx="0">
+        <a:scrgbClr r="0" g="0" b="0"/>
+      </a:effectRef>
+      <a:fontRef idx="minor"/>
+    </dgm:style>
+  </dgm:styleLbl>
+</dgm:styleDef>
 </file>
 
 <file path=ppt/handoutMasters/handoutMaster1.xml><?xml version="1.0" encoding="utf-8"?>
@@ -9154,41 +13334,18 @@
           <a:p>
             <a:pPr lvl="1" algn="just"/>
             <a:r>
-              <a:rPr lang="vi-VN" dirty="0" smtClean="0"/>
-              <a:t>Bên cạnh các hoạt động quyên góp sách diễn ra hàng ngày, các dự án trọng điểm cũng được triển khai theo định kỳ hằng năm. </a:t>
-            </a:r>
-            <a:endParaRPr lang="en-US" dirty="0" smtClean="0"/>
+              <a:rPr lang="vi-VN" sz="2400" dirty="0" smtClean="0"/>
+              <a:t>Mỗi thành viên khi đăng nhập vào công thông tin SCMCT đều có một trang cá nhân, có thể xem được những yêu cầu “cho-nhận” của thành viên đó, hay biết được những quyển sách mình đã quyên góp được đã được sử dụng như thế nào, hoặc những yêu cầu của mình đã được đáp ứng hay chưa…</a:t>
+            </a:r>
+            <a:endParaRPr lang="en-US" sz="2400" dirty="0" smtClean="0"/>
           </a:p>
           <a:p>
             <a:pPr lvl="1" algn="just"/>
             <a:r>
-              <a:rPr lang="vi-VN" dirty="0" smtClean="0"/>
-              <a:t>Đây được xem như là các dự án con, điểm sáng của</a:t>
-            </a:r>
-            <a:r>
-              <a:rPr lang="en-US" dirty="0" smtClean="0"/>
-              <a:t> </a:t>
-            </a:r>
-            <a:r>
-              <a:rPr lang="vi-VN" dirty="0" smtClean="0"/>
-              <a:t>chương trình hành động trong năm, thường diễn ra từ tháng 4 đến đầu tháng 8 để chuẩn bị sách cho các bạn học sinh bước vào năm học mới.</a:t>
-            </a:r>
-            <a:endParaRPr lang="en-US" dirty="0" smtClean="0"/>
-          </a:p>
-          <a:p>
-            <a:pPr marL="0" indent="0" algn="just">
-              <a:buNone/>
-            </a:pPr>
-            <a:endParaRPr lang="en-US" sz="2400" b="0" dirty="0" smtClean="0"/>
-          </a:p>
-          <a:p>
-            <a:pPr marL="0" indent="0" algn="just">
-              <a:buNone/>
-            </a:pPr>
-            <a:r>
-              <a:rPr lang="en-US" sz="2400" b="0" dirty="0"/>
-              <a:t>	</a:t>
-            </a:r>
+              <a:rPr lang="vi-VN" sz="2400" b="0" dirty="0" smtClean="0"/>
+              <a:t>Tuy nhiên, nếu người dùng khi gởi yêu cầu quyên góp sách mà không đăng nhập vào hệ thống thì thông tin “giao dịch” này sẽ không có trong trang cá nhân. Khi đó có thể xem thông tin này ở các hạn mục tin tức tương ứng.</a:t>
+            </a:r>
+            <a:endParaRPr lang="en-US" sz="2400" b="0" dirty="0"/>
           </a:p>
         </p:txBody>
       </p:sp>
@@ -9219,7 +13376,7 @@
     </p:spTree>
     <p:extLst>
       <p:ext uri="{BB962C8B-B14F-4D97-AF65-F5344CB8AC3E}">
-        <p14:creationId xmlns:p14="http://schemas.microsoft.com/office/powerpoint/2010/main" val="1589330384"/>
+        <p14:creationId xmlns:p14="http://schemas.microsoft.com/office/powerpoint/2010/main" val="3814636312"/>
       </p:ext>
     </p:extLst>
   </p:cSld>
@@ -9292,72 +13449,62 @@
           <a:bodyPr/>
           <a:lstStyle/>
           <a:p>
+            <a:pPr algn="just"/>
+            <a:r>
+              <a:rPr lang="en-US" dirty="0" err="1" smtClean="0"/>
+              <a:t>Mô</a:t>
+            </a:r>
+            <a:r>
+              <a:rPr lang="en-US" dirty="0" smtClean="0"/>
+              <a:t> </a:t>
+            </a:r>
+            <a:r>
+              <a:rPr lang="en-US" dirty="0" err="1" smtClean="0"/>
+              <a:t>tả</a:t>
+            </a:r>
+            <a:r>
+              <a:rPr lang="en-US" dirty="0" smtClean="0"/>
+              <a:t>:</a:t>
+            </a:r>
+          </a:p>
+          <a:p>
             <a:pPr lvl="1" algn="just"/>
             <a:r>
-              <a:rPr lang="vi-VN" b="1" u="sng" dirty="0"/>
-              <a:t>Quy trình hoạt động của từng dự án </a:t>
-            </a:r>
-            <a:r>
-              <a:rPr lang="vi-VN" b="1" u="sng" dirty="0" smtClean="0"/>
-              <a:t>thường</a:t>
-            </a:r>
-            <a:r>
-              <a:rPr lang="en-US" b="1" u="sng" dirty="0" smtClean="0"/>
+              <a:rPr lang="vi-VN" dirty="0" smtClean="0"/>
+              <a:t>Bên cạnh các hoạt động quyên góp sách diễn ra hàng ngày, các dự án trọng điểm cũng được triển khai theo định kỳ hằng năm. </a:t>
+            </a:r>
+            <a:endParaRPr lang="en-US" dirty="0" smtClean="0"/>
+          </a:p>
+          <a:p>
+            <a:pPr lvl="1" algn="just"/>
+            <a:r>
+              <a:rPr lang="vi-VN" dirty="0" smtClean="0"/>
+              <a:t>Đây được xem như là các dự án con, điểm sáng của</a:t>
+            </a:r>
+            <a:r>
+              <a:rPr lang="en-US" dirty="0" smtClean="0"/>
               <a:t> </a:t>
             </a:r>
             <a:r>
-              <a:rPr lang="en-US" b="1" u="sng" dirty="0" err="1" smtClean="0"/>
-              <a:t>niên</a:t>
-            </a:r>
-            <a:r>
-              <a:rPr lang="en-US" b="1" dirty="0" smtClean="0"/>
-              <a:t>:</a:t>
-            </a:r>
-          </a:p>
-          <a:p>
-            <a:pPr marL="914400" lvl="1" indent="-457200" algn="just">
-              <a:buFont typeface="+mj-lt"/>
-              <a:buAutoNum type="arabicPeriod"/>
+              <a:rPr lang="vi-VN" dirty="0" smtClean="0"/>
+              <a:t>chương trình hành động trong năm, thường diễn ra từ tháng 4 đến đầu tháng 8 để chuẩn bị sách cho các bạn học sinh bước vào năm học mới.</a:t>
+            </a:r>
+            <a:endParaRPr lang="en-US" dirty="0" smtClean="0"/>
+          </a:p>
+          <a:p>
+            <a:pPr marL="0" indent="0" algn="just">
+              <a:buNone/>
             </a:pPr>
-            <a:r>
-              <a:rPr lang="vi-VN" sz="2400" b="0" dirty="0"/>
-              <a:t>Khảo sát thực tế tại địa phương.</a:t>
-            </a:r>
-          </a:p>
-          <a:p>
-            <a:pPr marL="914400" lvl="1" indent="-457200" algn="just">
-              <a:buFont typeface="+mj-lt"/>
-              <a:buAutoNum type="arabicPeriod"/>
+            <a:endParaRPr lang="en-US" sz="2400" b="0" dirty="0" smtClean="0"/>
+          </a:p>
+          <a:p>
+            <a:pPr marL="0" indent="0" algn="just">
+              <a:buNone/>
             </a:pPr>
             <a:r>
-              <a:rPr lang="vi-VN" sz="2400" b="0" dirty="0"/>
-              <a:t>Ban quản lý dự án họp bàn (trực tuyến / ngoại tuyến) đề xuất kế hoạch triển khai dự án.</a:t>
-            </a:r>
-          </a:p>
-          <a:p>
-            <a:pPr marL="914400" lvl="1" indent="-457200" algn="just">
-              <a:buFont typeface="+mj-lt"/>
-              <a:buAutoNum type="arabicPeriod"/>
-            </a:pPr>
-            <a:r>
-              <a:rPr lang="vi-VN" sz="2400" b="0" dirty="0"/>
-              <a:t>Chính thức thông qua kế hoạch triển khai dự án bằng việc công bố thông tin trên cổng thông tin SCMCT.</a:t>
-            </a:r>
-          </a:p>
-          <a:p>
-            <a:pPr marL="914400" lvl="1" indent="-457200" algn="just">
-              <a:buFont typeface="+mj-lt"/>
-              <a:buAutoNum type="arabicPeriod"/>
-            </a:pPr>
-            <a:r>
-              <a:rPr lang="vi-VN" sz="2400" b="0" dirty="0"/>
-              <a:t>Hình thành nhân sự và ban điều hành ở các điểm cầu - nơi dự án sẽ triển khai, tổ chức quyên góp</a:t>
-            </a:r>
-            <a:r>
-              <a:rPr lang="vi-VN" sz="2400" b="0" dirty="0" smtClean="0"/>
-              <a:t>.</a:t>
-            </a:r>
-            <a:endParaRPr lang="en-US" sz="2400" b="0" dirty="0" smtClean="0"/>
+              <a:rPr lang="en-US" sz="2400" b="0" dirty="0"/>
+              <a:t>	</a:t>
+            </a:r>
           </a:p>
         </p:txBody>
       </p:sp>
@@ -9388,7 +13535,7 @@
     </p:spTree>
     <p:extLst>
       <p:ext uri="{BB962C8B-B14F-4D97-AF65-F5344CB8AC3E}">
-        <p14:creationId xmlns:p14="http://schemas.microsoft.com/office/powerpoint/2010/main" val="305397035"/>
+        <p14:creationId xmlns:p14="http://schemas.microsoft.com/office/powerpoint/2010/main" val="1589330384"/>
       </p:ext>
     </p:extLst>
   </p:cSld>
@@ -9476,109 +13623,57 @@
             </a:r>
             <a:r>
               <a:rPr lang="en-US" b="1" u="sng" dirty="0" err="1" smtClean="0"/>
-              <a:t>niê</a:t>
-            </a:r>
-            <a:r>
-              <a:rPr lang="en-US" u="sng" dirty="0" err="1" smtClean="0"/>
-              <a:t>n</a:t>
-            </a:r>
-            <a:r>
-              <a:rPr lang="en-US" dirty="0" smtClean="0"/>
+              <a:t>niên</a:t>
+            </a:r>
+            <a:r>
+              <a:rPr lang="en-US" b="1" dirty="0" smtClean="0"/>
               <a:t>:</a:t>
             </a:r>
           </a:p>
           <a:p>
             <a:pPr marL="914400" lvl="1" indent="-457200" algn="just">
               <a:buFont typeface="+mj-lt"/>
-              <a:buAutoNum type="arabicPeriod" startAt="5"/>
+              <a:buAutoNum type="arabicPeriod"/>
             </a:pPr>
             <a:r>
-              <a:rPr lang="en-US" sz="2400" dirty="0" smtClean="0"/>
-              <a:t>T</a:t>
-            </a:r>
-            <a:r>
-              <a:rPr lang="vi-VN" sz="2400" dirty="0"/>
-              <a:t>riển khai nội dung dự án ở từng điểm cầu đồng thời có sự phối hợp chặt chẽ giữa các điểm cầu để hỗ trợ và hoàn thành mục tiêu đề ra</a:t>
-            </a:r>
-            <a:r>
-              <a:rPr lang="vi-VN" sz="2400" dirty="0" smtClean="0"/>
-              <a:t>.</a:t>
-            </a:r>
-            <a:endParaRPr lang="en-US" sz="2400" dirty="0" smtClean="0"/>
+              <a:rPr lang="vi-VN" sz="2400" b="0" dirty="0"/>
+              <a:t>Khảo sát thực tế tại địa phương.</a:t>
+            </a:r>
           </a:p>
           <a:p>
             <a:pPr marL="914400" lvl="1" indent="-457200" algn="just">
               <a:buFont typeface="+mj-lt"/>
-              <a:buAutoNum type="arabicPeriod" startAt="6"/>
+              <a:buAutoNum type="arabicPeriod"/>
             </a:pPr>
             <a:r>
-              <a:rPr lang="vi-VN" sz="2400" dirty="0" smtClean="0"/>
-              <a:t>Thực </a:t>
-            </a:r>
-            <a:r>
-              <a:rPr lang="vi-VN" sz="2400" dirty="0"/>
-              <a:t>hiện chương trình tặng sách và thiết bị dạy học cho học sinh và nhà trường.</a:t>
+              <a:rPr lang="vi-VN" sz="2400" b="0" dirty="0"/>
+              <a:t>Ban quản lý dự án họp bàn (trực tuyến / ngoại tuyến) đề xuất kế hoạch triển khai dự án.</a:t>
             </a:r>
           </a:p>
           <a:p>
             <a:pPr marL="914400" lvl="1" indent="-457200" algn="just">
               <a:buFont typeface="+mj-lt"/>
-              <a:buAutoNum type="arabicPeriod" startAt="6"/>
+              <a:buAutoNum type="arabicPeriod"/>
             </a:pPr>
             <a:r>
-              <a:rPr lang="vi-VN" sz="2400" dirty="0" smtClean="0"/>
-              <a:t>Tổng </a:t>
-            </a:r>
-            <a:r>
-              <a:rPr lang="vi-VN" sz="2400" dirty="0"/>
-              <a:t>kết, đánh giá mức độ hoàn thành của dự </a:t>
-            </a:r>
-            <a:r>
-              <a:rPr lang="vi-VN" sz="2400" dirty="0" smtClean="0"/>
-              <a:t>án.</a:t>
-            </a:r>
-            <a:endParaRPr lang="en-US" sz="2400" dirty="0" smtClean="0"/>
+              <a:rPr lang="vi-VN" sz="2400" b="0" dirty="0"/>
+              <a:t>Chính thức thông qua kế hoạch triển khai dự án bằng việc công bố thông tin trên cổng thông tin SCMCT.</a:t>
+            </a:r>
           </a:p>
           <a:p>
             <a:pPr marL="914400" lvl="1" indent="-457200" algn="just">
               <a:buFont typeface="+mj-lt"/>
-              <a:buAutoNum type="arabicPeriod" startAt="6"/>
+              <a:buAutoNum type="arabicPeriod"/>
             </a:pPr>
             <a:r>
-              <a:rPr lang="vi-VN" sz="2400" dirty="0" smtClean="0"/>
-              <a:t>Giải </a:t>
-            </a:r>
-            <a:r>
-              <a:rPr lang="vi-VN" sz="2400" dirty="0"/>
-              <a:t>ngân tài </a:t>
-            </a:r>
-            <a:r>
-              <a:rPr lang="vi-VN" sz="2400" dirty="0" smtClean="0"/>
-              <a:t>chính</a:t>
-            </a:r>
-            <a:r>
-              <a:rPr lang="en-US" sz="2400" dirty="0" smtClean="0"/>
+              <a:rPr lang="vi-VN" sz="2400" b="0" dirty="0"/>
+              <a:t>Hình thành nhân sự và ban điều hành ở các điểm cầu - nơi dự án sẽ triển khai, tổ chức quyên góp</a:t>
+            </a:r>
+            <a:r>
+              <a:rPr lang="vi-VN" sz="2400" b="0" dirty="0" smtClean="0"/>
               <a:t>.</a:t>
             </a:r>
-          </a:p>
-          <a:p>
-            <a:pPr marL="914400" lvl="1" indent="-457200" algn="just">
-              <a:buFont typeface="+mj-lt"/>
-              <a:buAutoNum type="arabicPeriod" startAt="6"/>
-            </a:pPr>
-            <a:r>
-              <a:rPr lang="vi-VN" sz="2400" dirty="0" smtClean="0"/>
-              <a:t>Phản </a:t>
-            </a:r>
-            <a:r>
-              <a:rPr lang="vi-VN" sz="2400" dirty="0"/>
-              <a:t>hồi thông tin đến cộng đồng và tri ân các cá nhân, đơn vị đã đồng hành</a:t>
-            </a:r>
-            <a:r>
-              <a:rPr lang="vi-VN" sz="2400" dirty="0" smtClean="0"/>
-              <a:t>.</a:t>
-            </a:r>
-            <a:endParaRPr lang="vi-VN" sz="2400" dirty="0"/>
+            <a:endParaRPr lang="en-US" sz="2400" b="0" dirty="0" smtClean="0"/>
           </a:p>
         </p:txBody>
       </p:sp>
@@ -9609,7 +13704,7 @@
     </p:spTree>
     <p:extLst>
       <p:ext uri="{BB962C8B-B14F-4D97-AF65-F5344CB8AC3E}">
-        <p14:creationId xmlns:p14="http://schemas.microsoft.com/office/powerpoint/2010/main" val="1548795119"/>
+        <p14:creationId xmlns:p14="http://schemas.microsoft.com/office/powerpoint/2010/main" val="305397035"/>
       </p:ext>
     </p:extLst>
   </p:cSld>
@@ -9684,104 +13779,122 @@
           <a:p>
             <a:pPr lvl="1" algn="just"/>
             <a:r>
-              <a:rPr lang="en-US" b="1" u="sng" dirty="0" err="1"/>
-              <a:t>Nội</a:t>
-            </a:r>
-            <a:r>
-              <a:rPr lang="en-US" b="1" u="sng" dirty="0"/>
-              <a:t> dung </a:t>
-            </a:r>
-            <a:r>
-              <a:rPr lang="en-US" b="1" u="sng" dirty="0" err="1"/>
-              <a:t>triển</a:t>
-            </a:r>
-            <a:r>
-              <a:rPr lang="en-US" b="1" u="sng" dirty="0"/>
+              <a:rPr lang="vi-VN" b="1" u="sng" dirty="0"/>
+              <a:t>Quy trình hoạt động của từng dự án </a:t>
+            </a:r>
+            <a:r>
+              <a:rPr lang="vi-VN" b="1" u="sng" dirty="0" smtClean="0"/>
+              <a:t>thường</a:t>
+            </a:r>
+            <a:r>
+              <a:rPr lang="en-US" b="1" u="sng" dirty="0" smtClean="0"/>
               <a:t> </a:t>
             </a:r>
             <a:r>
-              <a:rPr lang="en-US" b="1" u="sng" dirty="0" err="1"/>
-              <a:t>khai</a:t>
-            </a:r>
-            <a:r>
-              <a:rPr lang="en-US" b="1" u="sng" dirty="0"/>
-              <a:t> </a:t>
-            </a:r>
-            <a:r>
-              <a:rPr lang="en-US" b="1" u="sng" dirty="0" err="1"/>
-              <a:t>dự</a:t>
-            </a:r>
-            <a:r>
-              <a:rPr lang="en-US" b="1" u="sng" dirty="0"/>
-              <a:t> </a:t>
-            </a:r>
-            <a:r>
               <a:rPr lang="en-US" b="1" u="sng" dirty="0" err="1" smtClean="0"/>
-              <a:t>án</a:t>
-            </a:r>
-            <a:r>
-              <a:rPr lang="en-US" u="sng" dirty="0" smtClean="0"/>
+              <a:t>niê</a:t>
+            </a:r>
+            <a:r>
+              <a:rPr lang="en-US" u="sng" dirty="0" err="1" smtClean="0"/>
+              <a:t>n</a:t>
+            </a:r>
+            <a:r>
+              <a:rPr lang="en-US" dirty="0" smtClean="0"/>
               <a:t>:</a:t>
             </a:r>
           </a:p>
           <a:p>
             <a:pPr marL="914400" lvl="1" indent="-457200" algn="just">
               <a:buFont typeface="+mj-lt"/>
-              <a:buAutoNum type="arabicPeriod"/>
+              <a:buAutoNum type="arabicPeriod" startAt="5"/>
             </a:pPr>
             <a:r>
+              <a:rPr lang="en-US" sz="2400" dirty="0" smtClean="0"/>
+              <a:t>T</a:t>
+            </a:r>
+            <a:r>
               <a:rPr lang="vi-VN" sz="2400" dirty="0"/>
-              <a:t>Thư ngỏ phát động dự án gửi đến cộng đồng mạng và các đơn vị, tổ chức, cá nhân để kêu gọi sự chung tay thực hiện chương trình thiện nguyện hướng đến đối tượng học sinh vùng / miền khó khăn.</a:t>
-            </a:r>
+              <a:t>riển khai nội dung dự án ở từng điểm cầu đồng thời có sự phối hợp chặt chẽ giữa các điểm cầu để hỗ trợ và hoàn thành mục tiêu đề ra</a:t>
+            </a:r>
+            <a:r>
+              <a:rPr lang="vi-VN" sz="2400" dirty="0" smtClean="0"/>
+              <a:t>.</a:t>
+            </a:r>
+            <a:endParaRPr lang="en-US" sz="2400" dirty="0" smtClean="0"/>
           </a:p>
           <a:p>
             <a:pPr marL="914400" lvl="1" indent="-457200" algn="just">
               <a:buFont typeface="+mj-lt"/>
-              <a:buAutoNum type="arabicPeriod"/>
+              <a:buAutoNum type="arabicPeriod" startAt="6"/>
             </a:pPr>
             <a:r>
+              <a:rPr lang="vi-VN" sz="2400" dirty="0" smtClean="0"/>
+              <a:t>Thực </a:t>
+            </a:r>
+            <a:r>
               <a:rPr lang="vi-VN" sz="2400" dirty="0"/>
-              <a:t>Kế hoạch thực hiện: Mục tiêu của dự án, thời gian và lộ trình thực hiện.</a:t>
+              <a:t>hiện chương trình tặng sách và thiết bị dạy học cho học sinh và nhà trường.</a:t>
             </a:r>
           </a:p>
           <a:p>
             <a:pPr marL="914400" lvl="1" indent="-457200" algn="just">
               <a:buFont typeface="+mj-lt"/>
-              <a:buAutoNum type="arabicPeriod"/>
+              <a:buAutoNum type="arabicPeriod" startAt="6"/>
             </a:pPr>
             <a:r>
+              <a:rPr lang="vi-VN" sz="2400" dirty="0" smtClean="0"/>
+              <a:t>Tổng </a:t>
+            </a:r>
+            <a:r>
               <a:rPr lang="vi-VN" sz="2400" dirty="0"/>
-              <a:t>Triển khai dự án tại các điểm cầu</a:t>
+              <a:t>kết, đánh giá mức độ hoàn thành của dự </a:t>
+            </a:r>
+            <a:r>
+              <a:rPr lang="vi-VN" sz="2400" dirty="0" smtClean="0"/>
+              <a:t>án.</a:t>
+            </a:r>
+            <a:endParaRPr lang="en-US" sz="2400" dirty="0" smtClean="0"/>
+          </a:p>
+          <a:p>
+            <a:pPr marL="914400" lvl="1" indent="-457200" algn="just">
+              <a:buFont typeface="+mj-lt"/>
+              <a:buAutoNum type="arabicPeriod" startAt="6"/>
+            </a:pPr>
+            <a:r>
+              <a:rPr lang="vi-VN" sz="2400" dirty="0" smtClean="0"/>
+              <a:t>Giải </a:t>
+            </a:r>
+            <a:r>
+              <a:rPr lang="vi-VN" sz="2400" dirty="0"/>
+              <a:t>ngân tài </a:t>
+            </a:r>
+            <a:r>
+              <a:rPr lang="vi-VN" sz="2400" dirty="0" smtClean="0"/>
+              <a:t>chính</a:t>
+            </a:r>
+            <a:r>
+              <a:rPr lang="en-US" sz="2400" dirty="0" smtClean="0"/>
+              <a:t>.</a:t>
+            </a:r>
+          </a:p>
+          <a:p>
+            <a:pPr marL="914400" lvl="1" indent="-457200" algn="just">
+              <a:buFont typeface="+mj-lt"/>
+              <a:buAutoNum type="arabicPeriod" startAt="6"/>
+            </a:pPr>
+            <a:r>
+              <a:rPr lang="vi-VN" sz="2400" dirty="0" smtClean="0"/>
+              <a:t>Phản </a:t>
+            </a:r>
+            <a:r>
+              <a:rPr lang="vi-VN" sz="2400" dirty="0"/>
+              <a:t>hồi thông tin đến cộng đồng và tri ân các cá nhân, đơn vị đã đồng hành</a:t>
             </a:r>
             <a:r>
               <a:rPr lang="vi-VN" sz="2400" dirty="0" smtClean="0"/>
               <a:t>.</a:t>
             </a:r>
-            <a:endParaRPr lang="en-US" sz="2400" dirty="0" smtClean="0"/>
-          </a:p>
-          <a:p>
-            <a:pPr marL="914400" lvl="1" indent="-457200" algn="just">
-              <a:buFont typeface="+mj-lt"/>
-              <a:buAutoNum type="arabicPeriod"/>
-            </a:pPr>
-            <a:r>
-              <a:rPr lang="vi-VN" sz="2400" dirty="0" smtClean="0"/>
-              <a:t>Điểm </a:t>
-            </a:r>
-            <a:r>
-              <a:rPr lang="vi-VN" sz="2400" dirty="0"/>
-              <a:t>cầu cơ sở hoàn thành báo cáo chi tiết của quá trình khảo sát thực tế tại địa phương.</a:t>
-            </a:r>
-          </a:p>
-          <a:p>
-            <a:pPr lvl="1" algn="just"/>
-            <a:endParaRPr lang="en-US" dirty="0"/>
-          </a:p>
-          <a:p>
-            <a:pPr marL="0" indent="0" algn="just">
-              <a:buNone/>
-            </a:pPr>
-            <a:endParaRPr lang="en-US" sz="2400" b="0" dirty="0"/>
+            <a:endParaRPr lang="vi-VN" sz="2400" dirty="0"/>
           </a:p>
         </p:txBody>
       </p:sp>
@@ -9812,7 +13925,7 @@
     </p:spTree>
     <p:extLst>
       <p:ext uri="{BB962C8B-B14F-4D97-AF65-F5344CB8AC3E}">
-        <p14:creationId xmlns:p14="http://schemas.microsoft.com/office/powerpoint/2010/main" val="2114409340"/>
+        <p14:creationId xmlns:p14="http://schemas.microsoft.com/office/powerpoint/2010/main" val="1548795119"/>
       </p:ext>
     </p:extLst>
   </p:cSld>
@@ -9930,55 +14043,51 @@
           <a:p>
             <a:pPr marL="914400" lvl="1" indent="-457200" algn="just">
               <a:buFont typeface="+mj-lt"/>
-              <a:buAutoNum type="arabicPeriod" startAt="5"/>
+              <a:buAutoNum type="arabicPeriod"/>
             </a:pPr>
             <a:r>
-              <a:rPr lang="vi-VN" sz="2400" dirty="0" smtClean="0"/>
-              <a:t>Các </a:t>
-            </a:r>
-            <a:r>
               <a:rPr lang="vi-VN" sz="2400" dirty="0"/>
-              <a:t>điểm cầu triển khai chương trình quyên góp hiện vật (sách giáo khoa, đồ dùng học tập) và hiện kim (ủng hộ tiền mặt để mua sách và thiết bị phù hợp với nhu cầu thực tế của quá trình khảo sát tại địa phương)</a:t>
+              <a:t>Thư ngỏ phát động dự án gửi đến cộng đồng mạng và các đơn vị, tổ chức, cá nhân để kêu gọi sự chung tay thực hiện chương trình thiện nguyện hướng đến đối tượng học sinh vùng / miền khó khăn.</a:t>
             </a:r>
           </a:p>
           <a:p>
             <a:pPr marL="914400" lvl="1" indent="-457200" algn="just">
               <a:buFont typeface="+mj-lt"/>
-              <a:buAutoNum type="arabicPeriod" startAt="5"/>
+              <a:buAutoNum type="arabicPeriod"/>
             </a:pPr>
             <a:r>
-              <a:rPr lang="vi-VN" sz="2400" dirty="0" smtClean="0"/>
-              <a:t>Thực </a:t>
-            </a:r>
-            <a:r>
               <a:rPr lang="vi-VN" sz="2400" dirty="0"/>
-              <a:t>hiện vận chuyển hiện vật từ các điểm cầu về điểm cầu cơ sở - địa điểm triển khai dự án và trao tặng sách.</a:t>
+              <a:t>Kế hoạch thực hiện: Mục tiêu của dự án, thời gian và lộ trình thực hiện.</a:t>
             </a:r>
           </a:p>
           <a:p>
             <a:pPr marL="914400" lvl="1" indent="-457200" algn="just">
               <a:buFont typeface="+mj-lt"/>
-              <a:buAutoNum type="arabicPeriod" startAt="5"/>
+              <a:buAutoNum type="arabicPeriod"/>
             </a:pPr>
             <a:r>
-              <a:rPr lang="en-US" sz="2400" dirty="0" smtClean="0"/>
-              <a:t>T</a:t>
+              <a:rPr lang="vi-VN" sz="2400" dirty="0"/>
+              <a:t>Triển khai dự án tại các điểm cầu</a:t>
             </a:r>
             <a:r>
               <a:rPr lang="vi-VN" sz="2400" dirty="0" smtClean="0"/>
-              <a:t>iến </a:t>
-            </a:r>
-            <a:r>
-              <a:rPr lang="vi-VN" sz="2400" dirty="0"/>
-              <a:t>hành phân loại, thống kê và lập báo cáo chi tiết.</a:t>
-            </a:r>
+              <a:t>.</a:t>
+            </a:r>
+            <a:endParaRPr lang="en-US" sz="2400" dirty="0" smtClean="0"/>
           </a:p>
           <a:p>
             <a:pPr marL="914400" lvl="1" indent="-457200" algn="just">
               <a:buFont typeface="+mj-lt"/>
-              <a:buAutoNum type="arabicPeriod" startAt="5"/>
+              <a:buAutoNum type="arabicPeriod"/>
             </a:pPr>
-            <a:endParaRPr lang="vi-VN" sz="2400" dirty="0"/>
+            <a:r>
+              <a:rPr lang="vi-VN" sz="2400" dirty="0" smtClean="0"/>
+              <a:t>Điểm </a:t>
+            </a:r>
+            <a:r>
+              <a:rPr lang="vi-VN" sz="2400" dirty="0"/>
+              <a:t>cầu cơ sở hoàn thành báo cáo chi tiết của quá trình khảo sát thực tế tại địa phương.</a:t>
+            </a:r>
           </a:p>
           <a:p>
             <a:pPr lvl="1" algn="just"/>
@@ -10019,7 +14128,7 @@
     </p:spTree>
     <p:extLst>
       <p:ext uri="{BB962C8B-B14F-4D97-AF65-F5344CB8AC3E}">
-        <p14:creationId xmlns:p14="http://schemas.microsoft.com/office/powerpoint/2010/main" val="2912313129"/>
+        <p14:creationId xmlns:p14="http://schemas.microsoft.com/office/powerpoint/2010/main" val="2114409340"/>
       </p:ext>
     </p:extLst>
   </p:cSld>
@@ -10137,77 +14246,53 @@
           <a:p>
             <a:pPr marL="914400" lvl="1" indent="-457200" algn="just">
               <a:buFont typeface="+mj-lt"/>
-              <a:buAutoNum type="arabicPeriod" startAt="8"/>
+              <a:buAutoNum type="arabicPeriod" startAt="5"/>
             </a:pPr>
             <a:r>
               <a:rPr lang="vi-VN" sz="2400" dirty="0" smtClean="0"/>
-              <a:t>Ban </a:t>
+              <a:t>Các </a:t>
             </a:r>
             <a:r>
               <a:rPr lang="vi-VN" sz="2400" dirty="0"/>
-              <a:t>điều hành căn cứ trên số hiện vật và hiện kim quyên góp được để đề xuất kế hoạch bổ sung hiện vật (sách, tài liệu) từ số hiện kim thu được.</a:t>
+              <a:t>điểm cầu triển khai chương trình quyên góp hiện vật (sách giáo khoa, đồ dùng học tập) và hiện kim (ủng hộ tiền mặt để mua sách và thiết bị phù hợp với nhu cầu thực tế của quá trình khảo sát tại địa phương)</a:t>
             </a:r>
           </a:p>
           <a:p>
             <a:pPr marL="914400" lvl="1" indent="-457200" algn="just">
               <a:buFont typeface="+mj-lt"/>
-              <a:buAutoNum type="arabicPeriod" startAt="8"/>
+              <a:buAutoNum type="arabicPeriod" startAt="5"/>
             </a:pPr>
             <a:r>
               <a:rPr lang="vi-VN" sz="2400" dirty="0" smtClean="0"/>
-              <a:t>Tiến </a:t>
+              <a:t>Thực </a:t>
             </a:r>
             <a:r>
               <a:rPr lang="vi-VN" sz="2400" dirty="0"/>
-              <a:t>hành các chương trình tặng sách, đồ dùng học tập tại địa phương, đơn vị.</a:t>
+              <a:t>hiện vận chuyển hiện vật từ các điểm cầu về điểm cầu cơ sở - địa điểm triển khai dự án và trao tặng sách.</a:t>
             </a:r>
           </a:p>
           <a:p>
             <a:pPr marL="914400" lvl="1" indent="-457200" algn="just">
               <a:buFont typeface="+mj-lt"/>
-              <a:buAutoNum type="arabicPeriod" startAt="8"/>
+              <a:buAutoNum type="arabicPeriod" startAt="5"/>
             </a:pPr>
             <a:r>
+              <a:rPr lang="en-US" sz="2400" dirty="0" smtClean="0"/>
+              <a:t>T</a:t>
+            </a:r>
+            <a:r>
               <a:rPr lang="vi-VN" sz="2400" dirty="0" smtClean="0"/>
-              <a:t>Ban </a:t>
+              <a:t>iến </a:t>
             </a:r>
             <a:r>
               <a:rPr lang="vi-VN" sz="2400" dirty="0"/>
-              <a:t>điều hành thực hiện công tác giải ngân tài chính</a:t>
+              <a:t>hành phân loại, thống kê và lập báo cáo chi tiết.</a:t>
             </a:r>
           </a:p>
           <a:p>
             <a:pPr marL="914400" lvl="1" indent="-457200" algn="just">
               <a:buFont typeface="+mj-lt"/>
-              <a:buAutoNum type="arabicPeriod" startAt="8"/>
-            </a:pPr>
-            <a:r>
-              <a:rPr lang="vi-VN" sz="2400" dirty="0" smtClean="0"/>
-              <a:t>Công </a:t>
-            </a:r>
-            <a:r>
-              <a:rPr lang="vi-VN" sz="2400" dirty="0"/>
-              <a:t>bố thông tin và tri ân cộng đồng</a:t>
-            </a:r>
-          </a:p>
-          <a:p>
-            <a:pPr marL="914400" lvl="1" indent="-457200" algn="just">
-              <a:buFont typeface="+mj-lt"/>
-              <a:buAutoNum type="arabicPeriod" startAt="8"/>
-            </a:pPr>
-            <a:r>
-              <a:rPr lang="vi-VN" sz="2400" dirty="0" smtClean="0"/>
-              <a:t>Dự </a:t>
-            </a:r>
-            <a:r>
-              <a:rPr lang="vi-VN" sz="2400" dirty="0"/>
-              <a:t>án kết thúc sau 3 tháng kể từ ngày công bố thông tin giải ngân.</a:t>
-            </a:r>
-          </a:p>
-          <a:p>
-            <a:pPr marL="914400" lvl="1" indent="-457200" algn="just">
-              <a:buFont typeface="+mj-lt"/>
-              <a:buAutoNum type="arabicPeriod" startAt="8"/>
+              <a:buAutoNum type="arabicPeriod" startAt="5"/>
             </a:pPr>
             <a:endParaRPr lang="vi-VN" sz="2400" dirty="0"/>
           </a:p>
@@ -10250,7 +14335,7 @@
     </p:spTree>
     <p:extLst>
       <p:ext uri="{BB962C8B-B14F-4D97-AF65-F5344CB8AC3E}">
-        <p14:creationId xmlns:p14="http://schemas.microsoft.com/office/powerpoint/2010/main" val="3935300922"/>
+        <p14:creationId xmlns:p14="http://schemas.microsoft.com/office/powerpoint/2010/main" val="2912313129"/>
       </p:ext>
     </p:extLst>
   </p:cSld>
@@ -10325,12 +14410,40 @@
           <a:p>
             <a:pPr lvl="1" algn="just"/>
             <a:r>
-              <a:rPr lang="vi-VN" b="1" u="sng" dirty="0" smtClean="0"/>
-              <a:t>Đối </a:t>
-            </a:r>
-            <a:r>
-              <a:rPr lang="vi-VN" b="1" u="sng" dirty="0"/>
-              <a:t>tượng, nhân sự tham gia dự án</a:t>
+              <a:rPr lang="en-US" b="1" u="sng" dirty="0" err="1"/>
+              <a:t>Nội</a:t>
+            </a:r>
+            <a:r>
+              <a:rPr lang="en-US" b="1" u="sng" dirty="0"/>
+              <a:t> dung </a:t>
+            </a:r>
+            <a:r>
+              <a:rPr lang="en-US" b="1" u="sng" dirty="0" err="1"/>
+              <a:t>triển</a:t>
+            </a:r>
+            <a:r>
+              <a:rPr lang="en-US" b="1" u="sng" dirty="0"/>
+              <a:t> </a:t>
+            </a:r>
+            <a:r>
+              <a:rPr lang="en-US" b="1" u="sng" dirty="0" err="1"/>
+              <a:t>khai</a:t>
+            </a:r>
+            <a:r>
+              <a:rPr lang="en-US" b="1" u="sng" dirty="0"/>
+              <a:t> </a:t>
+            </a:r>
+            <a:r>
+              <a:rPr lang="en-US" b="1" u="sng" dirty="0" err="1"/>
+              <a:t>dự</a:t>
+            </a:r>
+            <a:r>
+              <a:rPr lang="en-US" b="1" u="sng" dirty="0"/>
+              <a:t> </a:t>
+            </a:r>
+            <a:r>
+              <a:rPr lang="en-US" b="1" u="sng" dirty="0" err="1" smtClean="0"/>
+              <a:t>án</a:t>
             </a:r>
             <a:r>
               <a:rPr lang="en-US" u="sng" dirty="0" smtClean="0"/>
@@ -10340,7 +14453,7 @@
           <a:p>
             <a:pPr marL="914400" lvl="1" indent="-457200" algn="just">
               <a:buFont typeface="+mj-lt"/>
-              <a:buAutoNum type="arabicPeriod"/>
+              <a:buAutoNum type="arabicPeriod" startAt="8"/>
             </a:pPr>
             <a:r>
               <a:rPr lang="vi-VN" sz="2400" dirty="0" smtClean="0"/>
@@ -10348,13 +14461,27 @@
             </a:r>
             <a:r>
               <a:rPr lang="vi-VN" sz="2400" dirty="0"/>
-              <a:t>điều hành dự án: Trưởng ban, các phó ban, trưởng các điểm cầu, trợ lý, kế toán và thủ quỹ.</a:t>
+              <a:t>điều hành căn cứ trên số hiện vật và hiện kim quyên góp được để đề xuất kế hoạch bổ sung hiện vật (sách, tài liệu) từ số hiện kim thu được.</a:t>
             </a:r>
           </a:p>
           <a:p>
             <a:pPr marL="914400" lvl="1" indent="-457200" algn="just">
               <a:buFont typeface="+mj-lt"/>
-              <a:buAutoNum type="arabicPeriod"/>
+              <a:buAutoNum type="arabicPeriod" startAt="8"/>
+            </a:pPr>
+            <a:r>
+              <a:rPr lang="vi-VN" sz="2400" dirty="0" smtClean="0"/>
+              <a:t>Tiến </a:t>
+            </a:r>
+            <a:r>
+              <a:rPr lang="vi-VN" sz="2400" dirty="0"/>
+              <a:t>hành các chương trình tặng sách, đồ dùng học tập tại địa phương, đơn vị.</a:t>
+            </a:r>
+          </a:p>
+          <a:p>
+            <a:pPr marL="914400" lvl="1" indent="-457200" algn="just">
+              <a:buFont typeface="+mj-lt"/>
+              <a:buAutoNum type="arabicPeriod" startAt="8"/>
             </a:pPr>
             <a:r>
               <a:rPr lang="vi-VN" sz="2400" dirty="0" smtClean="0"/>
@@ -10362,74 +14489,53 @@
             </a:r>
             <a:r>
               <a:rPr lang="vi-VN" sz="2400" dirty="0"/>
-              <a:t>điều hành các điểm cầu: </a:t>
-            </a:r>
-            <a:r>
-              <a:rPr lang="vi-VN" sz="2400" dirty="0" smtClean="0"/>
-              <a:t>Trưởng</a:t>
-            </a:r>
-            <a:r>
-              <a:rPr lang="en-US" sz="2400" dirty="0" smtClean="0"/>
-              <a:t> </a:t>
-            </a:r>
-            <a:r>
-              <a:rPr lang="vi-VN" sz="2400" dirty="0" smtClean="0"/>
-              <a:t>/</a:t>
-            </a:r>
-            <a:r>
-              <a:rPr lang="en-US" sz="2400" dirty="0" smtClean="0"/>
-              <a:t> </a:t>
-            </a:r>
-            <a:r>
-              <a:rPr lang="vi-VN" sz="2400" dirty="0" smtClean="0"/>
-              <a:t>phó </a:t>
-            </a:r>
-            <a:r>
-              <a:rPr lang="vi-VN" sz="2400" dirty="0"/>
-              <a:t>các điểm cầu, trợ lý, thủ quỹ và các tình nguyện viên (TNV) của các điểm cầu.</a:t>
+              <a:t>điều hành thực hiện công tác giải ngân tài chính</a:t>
             </a:r>
           </a:p>
           <a:p>
             <a:pPr marL="914400" lvl="1" indent="-457200" algn="just">
               <a:buFont typeface="+mj-lt"/>
-              <a:buAutoNum type="arabicPeriod"/>
+              <a:buAutoNum type="arabicPeriod" startAt="8"/>
             </a:pPr>
             <a:r>
               <a:rPr lang="vi-VN" sz="2400" dirty="0" smtClean="0"/>
-              <a:t>Thành </a:t>
+              <a:t>Công </a:t>
             </a:r>
             <a:r>
               <a:rPr lang="vi-VN" sz="2400" dirty="0"/>
-              <a:t>viên cộng đồng mạng</a:t>
+              <a:t>bố thông tin và tri ân cộng đồng</a:t>
             </a:r>
           </a:p>
           <a:p>
             <a:pPr marL="914400" lvl="1" indent="-457200" algn="just">
               <a:buFont typeface="+mj-lt"/>
-              <a:buAutoNum type="arabicPeriod"/>
+              <a:buAutoNum type="arabicPeriod" startAt="8"/>
             </a:pPr>
             <a:r>
               <a:rPr lang="vi-VN" sz="2400" dirty="0" smtClean="0"/>
-              <a:t>Các </a:t>
+              <a:t>Dự </a:t>
             </a:r>
             <a:r>
               <a:rPr lang="vi-VN" sz="2400" dirty="0"/>
-              <a:t>cá nhân, đơn vị/tổ chức tham gia, đồng hành cùng dự án.</a:t>
+              <a:t>án kết thúc sau 3 tháng kể từ ngày công bố thông tin giải ngân.</a:t>
             </a:r>
           </a:p>
           <a:p>
             <a:pPr marL="914400" lvl="1" indent="-457200" algn="just">
               <a:buFont typeface="+mj-lt"/>
-              <a:buAutoNum type="arabicPeriod"/>
+              <a:buAutoNum type="arabicPeriod" startAt="8"/>
             </a:pPr>
-            <a:r>
-              <a:rPr lang="vi-VN" sz="2400" dirty="0" smtClean="0"/>
-              <a:t>Các </a:t>
-            </a:r>
-            <a:r>
-              <a:rPr lang="vi-VN" sz="2400" dirty="0"/>
-              <a:t>cá nhân (học sinh), đơn vị (trường học) được hưởng lợi từ dự án.	</a:t>
-            </a:r>
+            <a:endParaRPr lang="vi-VN" sz="2400" dirty="0"/>
+          </a:p>
+          <a:p>
+            <a:pPr lvl="1" algn="just"/>
+            <a:endParaRPr lang="en-US" dirty="0"/>
+          </a:p>
+          <a:p>
+            <a:pPr marL="0" indent="0" algn="just">
+              <a:buNone/>
+            </a:pPr>
+            <a:endParaRPr lang="en-US" sz="2400" b="0" dirty="0"/>
           </a:p>
         </p:txBody>
       </p:sp>
@@ -10460,7 +14566,7 @@
     </p:spTree>
     <p:extLst>
       <p:ext uri="{BB962C8B-B14F-4D97-AF65-F5344CB8AC3E}">
-        <p14:creationId xmlns:p14="http://schemas.microsoft.com/office/powerpoint/2010/main" val="937351902"/>
+        <p14:creationId xmlns:p14="http://schemas.microsoft.com/office/powerpoint/2010/main" val="3935300922"/>
       </p:ext>
     </p:extLst>
   </p:cSld>
@@ -10512,7 +14618,7 @@
             <a:pPr algn="ctr"/>
             <a:r>
               <a:rPr lang="en-US" dirty="0" smtClean="0"/>
-              <a:t>MÔ TẢ</a:t>
+              <a:t>GIỚI THIỆU</a:t>
             </a:r>
             <a:endParaRPr lang="en-US" dirty="0"/>
           </a:p>
@@ -10536,11 +14642,11 @@
             <a:pPr lvl="1" algn="just"/>
             <a:r>
               <a:rPr lang="vi-VN" b="1" u="sng" dirty="0" smtClean="0"/>
-              <a:t>Quản </a:t>
+              <a:t>Đối </a:t>
             </a:r>
             <a:r>
               <a:rPr lang="vi-VN" b="1" u="sng" dirty="0"/>
-              <a:t>lý tài chính</a:t>
+              <a:t>tượng, nhân sự tham gia dự án</a:t>
             </a:r>
             <a:r>
               <a:rPr lang="en-US" u="sng" dirty="0" smtClean="0"/>
@@ -10548,30 +14654,98 @@
             </a:r>
           </a:p>
           <a:p>
-            <a:pPr lvl="2" algn="just"/>
-            <a:r>
-              <a:rPr lang="vi-VN" dirty="0"/>
-              <a:t>Quỹ tài chính của SCMCT được quy thành tiền mặt do các thành viên, người dùng ủng hộ, quyên góp.</a:t>
-            </a:r>
-          </a:p>
-          <a:p>
-            <a:pPr lvl="2" algn="just"/>
-            <a:r>
-              <a:rPr lang="vi-VN" dirty="0"/>
-              <a:t>SCMCT sẽ sử dụng quỹ này để điều hành cổng thông tin và xuất tài chính để mua sách, dụng cụ học tập để hỗ trợ cho các dự án, sự kiện do cổng thông tin phát động.</a:t>
-            </a:r>
-          </a:p>
-          <a:p>
-            <a:pPr lvl="2" algn="just"/>
-            <a:r>
-              <a:rPr lang="vi-VN" dirty="0"/>
-              <a:t>Sau mỗi dự án, sự kiện, SCMCT tổng kết và công khai, báo cáo quỹ tài chính này. Các thành viên có thể truy cập để xem được các báo cáo tài chính này</a:t>
-            </a:r>
-            <a:r>
-              <a:rPr lang="vi-VN" dirty="0" smtClean="0"/>
-              <a:t>.</a:t>
-            </a:r>
-            <a:endParaRPr lang="vi-VN" dirty="0"/>
+            <a:pPr marL="914400" lvl="1" indent="-457200" algn="just">
+              <a:buFont typeface="+mj-lt"/>
+              <a:buAutoNum type="arabicPeriod"/>
+            </a:pPr>
+            <a:r>
+              <a:rPr lang="vi-VN" sz="2400" dirty="0" smtClean="0"/>
+              <a:t>Ban </a:t>
+            </a:r>
+            <a:r>
+              <a:rPr lang="vi-VN" sz="2400" dirty="0"/>
+              <a:t>điều hành dự án: Trưởng ban, các phó ban, trưởng các điểm cầu, trợ lý, kế toán và thủ quỹ.</a:t>
+            </a:r>
+          </a:p>
+          <a:p>
+            <a:pPr marL="914400" lvl="1" indent="-457200" algn="just">
+              <a:buFont typeface="+mj-lt"/>
+              <a:buAutoNum type="arabicPeriod"/>
+            </a:pPr>
+            <a:r>
+              <a:rPr lang="vi-VN" sz="2400" dirty="0" smtClean="0"/>
+              <a:t>Ban </a:t>
+            </a:r>
+            <a:r>
+              <a:rPr lang="vi-VN" sz="2400" dirty="0"/>
+              <a:t>điều hành các điểm cầu: </a:t>
+            </a:r>
+            <a:r>
+              <a:rPr lang="vi-VN" sz="2400" dirty="0" smtClean="0"/>
+              <a:t>Trưởng</a:t>
+            </a:r>
+            <a:r>
+              <a:rPr lang="en-US" sz="2400" dirty="0" smtClean="0"/>
+              <a:t> </a:t>
+            </a:r>
+            <a:r>
+              <a:rPr lang="vi-VN" sz="2400" dirty="0" smtClean="0"/>
+              <a:t>/</a:t>
+            </a:r>
+            <a:r>
+              <a:rPr lang="en-US" sz="2400" dirty="0" smtClean="0"/>
+              <a:t> </a:t>
+            </a:r>
+            <a:r>
+              <a:rPr lang="vi-VN" sz="2400" dirty="0" smtClean="0"/>
+              <a:t>phó </a:t>
+            </a:r>
+            <a:r>
+              <a:rPr lang="vi-VN" sz="2400" dirty="0"/>
+              <a:t>các điểm cầu, trợ lý, thủ quỹ và các tình nguyện viên (TNV) của các điểm cầu.</a:t>
+            </a:r>
+          </a:p>
+          <a:p>
+            <a:pPr marL="914400" lvl="1" indent="-457200" algn="just">
+              <a:buFont typeface="+mj-lt"/>
+              <a:buAutoNum type="arabicPeriod"/>
+            </a:pPr>
+            <a:r>
+              <a:rPr lang="vi-VN" sz="2400" dirty="0" smtClean="0"/>
+              <a:t>Thành </a:t>
+            </a:r>
+            <a:r>
+              <a:rPr lang="vi-VN" sz="2400" dirty="0"/>
+              <a:t>viên cộng đồng mạng</a:t>
+            </a:r>
+          </a:p>
+          <a:p>
+            <a:pPr marL="914400" lvl="1" indent="-457200" algn="just">
+              <a:buFont typeface="+mj-lt"/>
+              <a:buAutoNum type="arabicPeriod"/>
+            </a:pPr>
+            <a:r>
+              <a:rPr lang="vi-VN" sz="2400" dirty="0" smtClean="0"/>
+              <a:t>Các </a:t>
+            </a:r>
+            <a:r>
+              <a:rPr lang="vi-VN" sz="2400" dirty="0"/>
+              <a:t>cá nhân, đơn vị/tổ chức tham gia, đồng hành cùng dự án.</a:t>
+            </a:r>
+          </a:p>
+          <a:p>
+            <a:pPr marL="914400" lvl="1" indent="-457200" algn="just">
+              <a:buFont typeface="+mj-lt"/>
+              <a:buAutoNum type="arabicPeriod"/>
+            </a:pPr>
+            <a:r>
+              <a:rPr lang="vi-VN" sz="2400" dirty="0" smtClean="0"/>
+              <a:t>Các </a:t>
+            </a:r>
+            <a:r>
+              <a:rPr lang="vi-VN" sz="2400" dirty="0"/>
+              <a:t>cá nhân (học sinh), đơn vị (trường học) được hưởng lợi từ dự án.	</a:t>
+            </a:r>
           </a:p>
         </p:txBody>
       </p:sp>
@@ -10602,7 +14776,7 @@
     </p:spTree>
     <p:extLst>
       <p:ext uri="{BB962C8B-B14F-4D97-AF65-F5344CB8AC3E}">
-        <p14:creationId xmlns:p14="http://schemas.microsoft.com/office/powerpoint/2010/main" val="2193844806"/>
+        <p14:creationId xmlns:p14="http://schemas.microsoft.com/office/powerpoint/2010/main" val="937351902"/>
       </p:ext>
     </p:extLst>
   </p:cSld>
@@ -10682,11 +14856,7 @@
             </a:r>
             <a:r>
               <a:rPr lang="vi-VN" b="1" u="sng" dirty="0"/>
-              <a:t>lý </a:t>
-            </a:r>
-            <a:r>
-              <a:rPr lang="en-US" b="1" u="sng" dirty="0" err="1" smtClean="0"/>
-              <a:t>kho</a:t>
+              <a:t>lý tài chính</a:t>
             </a:r>
             <a:r>
               <a:rPr lang="en-US" u="sng" dirty="0" smtClean="0"/>
@@ -10696,35 +14866,28 @@
           <a:p>
             <a:pPr lvl="2" algn="just"/>
             <a:r>
+              <a:rPr lang="vi-VN" dirty="0"/>
+              <a:t>Quỹ tài chính của SCMCT được quy thành tiền mặt do các thành viên, người dùng ủng hộ, quyên góp.</a:t>
+            </a:r>
+          </a:p>
+          <a:p>
+            <a:pPr lvl="2" algn="just"/>
+            <a:r>
+              <a:rPr lang="vi-VN" dirty="0"/>
+              <a:t>SCMCT sẽ sử dụng quỹ này để điều hành cổng thông tin và xuất tài chính để mua sách, dụng cụ học tập để hỗ trợ cho các dự án, sự kiện do cổng thông tin phát động.</a:t>
+            </a:r>
+          </a:p>
+          <a:p>
+            <a:pPr lvl="2" algn="just"/>
+            <a:r>
+              <a:rPr lang="vi-VN" dirty="0"/>
+              <a:t>Sau mỗi dự án, sự kiện, SCMCT tổng kết và công khai, báo cáo quỹ tài chính này. Các thành viên có thể truy cập để xem được các báo cáo tài chính này</a:t>
+            </a:r>
+            <a:r>
               <a:rPr lang="vi-VN" dirty="0" smtClean="0"/>
-              <a:t>Cổng </a:t>
-            </a:r>
-            <a:r>
-              <a:rPr lang="vi-VN" dirty="0"/>
-              <a:t>thông tin lập các kho lưu trữ tương ứng với các điểm cầu để tiếp nhận các yêu cầu quyên góp của người dùng.</a:t>
-            </a:r>
-          </a:p>
-          <a:p>
-            <a:pPr lvl="2" algn="just"/>
-            <a:r>
-              <a:rPr lang="vi-VN" dirty="0" smtClean="0"/>
-              <a:t>Kho </a:t>
-            </a:r>
-            <a:r>
-              <a:rPr lang="vi-VN" dirty="0"/>
-              <a:t>lưu trữ bao gồm sách, dụng cụ học tập, tiền mặt do người dùng ủng hộ quyên góp.</a:t>
-            </a:r>
-          </a:p>
-          <a:p>
-            <a:pPr lvl="2" algn="just"/>
-            <a:r>
-              <a:rPr lang="vi-VN" dirty="0" smtClean="0"/>
-              <a:t>Kho </a:t>
-            </a:r>
-            <a:r>
-              <a:rPr lang="vi-VN" dirty="0"/>
-              <a:t>lưu trữ phải quản lý được việc nhập kho và xuất kho cũng như việc chuyển hiện vật, hiện kim từ điểm cầu này sang điểm cầu khác cho từng dự án con và của dự án SCMCT.</a:t>
-            </a:r>
+              <a:t>.</a:t>
+            </a:r>
+            <a:endParaRPr lang="vi-VN" dirty="0"/>
           </a:p>
         </p:txBody>
       </p:sp>
@@ -10755,7 +14918,7 @@
     </p:spTree>
     <p:extLst>
       <p:ext uri="{BB962C8B-B14F-4D97-AF65-F5344CB8AC3E}">
-        <p14:creationId xmlns:p14="http://schemas.microsoft.com/office/powerpoint/2010/main" val="938113604"/>
+        <p14:creationId xmlns:p14="http://schemas.microsoft.com/office/powerpoint/2010/main" val="2193844806"/>
       </p:ext>
     </p:extLst>
   </p:cSld>
@@ -10831,11 +14994,15 @@
             <a:pPr lvl="1" algn="just"/>
             <a:r>
               <a:rPr lang="vi-VN" b="1" u="sng" dirty="0" smtClean="0"/>
-              <a:t>Kho </a:t>
+              <a:t>Quản </a:t>
             </a:r>
             <a:r>
               <a:rPr lang="vi-VN" b="1" u="sng" dirty="0"/>
-              <a:t>tài nguyên trực tuyến</a:t>
+              <a:t>lý </a:t>
+            </a:r>
+            <a:r>
+              <a:rPr lang="en-US" b="1" u="sng" dirty="0" err="1" smtClean="0"/>
+              <a:t>kho</a:t>
             </a:r>
             <a:r>
               <a:rPr lang="en-US" u="sng" dirty="0" smtClean="0"/>
@@ -10845,22 +15012,35 @@
           <a:p>
             <a:pPr lvl="2" algn="just"/>
             <a:r>
+              <a:rPr lang="vi-VN" dirty="0" smtClean="0"/>
+              <a:t>Cổng </a:t>
+            </a:r>
+            <a:r>
               <a:rPr lang="vi-VN" dirty="0"/>
-              <a:t>Cổng thông tin có kho tài nguyên chứa các tư liệu bài viết, thư viện ảnh, video về tất cả các hoạt động quyên góp để các thành viên, người dùng có thể vào xem trực tuyến các tài nguyên </a:t>
-            </a:r>
+              <a:t>thông tin lập các kho lưu trữ tương ứng với các điểm cầu để tiếp nhận các yêu cầu quyên góp của người dùng.</a:t>
+            </a:r>
+          </a:p>
+          <a:p>
+            <a:pPr lvl="2" algn="just"/>
             <a:r>
               <a:rPr lang="vi-VN" dirty="0" smtClean="0"/>
-              <a:t>này</a:t>
-            </a:r>
-            <a:endParaRPr lang="en-US" dirty="0" smtClean="0"/>
+              <a:t>Kho </a:t>
+            </a:r>
+            <a:r>
+              <a:rPr lang="vi-VN" dirty="0"/>
+              <a:t>lưu trữ bao gồm sách, dụng cụ học tập, tiền mặt do người dùng ủng hộ quyên góp.</a:t>
+            </a:r>
           </a:p>
           <a:p>
             <a:pPr lvl="2" algn="just"/>
             <a:r>
               <a:rPr lang="vi-VN" dirty="0" smtClean="0"/>
-              <a:t>.</a:t>
-            </a:r>
-            <a:endParaRPr lang="vi-VN" dirty="0"/>
+              <a:t>Kho </a:t>
+            </a:r>
+            <a:r>
+              <a:rPr lang="vi-VN" dirty="0"/>
+              <a:t>lưu trữ phải quản lý được việc nhập kho và xuất kho cũng như việc chuyển hiện vật, hiện kim từ điểm cầu này sang điểm cầu khác cho từng dự án con và của dự án SCMCT.</a:t>
+            </a:r>
           </a:p>
         </p:txBody>
       </p:sp>
@@ -10888,40 +15068,10 @@
           </a:p>
         </p:txBody>
       </p:sp>
-      <p:pic>
-        <p:nvPicPr>
-          <p:cNvPr id="5" name="Picture 4"/>
-          <p:cNvPicPr>
-            <a:picLocks noChangeAspect="1"/>
-          </p:cNvPicPr>
-          <p:nvPr/>
-        </p:nvPicPr>
-        <p:blipFill>
-          <a:blip r:embed="rId2">
-            <a:extLst>
-              <a:ext uri="{28A0092B-C50C-407E-A947-70E740481C1C}">
-                <a14:useLocalDpi xmlns:a14="http://schemas.microsoft.com/office/drawing/2010/main" val="0"/>
-              </a:ext>
-            </a:extLst>
-          </a:blip>
-          <a:stretch>
-            <a:fillRect/>
-          </a:stretch>
-        </p:blipFill>
-        <p:spPr>
-          <a:xfrm>
-            <a:off x="1762456" y="3751727"/>
-            <a:ext cx="6617269" cy="2852271"/>
-          </a:xfrm>
-          <a:prstGeom prst="rect">
-            <a:avLst/>
-          </a:prstGeom>
-        </p:spPr>
-      </p:pic>
     </p:spTree>
     <p:extLst>
       <p:ext uri="{BB962C8B-B14F-4D97-AF65-F5344CB8AC3E}">
-        <p14:creationId xmlns:p14="http://schemas.microsoft.com/office/powerpoint/2010/main" val="1218691158"/>
+        <p14:creationId xmlns:p14="http://schemas.microsoft.com/office/powerpoint/2010/main" val="938113604"/>
       </p:ext>
     </p:extLst>
   </p:cSld>
@@ -12377,7 +16527,7 @@
             <a:pPr algn="ctr"/>
             <a:r>
               <a:rPr lang="en-US" dirty="0" smtClean="0"/>
-              <a:t>GIỚI THIỆU</a:t>
+              <a:t>MÔ TẢ</a:t>
             </a:r>
             <a:endParaRPr lang="en-US" dirty="0"/>
           </a:p>
@@ -12398,61 +16548,39 @@
           <a:bodyPr/>
           <a:lstStyle/>
           <a:p>
-            <a:pPr algn="just"/>
+            <a:pPr lvl="1" algn="just"/>
+            <a:r>
+              <a:rPr lang="vi-VN" b="1" u="sng" dirty="0" smtClean="0"/>
+              <a:t>Kho </a:t>
+            </a:r>
+            <a:r>
+              <a:rPr lang="vi-VN" b="1" u="sng" dirty="0"/>
+              <a:t>tài nguyên trực tuyến</a:t>
+            </a:r>
+            <a:r>
+              <a:rPr lang="en-US" u="sng" dirty="0" smtClean="0"/>
+              <a:t>:</a:t>
+            </a:r>
+          </a:p>
+          <a:p>
+            <a:pPr lvl="2" algn="just"/>
+            <a:r>
+              <a:rPr lang="vi-VN" dirty="0"/>
+              <a:t>Cổng thông tin có kho tài nguyên chứa các tư liệu bài viết, thư viện ảnh, video về tất cả các hoạt động quyên góp để các thành viên, người dùng có thể vào xem trực tuyến các tài nguyên </a:t>
+            </a:r>
             <a:r>
               <a:rPr lang="vi-VN" dirty="0" smtClean="0"/>
-              <a:t>Môi </a:t>
-            </a:r>
-            <a:r>
-              <a:rPr lang="vi-VN" dirty="0"/>
-              <a:t>trường và công cụ thực hiện</a:t>
-            </a:r>
-            <a:r>
-              <a:rPr lang="en-US" dirty="0" smtClean="0"/>
-              <a:t>:</a:t>
+              <a:t>này</a:t>
             </a:r>
             <a:endParaRPr lang="en-US" dirty="0" smtClean="0"/>
           </a:p>
           <a:p>
-            <a:pPr lvl="1" algn="just"/>
-            <a:r>
-              <a:rPr lang="vi-VN" sz="2400" dirty="0" smtClean="0"/>
-              <a:t>ASP.NET </a:t>
-            </a:r>
-            <a:r>
-              <a:rPr lang="vi-VN" sz="2400" dirty="0"/>
-              <a:t>(Microsoft .NET Framework 3.5)</a:t>
-            </a:r>
-          </a:p>
-          <a:p>
-            <a:pPr lvl="1" algn="just"/>
-            <a:r>
-              <a:rPr lang="vi-VN" sz="2400" dirty="0" smtClean="0"/>
-              <a:t>Cơ </a:t>
-            </a:r>
-            <a:r>
-              <a:rPr lang="vi-VN" sz="2400" dirty="0"/>
-              <a:t>sở dữ liệu: SQL server </a:t>
-            </a:r>
-            <a:r>
-              <a:rPr lang="vi-VN" sz="2400" dirty="0" smtClean="0"/>
-              <a:t>2005</a:t>
-            </a:r>
-            <a:endParaRPr lang="en-US" sz="2400" dirty="0" smtClean="0"/>
-          </a:p>
-          <a:p>
-            <a:pPr lvl="1" algn="just"/>
-            <a:endParaRPr lang="vi-VN" sz="2400" dirty="0"/>
-          </a:p>
-          <a:p>
-            <a:pPr marL="0" indent="0" algn="just">
-              <a:buNone/>
-            </a:pPr>
-            <a:r>
-              <a:rPr lang="en-US" dirty="0" smtClean="0"/>
-              <a:t>		</a:t>
-            </a:r>
-            <a:endParaRPr lang="en-US" dirty="0"/>
+            <a:pPr lvl="2" algn="just"/>
+            <a:r>
+              <a:rPr lang="vi-VN" dirty="0" smtClean="0"/>
+              <a:t>.</a:t>
+            </a:r>
+            <a:endParaRPr lang="vi-VN" dirty="0"/>
           </a:p>
         </p:txBody>
       </p:sp>
@@ -12475,6 +16603,193 @@
               <a:rPr lang="en-US" smtClean="0"/>
               <a:pPr/>
               <a:t>20</a:t>
+            </a:fld>
+            <a:endParaRPr lang="en-US"/>
+          </a:p>
+        </p:txBody>
+      </p:sp>
+      <p:pic>
+        <p:nvPicPr>
+          <p:cNvPr id="5" name="Picture 4"/>
+          <p:cNvPicPr>
+            <a:picLocks noChangeAspect="1"/>
+          </p:cNvPicPr>
+          <p:nvPr/>
+        </p:nvPicPr>
+        <p:blipFill>
+          <a:blip r:embed="rId2">
+            <a:extLst>
+              <a:ext uri="{28A0092B-C50C-407E-A947-70E740481C1C}">
+                <a14:useLocalDpi xmlns:a14="http://schemas.microsoft.com/office/drawing/2010/main" val="0"/>
+              </a:ext>
+            </a:extLst>
+          </a:blip>
+          <a:stretch>
+            <a:fillRect/>
+          </a:stretch>
+        </p:blipFill>
+        <p:spPr>
+          <a:xfrm>
+            <a:off x="1762456" y="3751727"/>
+            <a:ext cx="6617269" cy="2852271"/>
+          </a:xfrm>
+          <a:prstGeom prst="rect">
+            <a:avLst/>
+          </a:prstGeom>
+        </p:spPr>
+      </p:pic>
+    </p:spTree>
+    <p:extLst>
+      <p:ext uri="{BB962C8B-B14F-4D97-AF65-F5344CB8AC3E}">
+        <p14:creationId xmlns:p14="http://schemas.microsoft.com/office/powerpoint/2010/main" val="1218691158"/>
+      </p:ext>
+    </p:extLst>
+  </p:cSld>
+  <p:clrMapOvr>
+    <a:masterClrMapping/>
+  </p:clrMapOvr>
+  <p:timing>
+    <p:tnLst>
+      <p:par>
+        <p:cTn id="1" dur="indefinite" restart="never" nodeType="tmRoot"/>
+      </p:par>
+    </p:tnLst>
+  </p:timing>
+</p:sld>
+</file>
+
+<file path=ppt/slides/slide21.xml><?xml version="1.0" encoding="utf-8"?>
+<p:sld xmlns:a="http://schemas.openxmlformats.org/drawingml/2006/main" xmlns:r="http://schemas.openxmlformats.org/officeDocument/2006/relationships" xmlns:p="http://schemas.openxmlformats.org/presentationml/2006/main">
+  <p:cSld>
+    <p:spTree>
+      <p:nvGrpSpPr>
+        <p:cNvPr id="1" name=""/>
+        <p:cNvGrpSpPr/>
+        <p:nvPr/>
+      </p:nvGrpSpPr>
+      <p:grpSpPr>
+        <a:xfrm>
+          <a:off x="0" y="0"/>
+          <a:ext cx="0" cy="0"/>
+          <a:chOff x="0" y="0"/>
+          <a:chExt cx="0" cy="0"/>
+        </a:xfrm>
+      </p:grpSpPr>
+      <p:sp>
+        <p:nvSpPr>
+          <p:cNvPr id="2" name="Title 1"/>
+          <p:cNvSpPr>
+            <a:spLocks noGrp="1"/>
+          </p:cNvSpPr>
+          <p:nvPr>
+            <p:ph type="title"/>
+          </p:nvPr>
+        </p:nvSpPr>
+        <p:spPr/>
+        <p:txBody>
+          <a:bodyPr/>
+          <a:lstStyle/>
+          <a:p>
+            <a:pPr algn="ctr"/>
+            <a:r>
+              <a:rPr lang="en-US" dirty="0" smtClean="0"/>
+              <a:t>GIỚI THIỆU</a:t>
+            </a:r>
+            <a:endParaRPr lang="en-US" dirty="0"/>
+          </a:p>
+        </p:txBody>
+      </p:sp>
+      <p:sp>
+        <p:nvSpPr>
+          <p:cNvPr id="3" name="Content Placeholder 2"/>
+          <p:cNvSpPr>
+            <a:spLocks noGrp="1"/>
+          </p:cNvSpPr>
+          <p:nvPr>
+            <p:ph idx="1"/>
+          </p:nvPr>
+        </p:nvSpPr>
+        <p:spPr/>
+        <p:txBody>
+          <a:bodyPr/>
+          <a:lstStyle/>
+          <a:p>
+            <a:pPr algn="just"/>
+            <a:r>
+              <a:rPr lang="vi-VN" dirty="0" smtClean="0"/>
+              <a:t>Môi </a:t>
+            </a:r>
+            <a:r>
+              <a:rPr lang="vi-VN" dirty="0"/>
+              <a:t>trường và công cụ thực hiện</a:t>
+            </a:r>
+            <a:r>
+              <a:rPr lang="en-US" dirty="0" smtClean="0"/>
+              <a:t>:</a:t>
+            </a:r>
+          </a:p>
+          <a:p>
+            <a:pPr lvl="1" algn="just"/>
+            <a:r>
+              <a:rPr lang="vi-VN" sz="2400" dirty="0" smtClean="0"/>
+              <a:t>ASP.NET </a:t>
+            </a:r>
+            <a:r>
+              <a:rPr lang="vi-VN" sz="2400" dirty="0"/>
+              <a:t>(Microsoft .NET Framework 3.5)</a:t>
+            </a:r>
+          </a:p>
+          <a:p>
+            <a:pPr lvl="1" algn="just"/>
+            <a:r>
+              <a:rPr lang="vi-VN" sz="2400" dirty="0" smtClean="0"/>
+              <a:t>Cơ </a:t>
+            </a:r>
+            <a:r>
+              <a:rPr lang="vi-VN" sz="2400" dirty="0"/>
+              <a:t>sở dữ liệu: SQL server </a:t>
+            </a:r>
+            <a:r>
+              <a:rPr lang="vi-VN" sz="2400" dirty="0" smtClean="0"/>
+              <a:t>2005</a:t>
+            </a:r>
+            <a:endParaRPr lang="en-US" sz="2400" dirty="0" smtClean="0"/>
+          </a:p>
+          <a:p>
+            <a:pPr lvl="1" algn="just"/>
+            <a:endParaRPr lang="vi-VN" sz="2400" dirty="0"/>
+          </a:p>
+          <a:p>
+            <a:pPr marL="0" indent="0" algn="just">
+              <a:buNone/>
+            </a:pPr>
+            <a:r>
+              <a:rPr lang="en-US" dirty="0" smtClean="0"/>
+              <a:t>		</a:t>
+            </a:r>
+            <a:endParaRPr lang="en-US" dirty="0"/>
+          </a:p>
+        </p:txBody>
+      </p:sp>
+      <p:sp>
+        <p:nvSpPr>
+          <p:cNvPr id="4" name="Slide Number Placeholder 3"/>
+          <p:cNvSpPr>
+            <a:spLocks noGrp="1"/>
+          </p:cNvSpPr>
+          <p:nvPr>
+            <p:ph type="sldNum" sz="quarter" idx="12"/>
+          </p:nvPr>
+        </p:nvSpPr>
+        <p:spPr/>
+        <p:txBody>
+          <a:bodyPr/>
+          <a:lstStyle/>
+          <a:p>
+            <a:fld id="{A149BCD4-9BC0-4FFB-BD3F-C807062770B1}" type="slidenum">
+              <a:rPr lang="en-US" smtClean="0"/>
+              <a:pPr/>
+              <a:t>21</a:t>
             </a:fld>
             <a:endParaRPr lang="en-US"/>
           </a:p>
@@ -12590,7 +16905,7 @@
 </p:sld>
 </file>
 
-<file path=ppt/slides/slide21.xml><?xml version="1.0" encoding="utf-8"?>
+<file path=ppt/slides/slide22.xml><?xml version="1.0" encoding="utf-8"?>
 <p:sld xmlns:a="http://schemas.openxmlformats.org/drawingml/2006/main" xmlns:r="http://schemas.openxmlformats.org/officeDocument/2006/relationships" xmlns:p="http://schemas.openxmlformats.org/presentationml/2006/main">
   <p:cSld>
     <p:spTree>
@@ -12705,7 +17020,6 @@
               <a:rPr lang="en-US" dirty="0" smtClean="0"/>
               <a:t>:</a:t>
             </a:r>
-            <a:endParaRPr lang="en-US" dirty="0" smtClean="0"/>
           </a:p>
           <a:p>
             <a:pPr marL="457200" lvl="1" indent="0" algn="just">
@@ -12747,7 +17061,7 @@
             <a:fld id="{A149BCD4-9BC0-4FFB-BD3F-C807062770B1}" type="slidenum">
               <a:rPr lang="en-US" smtClean="0"/>
               <a:pPr/>
-              <a:t>21</a:t>
+              <a:t>22</a:t>
             </a:fld>
             <a:endParaRPr lang="en-US"/>
           </a:p>
@@ -12837,7 +17151,7 @@
 </p:sld>
 </file>
 
-<file path=ppt/slides/slide22.xml><?xml version="1.0" encoding="utf-8"?>
+<file path=ppt/slides/slide23.xml><?xml version="1.0" encoding="utf-8"?>
 <p:sld xmlns:a="http://schemas.openxmlformats.org/drawingml/2006/main" xmlns:r="http://schemas.openxmlformats.org/officeDocument/2006/relationships" xmlns:p="http://schemas.openxmlformats.org/presentationml/2006/main">
   <p:cSld>
     <p:spTree>
@@ -12928,7 +17242,6 @@
               <a:rPr lang="en-US" dirty="0" smtClean="0"/>
               <a:t>:</a:t>
             </a:r>
-            <a:endParaRPr lang="en-US" dirty="0" smtClean="0"/>
           </a:p>
           <a:p>
             <a:pPr marL="457200" lvl="1" indent="0" algn="just">
@@ -12970,7 +17283,7 @@
             <a:fld id="{A149BCD4-9BC0-4FFB-BD3F-C807062770B1}" type="slidenum">
               <a:rPr lang="en-US" smtClean="0"/>
               <a:pPr/>
-              <a:t>22</a:t>
+              <a:t>23</a:t>
             </a:fld>
             <a:endParaRPr lang="en-US"/>
           </a:p>
@@ -13060,7 +17373,7 @@
 </p:sld>
 </file>
 
-<file path=ppt/slides/slide23.xml><?xml version="1.0" encoding="utf-8"?>
+<file path=ppt/slides/slide24.xml><?xml version="1.0" encoding="utf-8"?>
 <p:sld xmlns:a="http://schemas.openxmlformats.org/drawingml/2006/main" xmlns:r="http://schemas.openxmlformats.org/officeDocument/2006/relationships" xmlns:p="http://schemas.openxmlformats.org/presentationml/2006/main">
   <p:cSld>
     <p:spTree>
@@ -13121,7 +17434,7 @@
             </a:pPr>
             <a:r>
               <a:rPr lang="en-US" dirty="0" err="1" smtClean="0"/>
-              <a:t>Các</a:t>
+              <a:t>Quy</a:t>
             </a:r>
             <a:r>
               <a:rPr lang="en-US" dirty="0" smtClean="0"/>
@@ -13129,7 +17442,7 @@
             </a:r>
             <a:r>
               <a:rPr lang="en-US" dirty="0" err="1" smtClean="0"/>
-              <a:t>chức</a:t>
+              <a:t>trình</a:t>
             </a:r>
             <a:r>
               <a:rPr lang="en-US" dirty="0" smtClean="0"/>
@@ -13137,7 +17450,7 @@
             </a:r>
             <a:r>
               <a:rPr lang="en-US" dirty="0" err="1" smtClean="0"/>
-              <a:t>năng</a:t>
+              <a:t>xin</a:t>
             </a:r>
             <a:r>
               <a:rPr lang="en-US" dirty="0" smtClean="0"/>
@@ -13145,7 +17458,7 @@
             </a:r>
             <a:r>
               <a:rPr lang="en-US" dirty="0" err="1" smtClean="0"/>
-              <a:t>chính</a:t>
+              <a:t>hỗ</a:t>
             </a:r>
             <a:r>
               <a:rPr lang="en-US" dirty="0" smtClean="0"/>
@@ -13153,7 +17466,7 @@
             </a:r>
             <a:r>
               <a:rPr lang="en-US" dirty="0" err="1" smtClean="0"/>
-              <a:t>của</a:t>
+              <a:t>trợ</a:t>
             </a:r>
             <a:r>
               <a:rPr lang="en-US" dirty="0" smtClean="0"/>
@@ -13161,21 +17474,12 @@
             </a:r>
             <a:r>
               <a:rPr lang="en-US" dirty="0" err="1" smtClean="0"/>
-              <a:t>người</a:t>
-            </a:r>
-            <a:r>
-              <a:rPr lang="en-US" dirty="0" smtClean="0"/>
-              <a:t> </a:t>
-            </a:r>
-            <a:r>
-              <a:rPr lang="en-US" dirty="0" err="1" smtClean="0"/>
-              <a:t>dùng</a:t>
+              <a:t>sách</a:t>
             </a:r>
             <a:r>
               <a:rPr lang="en-US" dirty="0" smtClean="0"/>
               <a:t>:</a:t>
             </a:r>
-            <a:endParaRPr lang="en-US" dirty="0" smtClean="0"/>
           </a:p>
           <a:p>
             <a:pPr marL="457200" lvl="1" indent="0" algn="just">
@@ -13217,7 +17521,7 @@
             <a:fld id="{A149BCD4-9BC0-4FFB-BD3F-C807062770B1}" type="slidenum">
               <a:rPr lang="en-US" smtClean="0"/>
               <a:pPr/>
-              <a:t>23</a:t>
+              <a:t>24</a:t>
             </a:fld>
             <a:endParaRPr lang="en-US"/>
           </a:p>
@@ -13307,7 +17611,7 @@
 </p:sld>
 </file>
 
-<file path=ppt/slides/slide24.xml><?xml version="1.0" encoding="utf-8"?>
+<file path=ppt/slides/slide25.xml><?xml version="1.0" encoding="utf-8"?>
 <p:sld xmlns:a="http://schemas.openxmlformats.org/drawingml/2006/main" xmlns:r="http://schemas.openxmlformats.org/officeDocument/2006/relationships" xmlns:p="http://schemas.openxmlformats.org/presentationml/2006/main">
   <p:cSld>
     <p:spTree>
@@ -13326,913 +17630,767 @@
       </p:grpSpPr>
       <p:sp>
         <p:nvSpPr>
-          <p:cNvPr id="26091" name="WordArt 491"/>
+          <p:cNvPr id="2" name="Title 1"/>
           <p:cNvSpPr>
-            <a:spLocks noChangeArrowheads="1" noChangeShapeType="1" noTextEdit="1"/>
-          </p:cNvSpPr>
+            <a:spLocks noGrp="1"/>
+          </p:cNvSpPr>
+          <p:nvPr>
+            <p:ph type="title"/>
+          </p:nvPr>
+        </p:nvSpPr>
+        <p:spPr/>
+        <p:txBody>
+          <a:bodyPr/>
+          <a:lstStyle/>
+          <a:p>
+            <a:pPr algn="ctr"/>
+            <a:r>
+              <a:rPr lang="en-US" dirty="0" smtClean="0"/>
+              <a:t>QUY TRÌNH XỬ LÝ KHO</a:t>
+            </a:r>
+            <a:endParaRPr lang="en-US" dirty="0"/>
+          </a:p>
+        </p:txBody>
+      </p:sp>
+      <p:sp>
+        <p:nvSpPr>
+          <p:cNvPr id="3" name="Content Placeholder 2"/>
+          <p:cNvSpPr>
+            <a:spLocks noGrp="1"/>
+          </p:cNvSpPr>
+          <p:nvPr>
+            <p:ph idx="1"/>
+          </p:nvPr>
+        </p:nvSpPr>
+        <p:spPr/>
+        <p:txBody>
+          <a:bodyPr/>
+          <a:lstStyle/>
+          <a:p>
+            <a:pPr marL="0" indent="0">
+              <a:buNone/>
+            </a:pPr>
+            <a:r>
+              <a:rPr lang="en-US" dirty="0" err="1" smtClean="0"/>
+              <a:t>Quy</a:t>
+            </a:r>
+            <a:r>
+              <a:rPr lang="en-US" dirty="0" smtClean="0"/>
+              <a:t> </a:t>
+            </a:r>
+            <a:r>
+              <a:rPr lang="en-US" dirty="0" err="1" smtClean="0"/>
+              <a:t>trình</a:t>
+            </a:r>
+            <a:r>
+              <a:rPr lang="en-US" dirty="0" smtClean="0"/>
+              <a:t> </a:t>
+            </a:r>
+            <a:r>
+              <a:rPr lang="en-US" dirty="0" err="1" smtClean="0"/>
+              <a:t>nhập</a:t>
+            </a:r>
+            <a:r>
+              <a:rPr lang="en-US" dirty="0" smtClean="0"/>
+              <a:t> </a:t>
+            </a:r>
+            <a:r>
+              <a:rPr lang="en-US" dirty="0" err="1" smtClean="0"/>
+              <a:t>kho</a:t>
+            </a:r>
+            <a:r>
+              <a:rPr lang="en-US" dirty="0" smtClean="0"/>
+              <a:t>:</a:t>
+            </a:r>
+          </a:p>
+          <a:p>
+            <a:pPr lvl="1"/>
+            <a:endParaRPr lang="en-US" dirty="0"/>
+          </a:p>
+        </p:txBody>
+      </p:sp>
+      <p:sp>
+        <p:nvSpPr>
+          <p:cNvPr id="4" name="Slide Number Placeholder 3"/>
+          <p:cNvSpPr>
+            <a:spLocks noGrp="1"/>
+          </p:cNvSpPr>
+          <p:nvPr>
+            <p:ph type="sldNum" sz="quarter" idx="12"/>
+          </p:nvPr>
+        </p:nvSpPr>
+        <p:spPr/>
+        <p:txBody>
+          <a:bodyPr/>
+          <a:lstStyle/>
+          <a:p>
+            <a:fld id="{A149BCD4-9BC0-4FFB-BD3F-C807062770B1}" type="slidenum">
+              <a:rPr lang="en-US" smtClean="0"/>
+              <a:pPr/>
+              <a:t>25</a:t>
+            </a:fld>
+            <a:endParaRPr lang="en-US"/>
+          </a:p>
+        </p:txBody>
+      </p:sp>
+      <p:pic>
+        <p:nvPicPr>
+          <p:cNvPr id="1026" name="Picture 2"/>
+          <p:cNvPicPr>
+            <a:picLocks noChangeAspect="1" noChangeArrowheads="1"/>
+          </p:cNvPicPr>
           <p:nvPr/>
-        </p:nvSpPr>
-        <p:spPr bwMode="gray">
+        </p:nvPicPr>
+        <p:blipFill>
+          <a:blip r:embed="rId2">
+            <a:extLst>
+              <a:ext uri="{28A0092B-C50C-407E-A947-70E740481C1C}">
+                <a14:useLocalDpi xmlns:a14="http://schemas.microsoft.com/office/drawing/2010/main" val="0"/>
+              </a:ext>
+            </a:extLst>
+          </a:blip>
+          <a:srcRect/>
+          <a:stretch>
+            <a:fillRect/>
+          </a:stretch>
+        </p:blipFill>
+        <p:spPr bwMode="auto">
           <a:xfrm>
-            <a:off x="3556000" y="1739900"/>
-            <a:ext cx="5222875" cy="746125"/>
+            <a:off x="2290763" y="1705969"/>
+            <a:ext cx="4888690" cy="4919308"/>
           </a:xfrm>
           <a:prstGeom prst="rect">
             <a:avLst/>
           </a:prstGeom>
+          <a:noFill/>
+          <a:ln>
+            <a:noFill/>
+          </a:ln>
+          <a:effectLst/>
+          <a:extLst>
+            <a:ext uri="{909E8E84-426E-40DD-AFC4-6F175D3DCCD1}">
+              <a14:hiddenFill xmlns:a14="http://schemas.microsoft.com/office/drawing/2010/main">
+                <a:solidFill>
+                  <a:schemeClr val="accent1"/>
+                </a:solidFill>
+              </a14:hiddenFill>
+            </a:ext>
+            <a:ext uri="{91240B29-F687-4F45-9708-019B960494DF}">
+              <a14:hiddenLine xmlns:a14="http://schemas.microsoft.com/office/drawing/2010/main" w="9525">
+                <a:solidFill>
+                  <a:schemeClr val="tx1"/>
+                </a:solidFill>
+                <a:miter lim="800000"/>
+                <a:headEnd/>
+                <a:tailEnd/>
+              </a14:hiddenLine>
+            </a:ext>
+            <a:ext uri="{AF507438-7753-43E0-B8FC-AC1667EBCBE1}">
+              <a14:hiddenEffects xmlns:a14="http://schemas.microsoft.com/office/drawing/2010/main">
+                <a:effectLst>
+                  <a:outerShdw dist="35921" dir="2700000" algn="ctr" rotWithShape="0">
+                    <a:schemeClr val="bg2"/>
+                  </a:outerShdw>
+                </a:effectLst>
+              </a14:hiddenEffects>
+            </a:ext>
+          </a:extLst>
         </p:spPr>
-        <p:txBody>
-          <a:bodyPr wrap="none" fromWordArt="1">
-            <a:prstTxWarp prst="textPlain">
-              <a:avLst>
-                <a:gd name="adj" fmla="val 50125"/>
-              </a:avLst>
-            </a:prstTxWarp>
-          </a:bodyPr>
-          <a:lstStyle/>
-          <a:p>
-            <a:r>
-              <a:rPr lang="en-US" sz="3600" kern="10" dirty="0">
-                <a:ln w="25400">
-                  <a:solidFill>
-                    <a:schemeClr val="bg1"/>
-                  </a:solidFill>
-                  <a:round/>
-                  <a:headEnd/>
-                  <a:tailEnd/>
-                </a:ln>
-                <a:gradFill rotWithShape="1">
-                  <a:gsLst>
-                    <a:gs pos="0">
-                      <a:schemeClr val="accent1">
-                        <a:gamma/>
-                        <a:shade val="46275"/>
-                        <a:invGamma/>
-                      </a:schemeClr>
-                    </a:gs>
-                    <a:gs pos="100000">
-                      <a:schemeClr val="accent1"/>
-                    </a:gs>
-                  </a:gsLst>
-                  <a:lin ang="5400000" scaled="1"/>
-                </a:gradFill>
-                <a:effectLst>
-                  <a:prstShdw prst="shdw13" dist="53882" dir="2700000">
-                    <a:srgbClr val="000000">
-                      <a:alpha val="50000"/>
-                    </a:srgbClr>
-                  </a:prstShdw>
-                </a:effectLst>
-                <a:latin typeface="Arial"/>
-                <a:cs typeface="Arial"/>
-              </a:rPr>
-              <a:t>Thank You!</a:t>
-            </a:r>
-          </a:p>
-        </p:txBody>
-      </p:sp>
-      <p:grpSp>
-        <p:nvGrpSpPr>
-          <p:cNvPr id="26112" name="Group 512"/>
-          <p:cNvGrpSpPr>
-            <a:grpSpLocks/>
-          </p:cNvGrpSpPr>
-          <p:nvPr/>
-        </p:nvGrpSpPr>
-        <p:grpSpPr bwMode="auto">
-          <a:xfrm>
-            <a:off x="5932488" y="5632450"/>
-            <a:ext cx="669925" cy="654050"/>
-            <a:chOff x="4027" y="3016"/>
-            <a:chExt cx="515" cy="505"/>
-          </a:xfrm>
-        </p:grpSpPr>
-        <p:sp>
-          <p:nvSpPr>
-            <p:cNvPr id="26113" name="Oval 513"/>
-            <p:cNvSpPr>
-              <a:spLocks noChangeArrowheads="1"/>
-            </p:cNvSpPr>
-            <p:nvPr/>
-          </p:nvSpPr>
-          <p:spPr bwMode="gray">
-            <a:xfrm>
-              <a:off x="4027" y="3016"/>
-              <a:ext cx="515" cy="505"/>
-            </a:xfrm>
-            <a:prstGeom prst="ellipse">
-              <a:avLst/>
-            </a:prstGeom>
-            <a:gradFill rotWithShape="1">
-              <a:gsLst>
-                <a:gs pos="0">
-                  <a:schemeClr val="hlink">
-                    <a:gamma/>
-                    <a:shade val="44314"/>
-                    <a:invGamma/>
-                  </a:schemeClr>
-                </a:gs>
-                <a:gs pos="50000">
-                  <a:schemeClr val="hlink"/>
-                </a:gs>
-                <a:gs pos="100000">
-                  <a:schemeClr val="hlink">
-                    <a:gamma/>
-                    <a:shade val="44314"/>
-                    <a:invGamma/>
-                  </a:schemeClr>
-                </a:gs>
-              </a:gsLst>
-              <a:lin ang="5400000" scaled="1"/>
-            </a:gradFill>
-            <a:ln>
-              <a:noFill/>
-            </a:ln>
-            <a:effectLst/>
-            <a:extLst>
-              <a:ext uri="{91240B29-F687-4F45-9708-019B960494DF}">
-                <a14:hiddenLine xmlns:a14="http://schemas.microsoft.com/office/drawing/2010/main" w="9525" algn="ctr">
-                  <a:solidFill>
-                    <a:schemeClr val="tx1"/>
-                  </a:solidFill>
-                  <a:round/>
-                  <a:headEnd/>
-                  <a:tailEnd/>
-                </a14:hiddenLine>
-              </a:ext>
-              <a:ext uri="{AF507438-7753-43E0-B8FC-AC1667EBCBE1}">
-                <a14:hiddenEffects xmlns:a14="http://schemas.microsoft.com/office/drawing/2010/main">
-                  <a:effectLst>
-                    <a:outerShdw dist="35921" dir="2700000" algn="ctr" rotWithShape="0">
-                      <a:schemeClr val="bg2"/>
-                    </a:outerShdw>
-                  </a:effectLst>
-                </a14:hiddenEffects>
-              </a:ext>
-            </a:extLst>
-          </p:spPr>
-          <p:txBody>
-            <a:bodyPr wrap="none" anchor="ctr"/>
-            <a:lstStyle/>
-            <a:p>
-              <a:endParaRPr lang="en-US"/>
-            </a:p>
-          </p:txBody>
-        </p:sp>
-        <p:pic>
-          <p:nvPicPr>
-            <p:cNvPr id="26114" name="Picture 514" descr="sphere_highlight"/>
-            <p:cNvPicPr>
-              <a:picLocks noChangeAspect="1" noChangeArrowheads="1"/>
-            </p:cNvPicPr>
-            <p:nvPr/>
-          </p:nvPicPr>
-          <p:blipFill>
-            <a:blip r:embed="rId2" cstate="print">
-              <a:extLst>
-                <a:ext uri="{28A0092B-C50C-407E-A947-70E740481C1C}">
-                  <a14:useLocalDpi xmlns:a14="http://schemas.microsoft.com/office/drawing/2010/main" val="0"/>
-                </a:ext>
-              </a:extLst>
-            </a:blip>
-            <a:srcRect/>
-            <a:stretch>
-              <a:fillRect/>
-            </a:stretch>
-          </p:blipFill>
-          <p:spPr bwMode="gray">
-            <a:xfrm>
-              <a:off x="4046" y="3018"/>
-              <a:ext cx="470" cy="241"/>
-            </a:xfrm>
-            <a:prstGeom prst="rect">
-              <a:avLst/>
-            </a:prstGeom>
-            <a:noFill/>
-            <a:extLst>
-              <a:ext uri="{909E8E84-426E-40DD-AFC4-6F175D3DCCD1}">
-                <a14:hiddenFill xmlns:a14="http://schemas.microsoft.com/office/drawing/2010/main">
-                  <a:solidFill>
-                    <a:srgbClr val="FFFFFF"/>
-                  </a:solidFill>
-                </a14:hiddenFill>
-              </a:ext>
-            </a:extLst>
-          </p:spPr>
-        </p:pic>
-      </p:grpSp>
-      <p:grpSp>
-        <p:nvGrpSpPr>
-          <p:cNvPr id="26115" name="Group 515"/>
-          <p:cNvGrpSpPr>
-            <a:grpSpLocks/>
-          </p:cNvGrpSpPr>
-          <p:nvPr/>
-        </p:nvGrpSpPr>
-        <p:grpSpPr bwMode="auto">
-          <a:xfrm>
-            <a:off x="7323138" y="5181600"/>
-            <a:ext cx="349250" cy="339725"/>
-            <a:chOff x="4027" y="3016"/>
-            <a:chExt cx="515" cy="505"/>
-          </a:xfrm>
-        </p:grpSpPr>
-        <p:sp>
-          <p:nvSpPr>
-            <p:cNvPr id="26116" name="Oval 516"/>
-            <p:cNvSpPr>
-              <a:spLocks noChangeArrowheads="1"/>
-            </p:cNvSpPr>
-            <p:nvPr/>
-          </p:nvSpPr>
-          <p:spPr bwMode="gray">
-            <a:xfrm>
-              <a:off x="4027" y="3016"/>
-              <a:ext cx="515" cy="505"/>
-            </a:xfrm>
-            <a:prstGeom prst="ellipse">
-              <a:avLst/>
-            </a:prstGeom>
-            <a:gradFill rotWithShape="1">
-              <a:gsLst>
-                <a:gs pos="0">
-                  <a:schemeClr val="folHlink">
-                    <a:gamma/>
-                    <a:shade val="44314"/>
-                    <a:invGamma/>
-                  </a:schemeClr>
-                </a:gs>
-                <a:gs pos="50000">
-                  <a:schemeClr val="folHlink"/>
-                </a:gs>
-                <a:gs pos="100000">
-                  <a:schemeClr val="folHlink">
-                    <a:gamma/>
-                    <a:shade val="44314"/>
-                    <a:invGamma/>
-                  </a:schemeClr>
-                </a:gs>
-              </a:gsLst>
-              <a:lin ang="5400000" scaled="1"/>
-            </a:gradFill>
-            <a:ln>
-              <a:noFill/>
-            </a:ln>
-            <a:effectLst/>
-            <a:extLst>
-              <a:ext uri="{91240B29-F687-4F45-9708-019B960494DF}">
-                <a14:hiddenLine xmlns:a14="http://schemas.microsoft.com/office/drawing/2010/main" w="9525" algn="ctr">
-                  <a:solidFill>
-                    <a:schemeClr val="tx1"/>
-                  </a:solidFill>
-                  <a:round/>
-                  <a:headEnd/>
-                  <a:tailEnd/>
-                </a14:hiddenLine>
-              </a:ext>
-              <a:ext uri="{AF507438-7753-43E0-B8FC-AC1667EBCBE1}">
-                <a14:hiddenEffects xmlns:a14="http://schemas.microsoft.com/office/drawing/2010/main">
-                  <a:effectLst>
-                    <a:outerShdw dist="35921" dir="2700000" algn="ctr" rotWithShape="0">
-                      <a:schemeClr val="bg2"/>
-                    </a:outerShdw>
-                  </a:effectLst>
-                </a14:hiddenEffects>
-              </a:ext>
-            </a:extLst>
-          </p:spPr>
-          <p:txBody>
-            <a:bodyPr wrap="none" anchor="ctr"/>
-            <a:lstStyle/>
-            <a:p>
-              <a:endParaRPr lang="en-US"/>
-            </a:p>
-          </p:txBody>
-        </p:sp>
-        <p:pic>
-          <p:nvPicPr>
-            <p:cNvPr id="26117" name="Picture 517" descr="sphere_highlight"/>
-            <p:cNvPicPr>
-              <a:picLocks noChangeAspect="1" noChangeArrowheads="1"/>
-            </p:cNvPicPr>
-            <p:nvPr/>
-          </p:nvPicPr>
-          <p:blipFill>
-            <a:blip r:embed="rId3" cstate="print">
-              <a:extLst>
-                <a:ext uri="{28A0092B-C50C-407E-A947-70E740481C1C}">
-                  <a14:useLocalDpi xmlns:a14="http://schemas.microsoft.com/office/drawing/2010/main" val="0"/>
-                </a:ext>
-              </a:extLst>
-            </a:blip>
-            <a:srcRect/>
-            <a:stretch>
-              <a:fillRect/>
-            </a:stretch>
-          </p:blipFill>
-          <p:spPr bwMode="gray">
-            <a:xfrm>
-              <a:off x="4046" y="3018"/>
-              <a:ext cx="470" cy="241"/>
-            </a:xfrm>
-            <a:prstGeom prst="rect">
-              <a:avLst/>
-            </a:prstGeom>
-            <a:noFill/>
-            <a:extLst>
-              <a:ext uri="{909E8E84-426E-40DD-AFC4-6F175D3DCCD1}">
-                <a14:hiddenFill xmlns:a14="http://schemas.microsoft.com/office/drawing/2010/main">
-                  <a:solidFill>
-                    <a:srgbClr val="FFFFFF"/>
-                  </a:solidFill>
-                </a14:hiddenFill>
-              </a:ext>
-            </a:extLst>
-          </p:spPr>
-        </p:pic>
-      </p:grpSp>
-      <p:sp>
-        <p:nvSpPr>
-          <p:cNvPr id="26118" name="Oval 518"/>
-          <p:cNvSpPr>
-            <a:spLocks noChangeArrowheads="1"/>
-          </p:cNvSpPr>
-          <p:nvPr/>
-        </p:nvSpPr>
-        <p:spPr bwMode="gray">
-          <a:xfrm>
-            <a:off x="4113213" y="5138738"/>
-            <a:ext cx="1082675" cy="1071562"/>
-          </a:xfrm>
-          <a:prstGeom prst="ellipse">
-            <a:avLst/>
-          </a:prstGeom>
-          <a:blipFill dpi="0" rotWithShape="1">
-            <a:blip r:embed="rId4"/>
-            <a:srcRect/>
-            <a:stretch>
-              <a:fillRect/>
-            </a:stretch>
-          </a:blipFill>
-          <a:ln w="28575" algn="ctr">
-            <a:solidFill>
-              <a:schemeClr val="bg1">
-                <a:alpha val="70000"/>
-              </a:schemeClr>
-            </a:solidFill>
-            <a:round/>
-            <a:headEnd/>
-            <a:tailEnd/>
-          </a:ln>
-          <a:effectLst>
-            <a:outerShdw dist="107763" dir="2700000" algn="ctr" rotWithShape="0">
-              <a:schemeClr val="tx2">
-                <a:alpha val="50000"/>
-              </a:schemeClr>
-            </a:outerShdw>
-          </a:effectLst>
-        </p:spPr>
-        <p:txBody>
-          <a:bodyPr wrap="none" anchor="ctr"/>
-          <a:lstStyle/>
-          <a:p>
-            <a:endParaRPr lang="en-US"/>
-          </a:p>
-        </p:txBody>
-      </p:sp>
-      <p:sp>
-        <p:nvSpPr>
-          <p:cNvPr id="26119" name="Oval 519"/>
-          <p:cNvSpPr>
-            <a:spLocks noChangeArrowheads="1"/>
-          </p:cNvSpPr>
-          <p:nvPr/>
-        </p:nvSpPr>
-        <p:spPr bwMode="gray">
-          <a:xfrm>
-            <a:off x="581025" y="723900"/>
-            <a:ext cx="2759075" cy="2730500"/>
-          </a:xfrm>
-          <a:prstGeom prst="ellipse">
-            <a:avLst/>
-          </a:prstGeom>
-          <a:blipFill dpi="0" rotWithShape="1">
-            <a:blip r:embed="rId5"/>
-            <a:srcRect/>
-            <a:stretch>
-              <a:fillRect/>
-            </a:stretch>
-          </a:blipFill>
-          <a:ln w="76200" algn="ctr">
-            <a:solidFill>
-              <a:schemeClr val="bg1">
-                <a:alpha val="70000"/>
-              </a:schemeClr>
-            </a:solidFill>
-            <a:round/>
-            <a:headEnd/>
-            <a:tailEnd/>
-          </a:ln>
-          <a:effectLst>
-            <a:outerShdw dist="107763" dir="2700000" algn="ctr" rotWithShape="0">
-              <a:schemeClr val="tx2">
-                <a:alpha val="50000"/>
-              </a:schemeClr>
-            </a:outerShdw>
-          </a:effectLst>
-        </p:spPr>
-        <p:txBody>
-          <a:bodyPr wrap="none" anchor="ctr"/>
-          <a:lstStyle/>
-          <a:p>
-            <a:endParaRPr lang="en-US"/>
-          </a:p>
-        </p:txBody>
-      </p:sp>
-      <p:sp>
-        <p:nvSpPr>
-          <p:cNvPr id="26120" name="Oval 520"/>
-          <p:cNvSpPr>
-            <a:spLocks noChangeArrowheads="1"/>
-          </p:cNvSpPr>
-          <p:nvPr/>
-        </p:nvSpPr>
-        <p:spPr bwMode="gray">
-          <a:xfrm>
-            <a:off x="2003425" y="3657600"/>
-            <a:ext cx="1911350" cy="1892300"/>
-          </a:xfrm>
-          <a:prstGeom prst="ellipse">
-            <a:avLst/>
-          </a:prstGeom>
-          <a:blipFill dpi="0" rotWithShape="1">
-            <a:blip r:embed="rId6"/>
-            <a:srcRect/>
-            <a:stretch>
-              <a:fillRect/>
-            </a:stretch>
-          </a:blipFill>
-          <a:ln w="57150" algn="ctr">
-            <a:solidFill>
-              <a:schemeClr val="bg1">
-                <a:alpha val="70000"/>
-              </a:schemeClr>
-            </a:solidFill>
-            <a:round/>
-            <a:headEnd/>
-            <a:tailEnd/>
-          </a:ln>
-          <a:effectLst>
-            <a:outerShdw dist="107763" dir="2700000" algn="ctr" rotWithShape="0">
-              <a:schemeClr val="tx2">
-                <a:alpha val="50000"/>
-              </a:schemeClr>
-            </a:outerShdw>
-          </a:effectLst>
-        </p:spPr>
-        <p:txBody>
-          <a:bodyPr wrap="none" anchor="ctr"/>
-          <a:lstStyle/>
-          <a:p>
-            <a:endParaRPr lang="en-US"/>
-          </a:p>
-        </p:txBody>
-      </p:sp>
+      </p:pic>
     </p:spTree>
+    <p:extLst>
+      <p:ext uri="{BB962C8B-B14F-4D97-AF65-F5344CB8AC3E}">
+        <p14:creationId xmlns:p14="http://schemas.microsoft.com/office/powerpoint/2010/main" val="2381683949"/>
+      </p:ext>
+    </p:extLst>
   </p:cSld>
   <p:clrMapOvr>
     <a:masterClrMapping/>
   </p:clrMapOvr>
-  <p:timing>
-    <p:tnLst>
-      <p:par>
-        <p:cTn id="1" dur="indefinite" restart="never" nodeType="tmRoot">
-          <p:childTnLst>
-            <p:seq concurrent="1" nextAc="seek">
-              <p:cTn id="2" dur="indefinite" nodeType="mainSeq">
-                <p:childTnLst>
-                  <p:par>
-                    <p:cTn id="3" fill="hold" nodeType="clickPar">
-                      <p:stCondLst>
-                        <p:cond delay="indefinite"/>
-                        <p:cond evt="onBegin" delay="0">
-                          <p:tn val="2"/>
-                        </p:cond>
-                      </p:stCondLst>
-                      <p:childTnLst>
-                        <p:par>
-                          <p:cTn id="4" fill="hold" nodeType="withGroup">
-                            <p:stCondLst>
-                              <p:cond delay="0"/>
-                            </p:stCondLst>
-                            <p:childTnLst>
-                              <p:par>
-                                <p:cTn id="5" presetID="10" presetClass="entr" presetSubtype="0" fill="hold" grpId="0" nodeType="withEffect">
-                                  <p:stCondLst>
-                                    <p:cond delay="0"/>
-                                  </p:stCondLst>
-                                  <p:childTnLst>
-                                    <p:set>
-                                      <p:cBhvr>
-                                        <p:cTn id="6" dur="1" fill="hold">
-                                          <p:stCondLst>
-                                            <p:cond delay="0"/>
-                                          </p:stCondLst>
-                                        </p:cTn>
-                                        <p:tgtEl>
-                                          <p:spTgt spid="26091"/>
-                                        </p:tgtEl>
-                                        <p:attrNameLst>
-                                          <p:attrName>style.visibility</p:attrName>
-                                        </p:attrNameLst>
-                                      </p:cBhvr>
-                                      <p:to>
-                                        <p:strVal val="visible"/>
-                                      </p:to>
-                                    </p:set>
-                                    <p:animEffect transition="in" filter="fade">
-                                      <p:cBhvr>
-                                        <p:cTn id="7" dur="2000"/>
-                                        <p:tgtEl>
-                                          <p:spTgt spid="26091"/>
-                                        </p:tgtEl>
-                                      </p:cBhvr>
-                                    </p:animEffect>
-                                  </p:childTnLst>
-                                </p:cTn>
-                              </p:par>
-                              <p:par>
-                                <p:cTn id="8" presetID="53" presetClass="entr" presetSubtype="0" fill="hold" nodeType="withEffect">
-                                  <p:stCondLst>
-                                    <p:cond delay="2200"/>
-                                  </p:stCondLst>
-                                  <p:childTnLst>
-                                    <p:set>
-                                      <p:cBhvr>
-                                        <p:cTn id="9" dur="1" fill="hold">
-                                          <p:stCondLst>
-                                            <p:cond delay="0"/>
-                                          </p:stCondLst>
-                                        </p:cTn>
-                                        <p:tgtEl>
-                                          <p:spTgt spid="26115"/>
-                                        </p:tgtEl>
-                                        <p:attrNameLst>
-                                          <p:attrName>style.visibility</p:attrName>
-                                        </p:attrNameLst>
-                                      </p:cBhvr>
-                                      <p:to>
-                                        <p:strVal val="visible"/>
-                                      </p:to>
-                                    </p:set>
-                                    <p:anim calcmode="lin" valueType="num">
-                                      <p:cBhvr>
-                                        <p:cTn id="10" dur="1000" fill="hold"/>
-                                        <p:tgtEl>
-                                          <p:spTgt spid="26115"/>
-                                        </p:tgtEl>
-                                        <p:attrNameLst>
-                                          <p:attrName>ppt_w</p:attrName>
-                                        </p:attrNameLst>
-                                      </p:cBhvr>
-                                      <p:tavLst>
-                                        <p:tav tm="0">
-                                          <p:val>
-                                            <p:fltVal val="0"/>
-                                          </p:val>
-                                        </p:tav>
-                                        <p:tav tm="100000">
-                                          <p:val>
-                                            <p:strVal val="#ppt_w"/>
-                                          </p:val>
-                                        </p:tav>
-                                      </p:tavLst>
-                                    </p:anim>
-                                    <p:anim calcmode="lin" valueType="num">
-                                      <p:cBhvr>
-                                        <p:cTn id="11" dur="1000" fill="hold"/>
-                                        <p:tgtEl>
-                                          <p:spTgt spid="26115"/>
-                                        </p:tgtEl>
-                                        <p:attrNameLst>
-                                          <p:attrName>ppt_h</p:attrName>
-                                        </p:attrNameLst>
-                                      </p:cBhvr>
-                                      <p:tavLst>
-                                        <p:tav tm="0">
-                                          <p:val>
-                                            <p:fltVal val="0"/>
-                                          </p:val>
-                                        </p:tav>
-                                        <p:tav tm="100000">
-                                          <p:val>
-                                            <p:strVal val="#ppt_h"/>
-                                          </p:val>
-                                        </p:tav>
-                                      </p:tavLst>
-                                    </p:anim>
-                                    <p:animEffect transition="in" filter="fade">
-                                      <p:cBhvr>
-                                        <p:cTn id="12" dur="1000"/>
-                                        <p:tgtEl>
-                                          <p:spTgt spid="26115"/>
-                                        </p:tgtEl>
-                                      </p:cBhvr>
-                                    </p:animEffect>
-                                  </p:childTnLst>
-                                </p:cTn>
-                              </p:par>
-                              <p:par>
-                                <p:cTn id="13" presetID="37" presetClass="path" presetSubtype="0" accel="50000" decel="50000" fill="hold" nodeType="withEffect">
-                                  <p:stCondLst>
-                                    <p:cond delay="2300"/>
-                                  </p:stCondLst>
-                                  <p:childTnLst>
-                                    <p:animMotion origin="layout" path="M 0.0559 -0.10479 C 0.0559 -0.10456 0.05156 -0.05136 0.0401 -0.02661 C 0.02864 -0.00185 -0.00226 0.00462 -0.0184 -0.00579 " pathEditMode="relative" rAng="0" ptsTypes="fsf">
-                                      <p:cBhvr>
-                                        <p:cTn id="14" dur="1000" fill="hold"/>
-                                        <p:tgtEl>
-                                          <p:spTgt spid="26115"/>
-                                        </p:tgtEl>
-                                        <p:attrNameLst>
-                                          <p:attrName>ppt_x</p:attrName>
-                                          <p:attrName>ppt_y</p:attrName>
-                                        </p:attrNameLst>
-                                      </p:cBhvr>
-                                      <p:rCtr x="-3715" y="5459"/>
-                                    </p:animMotion>
-                                  </p:childTnLst>
-                                </p:cTn>
-                              </p:par>
-                              <p:par>
-                                <p:cTn id="15" presetID="53" presetClass="entr" presetSubtype="0" fill="hold" nodeType="withEffect">
-                                  <p:stCondLst>
-                                    <p:cond delay="2800"/>
-                                  </p:stCondLst>
-                                  <p:childTnLst>
-                                    <p:set>
-                                      <p:cBhvr>
-                                        <p:cTn id="16" dur="1" fill="hold">
-                                          <p:stCondLst>
-                                            <p:cond delay="0"/>
-                                          </p:stCondLst>
-                                        </p:cTn>
-                                        <p:tgtEl>
-                                          <p:spTgt spid="26112"/>
-                                        </p:tgtEl>
-                                        <p:attrNameLst>
-                                          <p:attrName>style.visibility</p:attrName>
-                                        </p:attrNameLst>
-                                      </p:cBhvr>
-                                      <p:to>
-                                        <p:strVal val="visible"/>
-                                      </p:to>
-                                    </p:set>
-                                    <p:anim calcmode="lin" valueType="num">
-                                      <p:cBhvr>
-                                        <p:cTn id="17" dur="1000" fill="hold"/>
-                                        <p:tgtEl>
-                                          <p:spTgt spid="26112"/>
-                                        </p:tgtEl>
-                                        <p:attrNameLst>
-                                          <p:attrName>ppt_w</p:attrName>
-                                        </p:attrNameLst>
-                                      </p:cBhvr>
-                                      <p:tavLst>
-                                        <p:tav tm="0">
-                                          <p:val>
-                                            <p:fltVal val="0"/>
-                                          </p:val>
-                                        </p:tav>
-                                        <p:tav tm="100000">
-                                          <p:val>
-                                            <p:strVal val="#ppt_w"/>
-                                          </p:val>
-                                        </p:tav>
-                                      </p:tavLst>
-                                    </p:anim>
-                                    <p:anim calcmode="lin" valueType="num">
-                                      <p:cBhvr>
-                                        <p:cTn id="18" dur="1000" fill="hold"/>
-                                        <p:tgtEl>
-                                          <p:spTgt spid="26112"/>
-                                        </p:tgtEl>
-                                        <p:attrNameLst>
-                                          <p:attrName>ppt_h</p:attrName>
-                                        </p:attrNameLst>
-                                      </p:cBhvr>
-                                      <p:tavLst>
-                                        <p:tav tm="0">
-                                          <p:val>
-                                            <p:fltVal val="0"/>
-                                          </p:val>
-                                        </p:tav>
-                                        <p:tav tm="100000">
-                                          <p:val>
-                                            <p:strVal val="#ppt_h"/>
-                                          </p:val>
-                                        </p:tav>
-                                      </p:tavLst>
-                                    </p:anim>
-                                    <p:animEffect transition="in" filter="fade">
-                                      <p:cBhvr>
-                                        <p:cTn id="19" dur="1000"/>
-                                        <p:tgtEl>
-                                          <p:spTgt spid="26112"/>
-                                        </p:tgtEl>
-                                      </p:cBhvr>
-                                    </p:animEffect>
-                                  </p:childTnLst>
-                                </p:cTn>
-                              </p:par>
-                              <p:par>
-                                <p:cTn id="20" presetID="37" presetClass="path" presetSubtype="0" accel="50000" decel="50000" fill="hold" nodeType="withEffect">
-                                  <p:stCondLst>
-                                    <p:cond delay="2800"/>
-                                  </p:stCondLst>
-                                  <p:childTnLst>
-                                    <p:animMotion origin="layout" path="M 0.14236 -0.15476 C 0.14236 -0.15452 0.12535 -0.04603 0.10382 -0.01758 C 0.08229 0.01087 0.00382 0.02244 -0.0342 0.01874 " pathEditMode="relative" rAng="0" ptsTypes="fsf">
-                                      <p:cBhvr>
-                                        <p:cTn id="21" dur="1000" fill="hold"/>
-                                        <p:tgtEl>
-                                          <p:spTgt spid="26112"/>
-                                        </p:tgtEl>
-                                        <p:attrNameLst>
-                                          <p:attrName>ppt_x</p:attrName>
-                                          <p:attrName>ppt_y</p:attrName>
-                                        </p:attrNameLst>
-                                      </p:cBhvr>
-                                      <p:rCtr x="-8837" y="8860"/>
-                                    </p:animMotion>
-                                  </p:childTnLst>
-                                </p:cTn>
-                              </p:par>
-                            </p:childTnLst>
-                          </p:cTn>
-                        </p:par>
-                        <p:par>
-                          <p:cTn id="22" fill="hold" nodeType="afterGroup">
-                            <p:stCondLst>
-                              <p:cond delay="3800"/>
-                            </p:stCondLst>
-                            <p:childTnLst>
-                              <p:par>
-                                <p:cTn id="23" presetID="10" presetClass="entr" presetSubtype="0" fill="hold" grpId="0" nodeType="afterEffect">
-                                  <p:stCondLst>
-                                    <p:cond delay="0"/>
-                                  </p:stCondLst>
-                                  <p:childTnLst>
-                                    <p:set>
-                                      <p:cBhvr>
-                                        <p:cTn id="24" dur="1" fill="hold">
-                                          <p:stCondLst>
-                                            <p:cond delay="0"/>
-                                          </p:stCondLst>
-                                        </p:cTn>
-                                        <p:tgtEl>
-                                          <p:spTgt spid="26118"/>
-                                        </p:tgtEl>
-                                        <p:attrNameLst>
-                                          <p:attrName>style.visibility</p:attrName>
-                                        </p:attrNameLst>
-                                      </p:cBhvr>
-                                      <p:to>
-                                        <p:strVal val="visible"/>
-                                      </p:to>
-                                    </p:set>
-                                    <p:animEffect transition="in" filter="fade">
-                                      <p:cBhvr>
-                                        <p:cTn id="25" dur="1000"/>
-                                        <p:tgtEl>
-                                          <p:spTgt spid="26118"/>
-                                        </p:tgtEl>
-                                      </p:cBhvr>
-                                    </p:animEffect>
-                                  </p:childTnLst>
-                                </p:cTn>
-                              </p:par>
-                            </p:childTnLst>
-                          </p:cTn>
-                        </p:par>
-                        <p:par>
-                          <p:cTn id="26" fill="hold" nodeType="afterGroup">
-                            <p:stCondLst>
-                              <p:cond delay="4800"/>
-                            </p:stCondLst>
-                            <p:childTnLst>
-                              <p:par>
-                                <p:cTn id="27" presetID="10" presetClass="entr" presetSubtype="0" fill="hold" grpId="0" nodeType="afterEffect">
-                                  <p:stCondLst>
-                                    <p:cond delay="0"/>
-                                  </p:stCondLst>
-                                  <p:childTnLst>
-                                    <p:set>
-                                      <p:cBhvr>
-                                        <p:cTn id="28" dur="1" fill="hold">
-                                          <p:stCondLst>
-                                            <p:cond delay="0"/>
-                                          </p:stCondLst>
-                                        </p:cTn>
-                                        <p:tgtEl>
-                                          <p:spTgt spid="26120"/>
-                                        </p:tgtEl>
-                                        <p:attrNameLst>
-                                          <p:attrName>style.visibility</p:attrName>
-                                        </p:attrNameLst>
-                                      </p:cBhvr>
-                                      <p:to>
-                                        <p:strVal val="visible"/>
-                                      </p:to>
-                                    </p:set>
-                                    <p:animEffect transition="in" filter="fade">
-                                      <p:cBhvr>
-                                        <p:cTn id="29" dur="1000"/>
-                                        <p:tgtEl>
-                                          <p:spTgt spid="26120"/>
-                                        </p:tgtEl>
-                                      </p:cBhvr>
-                                    </p:animEffect>
-                                  </p:childTnLst>
-                                </p:cTn>
-                              </p:par>
-                            </p:childTnLst>
-                          </p:cTn>
-                        </p:par>
-                        <p:par>
-                          <p:cTn id="30" fill="hold" nodeType="afterGroup">
-                            <p:stCondLst>
-                              <p:cond delay="5800"/>
-                            </p:stCondLst>
-                            <p:childTnLst>
-                              <p:par>
-                                <p:cTn id="31" presetID="10" presetClass="entr" presetSubtype="0" fill="hold" grpId="0" nodeType="afterEffect">
-                                  <p:stCondLst>
-                                    <p:cond delay="0"/>
-                                  </p:stCondLst>
-                                  <p:childTnLst>
-                                    <p:set>
-                                      <p:cBhvr>
-                                        <p:cTn id="32" dur="1" fill="hold">
-                                          <p:stCondLst>
-                                            <p:cond delay="0"/>
-                                          </p:stCondLst>
-                                        </p:cTn>
-                                        <p:tgtEl>
-                                          <p:spTgt spid="26119"/>
-                                        </p:tgtEl>
-                                        <p:attrNameLst>
-                                          <p:attrName>style.visibility</p:attrName>
-                                        </p:attrNameLst>
-                                      </p:cBhvr>
-                                      <p:to>
-                                        <p:strVal val="visible"/>
-                                      </p:to>
-                                    </p:set>
-                                    <p:animEffect transition="in" filter="fade">
-                                      <p:cBhvr>
-                                        <p:cTn id="33" dur="1000"/>
-                                        <p:tgtEl>
-                                          <p:spTgt spid="26119"/>
-                                        </p:tgtEl>
-                                      </p:cBhvr>
-                                    </p:animEffect>
-                                  </p:childTnLst>
-                                </p:cTn>
-                              </p:par>
-                            </p:childTnLst>
-                          </p:cTn>
-                        </p:par>
-                      </p:childTnLst>
-                    </p:cTn>
-                  </p:par>
-                </p:childTnLst>
-              </p:cTn>
-              <p:prevCondLst>
-                <p:cond evt="onPrev" delay="0">
-                  <p:tgtEl>
-                    <p:sldTgt/>
-                  </p:tgtEl>
-                </p:cond>
-              </p:prevCondLst>
-              <p:nextCondLst>
-                <p:cond evt="onNext" delay="0">
-                  <p:tgtEl>
-                    <p:sldTgt/>
-                  </p:tgtEl>
-                </p:cond>
-              </p:nextCondLst>
-            </p:seq>
-          </p:childTnLst>
-        </p:cTn>
-      </p:par>
-    </p:tnLst>
-    <p:bldLst>
-      <p:bldP spid="26091" grpId="0" animBg="1"/>
-      <p:bldP spid="26118" grpId="0" animBg="1"/>
-      <p:bldP spid="26119" grpId="0" animBg="1"/>
-      <p:bldP spid="26120" grpId="0" animBg="1"/>
-    </p:bldLst>
-  </p:timing>
+</p:sld>
+</file>
+
+<file path=ppt/slides/slide26.xml><?xml version="1.0" encoding="utf-8"?>
+<p:sld xmlns:a="http://schemas.openxmlformats.org/drawingml/2006/main" xmlns:r="http://schemas.openxmlformats.org/officeDocument/2006/relationships" xmlns:p="http://schemas.openxmlformats.org/presentationml/2006/main">
+  <p:cSld>
+    <p:spTree>
+      <p:nvGrpSpPr>
+        <p:cNvPr id="1" name=""/>
+        <p:cNvGrpSpPr/>
+        <p:nvPr/>
+      </p:nvGrpSpPr>
+      <p:grpSpPr>
+        <a:xfrm>
+          <a:off x="0" y="0"/>
+          <a:ext cx="0" cy="0"/>
+          <a:chOff x="0" y="0"/>
+          <a:chExt cx="0" cy="0"/>
+        </a:xfrm>
+      </p:grpSpPr>
+      <p:sp>
+        <p:nvSpPr>
+          <p:cNvPr id="2" name="Title 1"/>
+          <p:cNvSpPr>
+            <a:spLocks noGrp="1"/>
+          </p:cNvSpPr>
+          <p:nvPr>
+            <p:ph type="title"/>
+          </p:nvPr>
+        </p:nvSpPr>
+        <p:spPr/>
+        <p:txBody>
+          <a:bodyPr/>
+          <a:lstStyle/>
+          <a:p>
+            <a:pPr algn="ctr"/>
+            <a:r>
+              <a:rPr lang="en-US" dirty="0" smtClean="0"/>
+              <a:t>QUY TRÌNH XỬ LÝ KHO</a:t>
+            </a:r>
+            <a:endParaRPr lang="en-US" dirty="0"/>
+          </a:p>
+        </p:txBody>
+      </p:sp>
+      <p:sp>
+        <p:nvSpPr>
+          <p:cNvPr id="3" name="Content Placeholder 2"/>
+          <p:cNvSpPr>
+            <a:spLocks noGrp="1"/>
+          </p:cNvSpPr>
+          <p:nvPr>
+            <p:ph idx="1"/>
+          </p:nvPr>
+        </p:nvSpPr>
+        <p:spPr/>
+        <p:txBody>
+          <a:bodyPr/>
+          <a:lstStyle/>
+          <a:p>
+            <a:pPr marL="0" indent="0">
+              <a:buNone/>
+            </a:pPr>
+            <a:r>
+              <a:rPr lang="en-US" dirty="0" err="1" smtClean="0"/>
+              <a:t>Quy</a:t>
+            </a:r>
+            <a:r>
+              <a:rPr lang="en-US" dirty="0" smtClean="0"/>
+              <a:t> </a:t>
+            </a:r>
+            <a:r>
+              <a:rPr lang="en-US" dirty="0" err="1" smtClean="0"/>
+              <a:t>trình</a:t>
+            </a:r>
+            <a:r>
+              <a:rPr lang="en-US" dirty="0" smtClean="0"/>
+              <a:t> </a:t>
+            </a:r>
+            <a:r>
+              <a:rPr lang="en-US" dirty="0" err="1" smtClean="0"/>
+              <a:t>xuất</a:t>
+            </a:r>
+            <a:r>
+              <a:rPr lang="en-US" dirty="0" smtClean="0"/>
+              <a:t> </a:t>
+            </a:r>
+            <a:r>
+              <a:rPr lang="en-US" dirty="0" err="1" smtClean="0"/>
+              <a:t>kho</a:t>
+            </a:r>
+            <a:r>
+              <a:rPr lang="en-US" dirty="0" smtClean="0"/>
+              <a:t>:</a:t>
+            </a:r>
+          </a:p>
+          <a:p>
+            <a:pPr lvl="1"/>
+            <a:endParaRPr lang="en-US" dirty="0"/>
+          </a:p>
+        </p:txBody>
+      </p:sp>
+      <p:sp>
+        <p:nvSpPr>
+          <p:cNvPr id="4" name="Slide Number Placeholder 3"/>
+          <p:cNvSpPr>
+            <a:spLocks noGrp="1"/>
+          </p:cNvSpPr>
+          <p:nvPr>
+            <p:ph type="sldNum" sz="quarter" idx="12"/>
+          </p:nvPr>
+        </p:nvSpPr>
+        <p:spPr/>
+        <p:txBody>
+          <a:bodyPr/>
+          <a:lstStyle/>
+          <a:p>
+            <a:fld id="{A149BCD4-9BC0-4FFB-BD3F-C807062770B1}" type="slidenum">
+              <a:rPr lang="en-US" smtClean="0"/>
+              <a:pPr/>
+              <a:t>26</a:t>
+            </a:fld>
+            <a:endParaRPr lang="en-US"/>
+          </a:p>
+        </p:txBody>
+      </p:sp>
+      <p:pic>
+        <p:nvPicPr>
+          <p:cNvPr id="2050" name="Picture 2"/>
+          <p:cNvPicPr>
+            <a:picLocks noChangeAspect="1" noChangeArrowheads="1"/>
+          </p:cNvPicPr>
+          <p:nvPr/>
+        </p:nvPicPr>
+        <p:blipFill>
+          <a:blip r:embed="rId2">
+            <a:extLst>
+              <a:ext uri="{28A0092B-C50C-407E-A947-70E740481C1C}">
+                <a14:useLocalDpi xmlns:a14="http://schemas.microsoft.com/office/drawing/2010/main" val="0"/>
+              </a:ext>
+            </a:extLst>
+          </a:blip>
+          <a:srcRect/>
+          <a:stretch>
+            <a:fillRect/>
+          </a:stretch>
+        </p:blipFill>
+        <p:spPr bwMode="auto">
+          <a:xfrm>
+            <a:off x="2066924" y="1746911"/>
+            <a:ext cx="5267787" cy="4947313"/>
+          </a:xfrm>
+          <a:prstGeom prst="rect">
+            <a:avLst/>
+          </a:prstGeom>
+          <a:noFill/>
+          <a:ln>
+            <a:noFill/>
+          </a:ln>
+          <a:effectLst/>
+          <a:extLst>
+            <a:ext uri="{909E8E84-426E-40DD-AFC4-6F175D3DCCD1}">
+              <a14:hiddenFill xmlns:a14="http://schemas.microsoft.com/office/drawing/2010/main">
+                <a:solidFill>
+                  <a:schemeClr val="accent1"/>
+                </a:solidFill>
+              </a14:hiddenFill>
+            </a:ext>
+            <a:ext uri="{91240B29-F687-4F45-9708-019B960494DF}">
+              <a14:hiddenLine xmlns:a14="http://schemas.microsoft.com/office/drawing/2010/main" w="9525">
+                <a:solidFill>
+                  <a:schemeClr val="tx1"/>
+                </a:solidFill>
+                <a:miter lim="800000"/>
+                <a:headEnd/>
+                <a:tailEnd/>
+              </a14:hiddenLine>
+            </a:ext>
+            <a:ext uri="{AF507438-7753-43E0-B8FC-AC1667EBCBE1}">
+              <a14:hiddenEffects xmlns:a14="http://schemas.microsoft.com/office/drawing/2010/main">
+                <a:effectLst>
+                  <a:outerShdw dist="35921" dir="2700000" algn="ctr" rotWithShape="0">
+                    <a:schemeClr val="bg2"/>
+                  </a:outerShdw>
+                </a:effectLst>
+              </a14:hiddenEffects>
+            </a:ext>
+          </a:extLst>
+        </p:spPr>
+      </p:pic>
+    </p:spTree>
+    <p:extLst>
+      <p:ext uri="{BB962C8B-B14F-4D97-AF65-F5344CB8AC3E}">
+        <p14:creationId xmlns:p14="http://schemas.microsoft.com/office/powerpoint/2010/main" val="1448442049"/>
+      </p:ext>
+    </p:extLst>
+  </p:cSld>
+  <p:clrMapOvr>
+    <a:masterClrMapping/>
+  </p:clrMapOvr>
+</p:sld>
+</file>
+
+<file path=ppt/slides/slide27.xml><?xml version="1.0" encoding="utf-8"?>
+<p:sld xmlns:a="http://schemas.openxmlformats.org/drawingml/2006/main" xmlns:r="http://schemas.openxmlformats.org/officeDocument/2006/relationships" xmlns:p="http://schemas.openxmlformats.org/presentationml/2006/main">
+  <p:cSld>
+    <p:spTree>
+      <p:nvGrpSpPr>
+        <p:cNvPr id="1" name=""/>
+        <p:cNvGrpSpPr/>
+        <p:nvPr/>
+      </p:nvGrpSpPr>
+      <p:grpSpPr>
+        <a:xfrm>
+          <a:off x="0" y="0"/>
+          <a:ext cx="0" cy="0"/>
+          <a:chOff x="0" y="0"/>
+          <a:chExt cx="0" cy="0"/>
+        </a:xfrm>
+      </p:grpSpPr>
+      <p:sp>
+        <p:nvSpPr>
+          <p:cNvPr id="2" name="Title 1"/>
+          <p:cNvSpPr>
+            <a:spLocks noGrp="1"/>
+          </p:cNvSpPr>
+          <p:nvPr>
+            <p:ph type="title"/>
+          </p:nvPr>
+        </p:nvSpPr>
+        <p:spPr/>
+        <p:txBody>
+          <a:bodyPr/>
+          <a:lstStyle/>
+          <a:p>
+            <a:pPr algn="ctr"/>
+            <a:r>
+              <a:rPr lang="en-US" dirty="0" smtClean="0"/>
+              <a:t>QUY TRÌNH XỬ LÝ KHO</a:t>
+            </a:r>
+            <a:endParaRPr lang="en-US" dirty="0"/>
+          </a:p>
+        </p:txBody>
+      </p:sp>
+      <p:sp>
+        <p:nvSpPr>
+          <p:cNvPr id="3" name="Content Placeholder 2"/>
+          <p:cNvSpPr>
+            <a:spLocks noGrp="1"/>
+          </p:cNvSpPr>
+          <p:nvPr>
+            <p:ph idx="1"/>
+          </p:nvPr>
+        </p:nvSpPr>
+        <p:spPr/>
+        <p:txBody>
+          <a:bodyPr/>
+          <a:lstStyle/>
+          <a:p>
+            <a:pPr marL="0" indent="0">
+              <a:buNone/>
+            </a:pPr>
+            <a:r>
+              <a:rPr lang="en-US" dirty="0" err="1" smtClean="0"/>
+              <a:t>Quản</a:t>
+            </a:r>
+            <a:r>
+              <a:rPr lang="en-US" dirty="0" smtClean="0"/>
+              <a:t> </a:t>
+            </a:r>
+            <a:r>
+              <a:rPr lang="en-US" dirty="0" err="1" smtClean="0"/>
+              <a:t>lý</a:t>
+            </a:r>
+            <a:r>
+              <a:rPr lang="en-US" dirty="0" smtClean="0"/>
+              <a:t> </a:t>
+            </a:r>
+            <a:r>
+              <a:rPr lang="en-US" dirty="0" err="1" smtClean="0"/>
+              <a:t>thu</a:t>
+            </a:r>
+            <a:r>
+              <a:rPr lang="en-US" dirty="0" smtClean="0"/>
+              <a:t> chi:</a:t>
+            </a:r>
+          </a:p>
+          <a:p>
+            <a:pPr lvl="1"/>
+            <a:endParaRPr lang="en-US" dirty="0"/>
+          </a:p>
+        </p:txBody>
+      </p:sp>
+      <p:sp>
+        <p:nvSpPr>
+          <p:cNvPr id="4" name="Slide Number Placeholder 3"/>
+          <p:cNvSpPr>
+            <a:spLocks noGrp="1"/>
+          </p:cNvSpPr>
+          <p:nvPr>
+            <p:ph type="sldNum" sz="quarter" idx="12"/>
+          </p:nvPr>
+        </p:nvSpPr>
+        <p:spPr/>
+        <p:txBody>
+          <a:bodyPr/>
+          <a:lstStyle/>
+          <a:p>
+            <a:fld id="{A149BCD4-9BC0-4FFB-BD3F-C807062770B1}" type="slidenum">
+              <a:rPr lang="en-US" smtClean="0"/>
+              <a:pPr/>
+              <a:t>27</a:t>
+            </a:fld>
+            <a:endParaRPr lang="en-US"/>
+          </a:p>
+        </p:txBody>
+      </p:sp>
+      <p:pic>
+        <p:nvPicPr>
+          <p:cNvPr id="3074" name="Picture 2"/>
+          <p:cNvPicPr>
+            <a:picLocks noChangeAspect="1" noChangeArrowheads="1"/>
+          </p:cNvPicPr>
+          <p:nvPr/>
+        </p:nvPicPr>
+        <p:blipFill>
+          <a:blip r:embed="rId2">
+            <a:extLst>
+              <a:ext uri="{28A0092B-C50C-407E-A947-70E740481C1C}">
+                <a14:useLocalDpi xmlns:a14="http://schemas.microsoft.com/office/drawing/2010/main" val="0"/>
+              </a:ext>
+            </a:extLst>
+          </a:blip>
+          <a:srcRect/>
+          <a:stretch>
+            <a:fillRect/>
+          </a:stretch>
+        </p:blipFill>
+        <p:spPr bwMode="auto">
+          <a:xfrm>
+            <a:off x="1132770" y="1785299"/>
+            <a:ext cx="7639452" cy="4615502"/>
+          </a:xfrm>
+          <a:prstGeom prst="rect">
+            <a:avLst/>
+          </a:prstGeom>
+          <a:noFill/>
+          <a:ln>
+            <a:noFill/>
+          </a:ln>
+          <a:effectLst/>
+          <a:extLst>
+            <a:ext uri="{909E8E84-426E-40DD-AFC4-6F175D3DCCD1}">
+              <a14:hiddenFill xmlns:a14="http://schemas.microsoft.com/office/drawing/2010/main">
+                <a:solidFill>
+                  <a:schemeClr val="accent1"/>
+                </a:solidFill>
+              </a14:hiddenFill>
+            </a:ext>
+            <a:ext uri="{91240B29-F687-4F45-9708-019B960494DF}">
+              <a14:hiddenLine xmlns:a14="http://schemas.microsoft.com/office/drawing/2010/main" w="9525">
+                <a:solidFill>
+                  <a:schemeClr val="tx1"/>
+                </a:solidFill>
+                <a:miter lim="800000"/>
+                <a:headEnd/>
+                <a:tailEnd/>
+              </a14:hiddenLine>
+            </a:ext>
+            <a:ext uri="{AF507438-7753-43E0-B8FC-AC1667EBCBE1}">
+              <a14:hiddenEffects xmlns:a14="http://schemas.microsoft.com/office/drawing/2010/main">
+                <a:effectLst>
+                  <a:outerShdw dist="35921" dir="2700000" algn="ctr" rotWithShape="0">
+                    <a:schemeClr val="bg2"/>
+                  </a:outerShdw>
+                </a:effectLst>
+              </a14:hiddenEffects>
+            </a:ext>
+          </a:extLst>
+        </p:spPr>
+      </p:pic>
+    </p:spTree>
+    <p:extLst>
+      <p:ext uri="{BB962C8B-B14F-4D97-AF65-F5344CB8AC3E}">
+        <p14:creationId xmlns:p14="http://schemas.microsoft.com/office/powerpoint/2010/main" val="2028751175"/>
+      </p:ext>
+    </p:extLst>
+  </p:cSld>
+  <p:clrMapOvr>
+    <a:masterClrMapping/>
+  </p:clrMapOvr>
+</p:sld>
+</file>
+
+<file path=ppt/slides/slide28.xml><?xml version="1.0" encoding="utf-8"?>
+<p:sld xmlns:a="http://schemas.openxmlformats.org/drawingml/2006/main" xmlns:r="http://schemas.openxmlformats.org/officeDocument/2006/relationships" xmlns:p="http://schemas.openxmlformats.org/presentationml/2006/main">
+  <p:cSld>
+    <p:spTree>
+      <p:nvGrpSpPr>
+        <p:cNvPr id="1" name=""/>
+        <p:cNvGrpSpPr/>
+        <p:nvPr/>
+      </p:nvGrpSpPr>
+      <p:grpSpPr>
+        <a:xfrm>
+          <a:off x="0" y="0"/>
+          <a:ext cx="0" cy="0"/>
+          <a:chOff x="0" y="0"/>
+          <a:chExt cx="0" cy="0"/>
+        </a:xfrm>
+      </p:grpSpPr>
+      <p:sp>
+        <p:nvSpPr>
+          <p:cNvPr id="2" name="Title 1"/>
+          <p:cNvSpPr>
+            <a:spLocks noGrp="1"/>
+          </p:cNvSpPr>
+          <p:nvPr>
+            <p:ph type="title"/>
+          </p:nvPr>
+        </p:nvSpPr>
+        <p:spPr/>
+        <p:txBody>
+          <a:bodyPr/>
+          <a:lstStyle/>
+          <a:p>
+            <a:pPr algn="ctr"/>
+            <a:r>
+              <a:rPr lang="en-US" dirty="0" smtClean="0"/>
+              <a:t>CÀI ĐẶT VÀ KIỂM THỬ</a:t>
+            </a:r>
+            <a:endParaRPr lang="en-US" dirty="0"/>
+          </a:p>
+        </p:txBody>
+      </p:sp>
+      <p:sp>
+        <p:nvSpPr>
+          <p:cNvPr id="3" name="Content Placeholder 2"/>
+          <p:cNvSpPr>
+            <a:spLocks noGrp="1"/>
+          </p:cNvSpPr>
+          <p:nvPr>
+            <p:ph idx="1"/>
+          </p:nvPr>
+        </p:nvSpPr>
+        <p:spPr/>
+        <p:txBody>
+          <a:bodyPr/>
+          <a:lstStyle/>
+          <a:p>
+            <a:endParaRPr lang="en-US" dirty="0"/>
+          </a:p>
+        </p:txBody>
+      </p:sp>
+      <p:sp>
+        <p:nvSpPr>
+          <p:cNvPr id="4" name="Slide Number Placeholder 3"/>
+          <p:cNvSpPr>
+            <a:spLocks noGrp="1"/>
+          </p:cNvSpPr>
+          <p:nvPr>
+            <p:ph type="sldNum" sz="quarter" idx="12"/>
+          </p:nvPr>
+        </p:nvSpPr>
+        <p:spPr/>
+        <p:txBody>
+          <a:bodyPr/>
+          <a:lstStyle/>
+          <a:p>
+            <a:fld id="{A149BCD4-9BC0-4FFB-BD3F-C807062770B1}" type="slidenum">
+              <a:rPr lang="en-US" smtClean="0"/>
+              <a:pPr/>
+              <a:t>28</a:t>
+            </a:fld>
+            <a:endParaRPr lang="en-US"/>
+          </a:p>
+        </p:txBody>
+      </p:sp>
+    </p:spTree>
+    <p:extLst>
+      <p:ext uri="{BB962C8B-B14F-4D97-AF65-F5344CB8AC3E}">
+        <p14:creationId xmlns:p14="http://schemas.microsoft.com/office/powerpoint/2010/main" val="2679879371"/>
+      </p:ext>
+    </p:extLst>
+  </p:cSld>
+  <p:clrMapOvr>
+    <a:masterClrMapping/>
+  </p:clrMapOvr>
+</p:sld>
+</file>
+
+<file path=ppt/slides/slide29.xml><?xml version="1.0" encoding="utf-8"?>
+<p:sld xmlns:a="http://schemas.openxmlformats.org/drawingml/2006/main" xmlns:r="http://schemas.openxmlformats.org/officeDocument/2006/relationships" xmlns:p="http://schemas.openxmlformats.org/presentationml/2006/main">
+  <p:cSld>
+    <p:spTree>
+      <p:nvGrpSpPr>
+        <p:cNvPr id="1" name=""/>
+        <p:cNvGrpSpPr/>
+        <p:nvPr/>
+      </p:nvGrpSpPr>
+      <p:grpSpPr>
+        <a:xfrm>
+          <a:off x="0" y="0"/>
+          <a:ext cx="0" cy="0"/>
+          <a:chOff x="0" y="0"/>
+          <a:chExt cx="0" cy="0"/>
+        </a:xfrm>
+      </p:grpSpPr>
+      <p:sp>
+        <p:nvSpPr>
+          <p:cNvPr id="2" name="Title 1"/>
+          <p:cNvSpPr>
+            <a:spLocks noGrp="1"/>
+          </p:cNvSpPr>
+          <p:nvPr>
+            <p:ph type="title"/>
+          </p:nvPr>
+        </p:nvSpPr>
+        <p:spPr/>
+        <p:txBody>
+          <a:bodyPr/>
+          <a:lstStyle/>
+          <a:p>
+            <a:pPr algn="ctr"/>
+            <a:r>
+              <a:rPr lang="en-US" sz="3200" dirty="0" smtClean="0"/>
+              <a:t>KẾT LUẬN VÀ HƯỚNG PHÁT TRIỂN</a:t>
+            </a:r>
+            <a:endParaRPr lang="en-US" sz="3200" dirty="0"/>
+          </a:p>
+        </p:txBody>
+      </p:sp>
+      <p:sp>
+        <p:nvSpPr>
+          <p:cNvPr id="3" name="Content Placeholder 2"/>
+          <p:cNvSpPr>
+            <a:spLocks noGrp="1"/>
+          </p:cNvSpPr>
+          <p:nvPr>
+            <p:ph idx="1"/>
+          </p:nvPr>
+        </p:nvSpPr>
+        <p:spPr/>
+        <p:txBody>
+          <a:bodyPr/>
+          <a:lstStyle/>
+          <a:p>
+            <a:endParaRPr lang="en-US" dirty="0"/>
+          </a:p>
+        </p:txBody>
+      </p:sp>
+      <p:sp>
+        <p:nvSpPr>
+          <p:cNvPr id="4" name="Slide Number Placeholder 3"/>
+          <p:cNvSpPr>
+            <a:spLocks noGrp="1"/>
+          </p:cNvSpPr>
+          <p:nvPr>
+            <p:ph type="sldNum" sz="quarter" idx="12"/>
+          </p:nvPr>
+        </p:nvSpPr>
+        <p:spPr/>
+        <p:txBody>
+          <a:bodyPr/>
+          <a:lstStyle/>
+          <a:p>
+            <a:fld id="{A149BCD4-9BC0-4FFB-BD3F-C807062770B1}" type="slidenum">
+              <a:rPr lang="en-US" smtClean="0"/>
+              <a:pPr/>
+              <a:t>29</a:t>
+            </a:fld>
+            <a:endParaRPr lang="en-US"/>
+          </a:p>
+        </p:txBody>
+      </p:sp>
+    </p:spTree>
+    <p:extLst>
+      <p:ext uri="{BB962C8B-B14F-4D97-AF65-F5344CB8AC3E}">
+        <p14:creationId xmlns:p14="http://schemas.microsoft.com/office/powerpoint/2010/main" val="3330609013"/>
+      </p:ext>
+    </p:extLst>
+  </p:cSld>
+  <p:clrMapOvr>
+    <a:masterClrMapping/>
+  </p:clrMapOvr>
 </p:sld>
 </file>
 
@@ -16200,6 +20358,935 @@
 </p:sld>
 </file>
 
+<file path=ppt/slides/slide30.xml><?xml version="1.0" encoding="utf-8"?>
+<p:sld xmlns:a="http://schemas.openxmlformats.org/drawingml/2006/main" xmlns:r="http://schemas.openxmlformats.org/officeDocument/2006/relationships" xmlns:p="http://schemas.openxmlformats.org/presentationml/2006/main">
+  <p:cSld>
+    <p:spTree>
+      <p:nvGrpSpPr>
+        <p:cNvPr id="1" name=""/>
+        <p:cNvGrpSpPr/>
+        <p:nvPr/>
+      </p:nvGrpSpPr>
+      <p:grpSpPr>
+        <a:xfrm>
+          <a:off x="0" y="0"/>
+          <a:ext cx="0" cy="0"/>
+          <a:chOff x="0" y="0"/>
+          <a:chExt cx="0" cy="0"/>
+        </a:xfrm>
+      </p:grpSpPr>
+      <p:sp>
+        <p:nvSpPr>
+          <p:cNvPr id="26091" name="WordArt 491"/>
+          <p:cNvSpPr>
+            <a:spLocks noChangeArrowheads="1" noChangeShapeType="1" noTextEdit="1"/>
+          </p:cNvSpPr>
+          <p:nvPr/>
+        </p:nvSpPr>
+        <p:spPr bwMode="gray">
+          <a:xfrm>
+            <a:off x="3556000" y="1739900"/>
+            <a:ext cx="5222875" cy="746125"/>
+          </a:xfrm>
+          <a:prstGeom prst="rect">
+            <a:avLst/>
+          </a:prstGeom>
+        </p:spPr>
+        <p:txBody>
+          <a:bodyPr wrap="none" fromWordArt="1">
+            <a:prstTxWarp prst="textPlain">
+              <a:avLst>
+                <a:gd name="adj" fmla="val 50125"/>
+              </a:avLst>
+            </a:prstTxWarp>
+          </a:bodyPr>
+          <a:lstStyle/>
+          <a:p>
+            <a:r>
+              <a:rPr lang="en-US" sz="3600" kern="10" dirty="0">
+                <a:ln w="25400">
+                  <a:solidFill>
+                    <a:schemeClr val="bg1"/>
+                  </a:solidFill>
+                  <a:round/>
+                  <a:headEnd/>
+                  <a:tailEnd/>
+                </a:ln>
+                <a:gradFill rotWithShape="1">
+                  <a:gsLst>
+                    <a:gs pos="0">
+                      <a:schemeClr val="accent1">
+                        <a:gamma/>
+                        <a:shade val="46275"/>
+                        <a:invGamma/>
+                      </a:schemeClr>
+                    </a:gs>
+                    <a:gs pos="100000">
+                      <a:schemeClr val="accent1"/>
+                    </a:gs>
+                  </a:gsLst>
+                  <a:lin ang="5400000" scaled="1"/>
+                </a:gradFill>
+                <a:effectLst>
+                  <a:prstShdw prst="shdw13" dist="53882" dir="2700000">
+                    <a:srgbClr val="000000">
+                      <a:alpha val="50000"/>
+                    </a:srgbClr>
+                  </a:prstShdw>
+                </a:effectLst>
+                <a:latin typeface="Arial"/>
+                <a:cs typeface="Arial"/>
+              </a:rPr>
+              <a:t>Thank You!</a:t>
+            </a:r>
+          </a:p>
+        </p:txBody>
+      </p:sp>
+      <p:grpSp>
+        <p:nvGrpSpPr>
+          <p:cNvPr id="26112" name="Group 512"/>
+          <p:cNvGrpSpPr>
+            <a:grpSpLocks/>
+          </p:cNvGrpSpPr>
+          <p:nvPr/>
+        </p:nvGrpSpPr>
+        <p:grpSpPr bwMode="auto">
+          <a:xfrm>
+            <a:off x="5932488" y="5632450"/>
+            <a:ext cx="669925" cy="654050"/>
+            <a:chOff x="4027" y="3016"/>
+            <a:chExt cx="515" cy="505"/>
+          </a:xfrm>
+        </p:grpSpPr>
+        <p:sp>
+          <p:nvSpPr>
+            <p:cNvPr id="26113" name="Oval 513"/>
+            <p:cNvSpPr>
+              <a:spLocks noChangeArrowheads="1"/>
+            </p:cNvSpPr>
+            <p:nvPr/>
+          </p:nvSpPr>
+          <p:spPr bwMode="gray">
+            <a:xfrm>
+              <a:off x="4027" y="3016"/>
+              <a:ext cx="515" cy="505"/>
+            </a:xfrm>
+            <a:prstGeom prst="ellipse">
+              <a:avLst/>
+            </a:prstGeom>
+            <a:gradFill rotWithShape="1">
+              <a:gsLst>
+                <a:gs pos="0">
+                  <a:schemeClr val="hlink">
+                    <a:gamma/>
+                    <a:shade val="44314"/>
+                    <a:invGamma/>
+                  </a:schemeClr>
+                </a:gs>
+                <a:gs pos="50000">
+                  <a:schemeClr val="hlink"/>
+                </a:gs>
+                <a:gs pos="100000">
+                  <a:schemeClr val="hlink">
+                    <a:gamma/>
+                    <a:shade val="44314"/>
+                    <a:invGamma/>
+                  </a:schemeClr>
+                </a:gs>
+              </a:gsLst>
+              <a:lin ang="5400000" scaled="1"/>
+            </a:gradFill>
+            <a:ln>
+              <a:noFill/>
+            </a:ln>
+            <a:effectLst/>
+            <a:extLst>
+              <a:ext uri="{91240B29-F687-4F45-9708-019B960494DF}">
+                <a14:hiddenLine xmlns:a14="http://schemas.microsoft.com/office/drawing/2010/main" w="9525" algn="ctr">
+                  <a:solidFill>
+                    <a:schemeClr val="tx1"/>
+                  </a:solidFill>
+                  <a:round/>
+                  <a:headEnd/>
+                  <a:tailEnd/>
+                </a14:hiddenLine>
+              </a:ext>
+              <a:ext uri="{AF507438-7753-43E0-B8FC-AC1667EBCBE1}">
+                <a14:hiddenEffects xmlns:a14="http://schemas.microsoft.com/office/drawing/2010/main">
+                  <a:effectLst>
+                    <a:outerShdw dist="35921" dir="2700000" algn="ctr" rotWithShape="0">
+                      <a:schemeClr val="bg2"/>
+                    </a:outerShdw>
+                  </a:effectLst>
+                </a14:hiddenEffects>
+              </a:ext>
+            </a:extLst>
+          </p:spPr>
+          <p:txBody>
+            <a:bodyPr wrap="none" anchor="ctr"/>
+            <a:lstStyle/>
+            <a:p>
+              <a:endParaRPr lang="en-US"/>
+            </a:p>
+          </p:txBody>
+        </p:sp>
+        <p:pic>
+          <p:nvPicPr>
+            <p:cNvPr id="26114" name="Picture 514" descr="sphere_highlight"/>
+            <p:cNvPicPr>
+              <a:picLocks noChangeAspect="1" noChangeArrowheads="1"/>
+            </p:cNvPicPr>
+            <p:nvPr/>
+          </p:nvPicPr>
+          <p:blipFill>
+            <a:blip r:embed="rId2" cstate="print">
+              <a:extLst>
+                <a:ext uri="{28A0092B-C50C-407E-A947-70E740481C1C}">
+                  <a14:useLocalDpi xmlns:a14="http://schemas.microsoft.com/office/drawing/2010/main" val="0"/>
+                </a:ext>
+              </a:extLst>
+            </a:blip>
+            <a:srcRect/>
+            <a:stretch>
+              <a:fillRect/>
+            </a:stretch>
+          </p:blipFill>
+          <p:spPr bwMode="gray">
+            <a:xfrm>
+              <a:off x="4046" y="3018"/>
+              <a:ext cx="470" cy="241"/>
+            </a:xfrm>
+            <a:prstGeom prst="rect">
+              <a:avLst/>
+            </a:prstGeom>
+            <a:noFill/>
+            <a:extLst>
+              <a:ext uri="{909E8E84-426E-40DD-AFC4-6F175D3DCCD1}">
+                <a14:hiddenFill xmlns:a14="http://schemas.microsoft.com/office/drawing/2010/main">
+                  <a:solidFill>
+                    <a:srgbClr val="FFFFFF"/>
+                  </a:solidFill>
+                </a14:hiddenFill>
+              </a:ext>
+            </a:extLst>
+          </p:spPr>
+        </p:pic>
+      </p:grpSp>
+      <p:grpSp>
+        <p:nvGrpSpPr>
+          <p:cNvPr id="26115" name="Group 515"/>
+          <p:cNvGrpSpPr>
+            <a:grpSpLocks/>
+          </p:cNvGrpSpPr>
+          <p:nvPr/>
+        </p:nvGrpSpPr>
+        <p:grpSpPr bwMode="auto">
+          <a:xfrm>
+            <a:off x="7323138" y="5181600"/>
+            <a:ext cx="349250" cy="339725"/>
+            <a:chOff x="4027" y="3016"/>
+            <a:chExt cx="515" cy="505"/>
+          </a:xfrm>
+        </p:grpSpPr>
+        <p:sp>
+          <p:nvSpPr>
+            <p:cNvPr id="26116" name="Oval 516"/>
+            <p:cNvSpPr>
+              <a:spLocks noChangeArrowheads="1"/>
+            </p:cNvSpPr>
+            <p:nvPr/>
+          </p:nvSpPr>
+          <p:spPr bwMode="gray">
+            <a:xfrm>
+              <a:off x="4027" y="3016"/>
+              <a:ext cx="515" cy="505"/>
+            </a:xfrm>
+            <a:prstGeom prst="ellipse">
+              <a:avLst/>
+            </a:prstGeom>
+            <a:gradFill rotWithShape="1">
+              <a:gsLst>
+                <a:gs pos="0">
+                  <a:schemeClr val="folHlink">
+                    <a:gamma/>
+                    <a:shade val="44314"/>
+                    <a:invGamma/>
+                  </a:schemeClr>
+                </a:gs>
+                <a:gs pos="50000">
+                  <a:schemeClr val="folHlink"/>
+                </a:gs>
+                <a:gs pos="100000">
+                  <a:schemeClr val="folHlink">
+                    <a:gamma/>
+                    <a:shade val="44314"/>
+                    <a:invGamma/>
+                  </a:schemeClr>
+                </a:gs>
+              </a:gsLst>
+              <a:lin ang="5400000" scaled="1"/>
+            </a:gradFill>
+            <a:ln>
+              <a:noFill/>
+            </a:ln>
+            <a:effectLst/>
+            <a:extLst>
+              <a:ext uri="{91240B29-F687-4F45-9708-019B960494DF}">
+                <a14:hiddenLine xmlns:a14="http://schemas.microsoft.com/office/drawing/2010/main" w="9525" algn="ctr">
+                  <a:solidFill>
+                    <a:schemeClr val="tx1"/>
+                  </a:solidFill>
+                  <a:round/>
+                  <a:headEnd/>
+                  <a:tailEnd/>
+                </a14:hiddenLine>
+              </a:ext>
+              <a:ext uri="{AF507438-7753-43E0-B8FC-AC1667EBCBE1}">
+                <a14:hiddenEffects xmlns:a14="http://schemas.microsoft.com/office/drawing/2010/main">
+                  <a:effectLst>
+                    <a:outerShdw dist="35921" dir="2700000" algn="ctr" rotWithShape="0">
+                      <a:schemeClr val="bg2"/>
+                    </a:outerShdw>
+                  </a:effectLst>
+                </a14:hiddenEffects>
+              </a:ext>
+            </a:extLst>
+          </p:spPr>
+          <p:txBody>
+            <a:bodyPr wrap="none" anchor="ctr"/>
+            <a:lstStyle/>
+            <a:p>
+              <a:endParaRPr lang="en-US"/>
+            </a:p>
+          </p:txBody>
+        </p:sp>
+        <p:pic>
+          <p:nvPicPr>
+            <p:cNvPr id="26117" name="Picture 517" descr="sphere_highlight"/>
+            <p:cNvPicPr>
+              <a:picLocks noChangeAspect="1" noChangeArrowheads="1"/>
+            </p:cNvPicPr>
+            <p:nvPr/>
+          </p:nvPicPr>
+          <p:blipFill>
+            <a:blip r:embed="rId3" cstate="print">
+              <a:extLst>
+                <a:ext uri="{28A0092B-C50C-407E-A947-70E740481C1C}">
+                  <a14:useLocalDpi xmlns:a14="http://schemas.microsoft.com/office/drawing/2010/main" val="0"/>
+                </a:ext>
+              </a:extLst>
+            </a:blip>
+            <a:srcRect/>
+            <a:stretch>
+              <a:fillRect/>
+            </a:stretch>
+          </p:blipFill>
+          <p:spPr bwMode="gray">
+            <a:xfrm>
+              <a:off x="4046" y="3018"/>
+              <a:ext cx="470" cy="241"/>
+            </a:xfrm>
+            <a:prstGeom prst="rect">
+              <a:avLst/>
+            </a:prstGeom>
+            <a:noFill/>
+            <a:extLst>
+              <a:ext uri="{909E8E84-426E-40DD-AFC4-6F175D3DCCD1}">
+                <a14:hiddenFill xmlns:a14="http://schemas.microsoft.com/office/drawing/2010/main">
+                  <a:solidFill>
+                    <a:srgbClr val="FFFFFF"/>
+                  </a:solidFill>
+                </a14:hiddenFill>
+              </a:ext>
+            </a:extLst>
+          </p:spPr>
+        </p:pic>
+      </p:grpSp>
+      <p:sp>
+        <p:nvSpPr>
+          <p:cNvPr id="26118" name="Oval 518"/>
+          <p:cNvSpPr>
+            <a:spLocks noChangeArrowheads="1"/>
+          </p:cNvSpPr>
+          <p:nvPr/>
+        </p:nvSpPr>
+        <p:spPr bwMode="gray">
+          <a:xfrm>
+            <a:off x="4113213" y="5138738"/>
+            <a:ext cx="1082675" cy="1071562"/>
+          </a:xfrm>
+          <a:prstGeom prst="ellipse">
+            <a:avLst/>
+          </a:prstGeom>
+          <a:blipFill dpi="0" rotWithShape="1">
+            <a:blip r:embed="rId4"/>
+            <a:srcRect/>
+            <a:stretch>
+              <a:fillRect/>
+            </a:stretch>
+          </a:blipFill>
+          <a:ln w="28575" algn="ctr">
+            <a:solidFill>
+              <a:schemeClr val="bg1">
+                <a:alpha val="70000"/>
+              </a:schemeClr>
+            </a:solidFill>
+            <a:round/>
+            <a:headEnd/>
+            <a:tailEnd/>
+          </a:ln>
+          <a:effectLst>
+            <a:outerShdw dist="107763" dir="2700000" algn="ctr" rotWithShape="0">
+              <a:schemeClr val="tx2">
+                <a:alpha val="50000"/>
+              </a:schemeClr>
+            </a:outerShdw>
+          </a:effectLst>
+        </p:spPr>
+        <p:txBody>
+          <a:bodyPr wrap="none" anchor="ctr"/>
+          <a:lstStyle/>
+          <a:p>
+            <a:endParaRPr lang="en-US"/>
+          </a:p>
+        </p:txBody>
+      </p:sp>
+      <p:sp>
+        <p:nvSpPr>
+          <p:cNvPr id="26119" name="Oval 519"/>
+          <p:cNvSpPr>
+            <a:spLocks noChangeArrowheads="1"/>
+          </p:cNvSpPr>
+          <p:nvPr/>
+        </p:nvSpPr>
+        <p:spPr bwMode="gray">
+          <a:xfrm>
+            <a:off x="581025" y="723900"/>
+            <a:ext cx="2759075" cy="2730500"/>
+          </a:xfrm>
+          <a:prstGeom prst="ellipse">
+            <a:avLst/>
+          </a:prstGeom>
+          <a:blipFill dpi="0" rotWithShape="1">
+            <a:blip r:embed="rId5"/>
+            <a:srcRect/>
+            <a:stretch>
+              <a:fillRect/>
+            </a:stretch>
+          </a:blipFill>
+          <a:ln w="76200" algn="ctr">
+            <a:solidFill>
+              <a:schemeClr val="bg1">
+                <a:alpha val="70000"/>
+              </a:schemeClr>
+            </a:solidFill>
+            <a:round/>
+            <a:headEnd/>
+            <a:tailEnd/>
+          </a:ln>
+          <a:effectLst>
+            <a:outerShdw dist="107763" dir="2700000" algn="ctr" rotWithShape="0">
+              <a:schemeClr val="tx2">
+                <a:alpha val="50000"/>
+              </a:schemeClr>
+            </a:outerShdw>
+          </a:effectLst>
+        </p:spPr>
+        <p:txBody>
+          <a:bodyPr wrap="none" anchor="ctr"/>
+          <a:lstStyle/>
+          <a:p>
+            <a:endParaRPr lang="en-US"/>
+          </a:p>
+        </p:txBody>
+      </p:sp>
+      <p:sp>
+        <p:nvSpPr>
+          <p:cNvPr id="26120" name="Oval 520"/>
+          <p:cNvSpPr>
+            <a:spLocks noChangeArrowheads="1"/>
+          </p:cNvSpPr>
+          <p:nvPr/>
+        </p:nvSpPr>
+        <p:spPr bwMode="gray">
+          <a:xfrm>
+            <a:off x="2003425" y="3657600"/>
+            <a:ext cx="1911350" cy="1892300"/>
+          </a:xfrm>
+          <a:prstGeom prst="ellipse">
+            <a:avLst/>
+          </a:prstGeom>
+          <a:blipFill dpi="0" rotWithShape="1">
+            <a:blip r:embed="rId6"/>
+            <a:srcRect/>
+            <a:stretch>
+              <a:fillRect/>
+            </a:stretch>
+          </a:blipFill>
+          <a:ln w="57150" algn="ctr">
+            <a:solidFill>
+              <a:schemeClr val="bg1">
+                <a:alpha val="70000"/>
+              </a:schemeClr>
+            </a:solidFill>
+            <a:round/>
+            <a:headEnd/>
+            <a:tailEnd/>
+          </a:ln>
+          <a:effectLst>
+            <a:outerShdw dist="107763" dir="2700000" algn="ctr" rotWithShape="0">
+              <a:schemeClr val="tx2">
+                <a:alpha val="50000"/>
+              </a:schemeClr>
+            </a:outerShdw>
+          </a:effectLst>
+        </p:spPr>
+        <p:txBody>
+          <a:bodyPr wrap="none" anchor="ctr"/>
+          <a:lstStyle/>
+          <a:p>
+            <a:endParaRPr lang="en-US"/>
+          </a:p>
+        </p:txBody>
+      </p:sp>
+    </p:spTree>
+  </p:cSld>
+  <p:clrMapOvr>
+    <a:masterClrMapping/>
+  </p:clrMapOvr>
+  <p:timing>
+    <p:tnLst>
+      <p:par>
+        <p:cTn id="1" dur="indefinite" restart="never" nodeType="tmRoot">
+          <p:childTnLst>
+            <p:seq concurrent="1" nextAc="seek">
+              <p:cTn id="2" dur="indefinite" nodeType="mainSeq">
+                <p:childTnLst>
+                  <p:par>
+                    <p:cTn id="3" fill="hold" nodeType="clickPar">
+                      <p:stCondLst>
+                        <p:cond delay="indefinite"/>
+                        <p:cond evt="onBegin" delay="0">
+                          <p:tn val="2"/>
+                        </p:cond>
+                      </p:stCondLst>
+                      <p:childTnLst>
+                        <p:par>
+                          <p:cTn id="4" fill="hold" nodeType="withGroup">
+                            <p:stCondLst>
+                              <p:cond delay="0"/>
+                            </p:stCondLst>
+                            <p:childTnLst>
+                              <p:par>
+                                <p:cTn id="5" presetID="10" presetClass="entr" presetSubtype="0" fill="hold" grpId="0" nodeType="withEffect">
+                                  <p:stCondLst>
+                                    <p:cond delay="0"/>
+                                  </p:stCondLst>
+                                  <p:childTnLst>
+                                    <p:set>
+                                      <p:cBhvr>
+                                        <p:cTn id="6" dur="1" fill="hold">
+                                          <p:stCondLst>
+                                            <p:cond delay="0"/>
+                                          </p:stCondLst>
+                                        </p:cTn>
+                                        <p:tgtEl>
+                                          <p:spTgt spid="26091"/>
+                                        </p:tgtEl>
+                                        <p:attrNameLst>
+                                          <p:attrName>style.visibility</p:attrName>
+                                        </p:attrNameLst>
+                                      </p:cBhvr>
+                                      <p:to>
+                                        <p:strVal val="visible"/>
+                                      </p:to>
+                                    </p:set>
+                                    <p:animEffect transition="in" filter="fade">
+                                      <p:cBhvr>
+                                        <p:cTn id="7" dur="2000"/>
+                                        <p:tgtEl>
+                                          <p:spTgt spid="26091"/>
+                                        </p:tgtEl>
+                                      </p:cBhvr>
+                                    </p:animEffect>
+                                  </p:childTnLst>
+                                </p:cTn>
+                              </p:par>
+                              <p:par>
+                                <p:cTn id="8" presetID="53" presetClass="entr" presetSubtype="0" fill="hold" nodeType="withEffect">
+                                  <p:stCondLst>
+                                    <p:cond delay="2200"/>
+                                  </p:stCondLst>
+                                  <p:childTnLst>
+                                    <p:set>
+                                      <p:cBhvr>
+                                        <p:cTn id="9" dur="1" fill="hold">
+                                          <p:stCondLst>
+                                            <p:cond delay="0"/>
+                                          </p:stCondLst>
+                                        </p:cTn>
+                                        <p:tgtEl>
+                                          <p:spTgt spid="26115"/>
+                                        </p:tgtEl>
+                                        <p:attrNameLst>
+                                          <p:attrName>style.visibility</p:attrName>
+                                        </p:attrNameLst>
+                                      </p:cBhvr>
+                                      <p:to>
+                                        <p:strVal val="visible"/>
+                                      </p:to>
+                                    </p:set>
+                                    <p:anim calcmode="lin" valueType="num">
+                                      <p:cBhvr>
+                                        <p:cTn id="10" dur="1000" fill="hold"/>
+                                        <p:tgtEl>
+                                          <p:spTgt spid="26115"/>
+                                        </p:tgtEl>
+                                        <p:attrNameLst>
+                                          <p:attrName>ppt_w</p:attrName>
+                                        </p:attrNameLst>
+                                      </p:cBhvr>
+                                      <p:tavLst>
+                                        <p:tav tm="0">
+                                          <p:val>
+                                            <p:fltVal val="0"/>
+                                          </p:val>
+                                        </p:tav>
+                                        <p:tav tm="100000">
+                                          <p:val>
+                                            <p:strVal val="#ppt_w"/>
+                                          </p:val>
+                                        </p:tav>
+                                      </p:tavLst>
+                                    </p:anim>
+                                    <p:anim calcmode="lin" valueType="num">
+                                      <p:cBhvr>
+                                        <p:cTn id="11" dur="1000" fill="hold"/>
+                                        <p:tgtEl>
+                                          <p:spTgt spid="26115"/>
+                                        </p:tgtEl>
+                                        <p:attrNameLst>
+                                          <p:attrName>ppt_h</p:attrName>
+                                        </p:attrNameLst>
+                                      </p:cBhvr>
+                                      <p:tavLst>
+                                        <p:tav tm="0">
+                                          <p:val>
+                                            <p:fltVal val="0"/>
+                                          </p:val>
+                                        </p:tav>
+                                        <p:tav tm="100000">
+                                          <p:val>
+                                            <p:strVal val="#ppt_h"/>
+                                          </p:val>
+                                        </p:tav>
+                                      </p:tavLst>
+                                    </p:anim>
+                                    <p:animEffect transition="in" filter="fade">
+                                      <p:cBhvr>
+                                        <p:cTn id="12" dur="1000"/>
+                                        <p:tgtEl>
+                                          <p:spTgt spid="26115"/>
+                                        </p:tgtEl>
+                                      </p:cBhvr>
+                                    </p:animEffect>
+                                  </p:childTnLst>
+                                </p:cTn>
+                              </p:par>
+                              <p:par>
+                                <p:cTn id="13" presetID="37" presetClass="path" presetSubtype="0" accel="50000" decel="50000" fill="hold" nodeType="withEffect">
+                                  <p:stCondLst>
+                                    <p:cond delay="2300"/>
+                                  </p:stCondLst>
+                                  <p:childTnLst>
+                                    <p:animMotion origin="layout" path="M 0.0559 -0.10479 C 0.0559 -0.10456 0.05156 -0.05136 0.0401 -0.02661 C 0.02864 -0.00185 -0.00226 0.00462 -0.0184 -0.00579 " pathEditMode="relative" rAng="0" ptsTypes="fsf">
+                                      <p:cBhvr>
+                                        <p:cTn id="14" dur="1000" fill="hold"/>
+                                        <p:tgtEl>
+                                          <p:spTgt spid="26115"/>
+                                        </p:tgtEl>
+                                        <p:attrNameLst>
+                                          <p:attrName>ppt_x</p:attrName>
+                                          <p:attrName>ppt_y</p:attrName>
+                                        </p:attrNameLst>
+                                      </p:cBhvr>
+                                      <p:rCtr x="-3715" y="5459"/>
+                                    </p:animMotion>
+                                  </p:childTnLst>
+                                </p:cTn>
+                              </p:par>
+                              <p:par>
+                                <p:cTn id="15" presetID="53" presetClass="entr" presetSubtype="0" fill="hold" nodeType="withEffect">
+                                  <p:stCondLst>
+                                    <p:cond delay="2800"/>
+                                  </p:stCondLst>
+                                  <p:childTnLst>
+                                    <p:set>
+                                      <p:cBhvr>
+                                        <p:cTn id="16" dur="1" fill="hold">
+                                          <p:stCondLst>
+                                            <p:cond delay="0"/>
+                                          </p:stCondLst>
+                                        </p:cTn>
+                                        <p:tgtEl>
+                                          <p:spTgt spid="26112"/>
+                                        </p:tgtEl>
+                                        <p:attrNameLst>
+                                          <p:attrName>style.visibility</p:attrName>
+                                        </p:attrNameLst>
+                                      </p:cBhvr>
+                                      <p:to>
+                                        <p:strVal val="visible"/>
+                                      </p:to>
+                                    </p:set>
+                                    <p:anim calcmode="lin" valueType="num">
+                                      <p:cBhvr>
+                                        <p:cTn id="17" dur="1000" fill="hold"/>
+                                        <p:tgtEl>
+                                          <p:spTgt spid="26112"/>
+                                        </p:tgtEl>
+                                        <p:attrNameLst>
+                                          <p:attrName>ppt_w</p:attrName>
+                                        </p:attrNameLst>
+                                      </p:cBhvr>
+                                      <p:tavLst>
+                                        <p:tav tm="0">
+                                          <p:val>
+                                            <p:fltVal val="0"/>
+                                          </p:val>
+                                        </p:tav>
+                                        <p:tav tm="100000">
+                                          <p:val>
+                                            <p:strVal val="#ppt_w"/>
+                                          </p:val>
+                                        </p:tav>
+                                      </p:tavLst>
+                                    </p:anim>
+                                    <p:anim calcmode="lin" valueType="num">
+                                      <p:cBhvr>
+                                        <p:cTn id="18" dur="1000" fill="hold"/>
+                                        <p:tgtEl>
+                                          <p:spTgt spid="26112"/>
+                                        </p:tgtEl>
+                                        <p:attrNameLst>
+                                          <p:attrName>ppt_h</p:attrName>
+                                        </p:attrNameLst>
+                                      </p:cBhvr>
+                                      <p:tavLst>
+                                        <p:tav tm="0">
+                                          <p:val>
+                                            <p:fltVal val="0"/>
+                                          </p:val>
+                                        </p:tav>
+                                        <p:tav tm="100000">
+                                          <p:val>
+                                            <p:strVal val="#ppt_h"/>
+                                          </p:val>
+                                        </p:tav>
+                                      </p:tavLst>
+                                    </p:anim>
+                                    <p:animEffect transition="in" filter="fade">
+                                      <p:cBhvr>
+                                        <p:cTn id="19" dur="1000"/>
+                                        <p:tgtEl>
+                                          <p:spTgt spid="26112"/>
+                                        </p:tgtEl>
+                                      </p:cBhvr>
+                                    </p:animEffect>
+                                  </p:childTnLst>
+                                </p:cTn>
+                              </p:par>
+                              <p:par>
+                                <p:cTn id="20" presetID="37" presetClass="path" presetSubtype="0" accel="50000" decel="50000" fill="hold" nodeType="withEffect">
+                                  <p:stCondLst>
+                                    <p:cond delay="2800"/>
+                                  </p:stCondLst>
+                                  <p:childTnLst>
+                                    <p:animMotion origin="layout" path="M 0.14236 -0.15476 C 0.14236 -0.15452 0.12535 -0.04603 0.10382 -0.01758 C 0.08229 0.01087 0.00382 0.02244 -0.0342 0.01874 " pathEditMode="relative" rAng="0" ptsTypes="fsf">
+                                      <p:cBhvr>
+                                        <p:cTn id="21" dur="1000" fill="hold"/>
+                                        <p:tgtEl>
+                                          <p:spTgt spid="26112"/>
+                                        </p:tgtEl>
+                                        <p:attrNameLst>
+                                          <p:attrName>ppt_x</p:attrName>
+                                          <p:attrName>ppt_y</p:attrName>
+                                        </p:attrNameLst>
+                                      </p:cBhvr>
+                                      <p:rCtr x="-8837" y="8860"/>
+                                    </p:animMotion>
+                                  </p:childTnLst>
+                                </p:cTn>
+                              </p:par>
+                            </p:childTnLst>
+                          </p:cTn>
+                        </p:par>
+                        <p:par>
+                          <p:cTn id="22" fill="hold" nodeType="afterGroup">
+                            <p:stCondLst>
+                              <p:cond delay="3800"/>
+                            </p:stCondLst>
+                            <p:childTnLst>
+                              <p:par>
+                                <p:cTn id="23" presetID="10" presetClass="entr" presetSubtype="0" fill="hold" grpId="0" nodeType="afterEffect">
+                                  <p:stCondLst>
+                                    <p:cond delay="0"/>
+                                  </p:stCondLst>
+                                  <p:childTnLst>
+                                    <p:set>
+                                      <p:cBhvr>
+                                        <p:cTn id="24" dur="1" fill="hold">
+                                          <p:stCondLst>
+                                            <p:cond delay="0"/>
+                                          </p:stCondLst>
+                                        </p:cTn>
+                                        <p:tgtEl>
+                                          <p:spTgt spid="26118"/>
+                                        </p:tgtEl>
+                                        <p:attrNameLst>
+                                          <p:attrName>style.visibility</p:attrName>
+                                        </p:attrNameLst>
+                                      </p:cBhvr>
+                                      <p:to>
+                                        <p:strVal val="visible"/>
+                                      </p:to>
+                                    </p:set>
+                                    <p:animEffect transition="in" filter="fade">
+                                      <p:cBhvr>
+                                        <p:cTn id="25" dur="1000"/>
+                                        <p:tgtEl>
+                                          <p:spTgt spid="26118"/>
+                                        </p:tgtEl>
+                                      </p:cBhvr>
+                                    </p:animEffect>
+                                  </p:childTnLst>
+                                </p:cTn>
+                              </p:par>
+                            </p:childTnLst>
+                          </p:cTn>
+                        </p:par>
+                        <p:par>
+                          <p:cTn id="26" fill="hold" nodeType="afterGroup">
+                            <p:stCondLst>
+                              <p:cond delay="4800"/>
+                            </p:stCondLst>
+                            <p:childTnLst>
+                              <p:par>
+                                <p:cTn id="27" presetID="10" presetClass="entr" presetSubtype="0" fill="hold" grpId="0" nodeType="afterEffect">
+                                  <p:stCondLst>
+                                    <p:cond delay="0"/>
+                                  </p:stCondLst>
+                                  <p:childTnLst>
+                                    <p:set>
+                                      <p:cBhvr>
+                                        <p:cTn id="28" dur="1" fill="hold">
+                                          <p:stCondLst>
+                                            <p:cond delay="0"/>
+                                          </p:stCondLst>
+                                        </p:cTn>
+                                        <p:tgtEl>
+                                          <p:spTgt spid="26120"/>
+                                        </p:tgtEl>
+                                        <p:attrNameLst>
+                                          <p:attrName>style.visibility</p:attrName>
+                                        </p:attrNameLst>
+                                      </p:cBhvr>
+                                      <p:to>
+                                        <p:strVal val="visible"/>
+                                      </p:to>
+                                    </p:set>
+                                    <p:animEffect transition="in" filter="fade">
+                                      <p:cBhvr>
+                                        <p:cTn id="29" dur="1000"/>
+                                        <p:tgtEl>
+                                          <p:spTgt spid="26120"/>
+                                        </p:tgtEl>
+                                      </p:cBhvr>
+                                    </p:animEffect>
+                                  </p:childTnLst>
+                                </p:cTn>
+                              </p:par>
+                            </p:childTnLst>
+                          </p:cTn>
+                        </p:par>
+                        <p:par>
+                          <p:cTn id="30" fill="hold" nodeType="afterGroup">
+                            <p:stCondLst>
+                              <p:cond delay="5800"/>
+                            </p:stCondLst>
+                            <p:childTnLst>
+                              <p:par>
+                                <p:cTn id="31" presetID="10" presetClass="entr" presetSubtype="0" fill="hold" grpId="0" nodeType="afterEffect">
+                                  <p:stCondLst>
+                                    <p:cond delay="0"/>
+                                  </p:stCondLst>
+                                  <p:childTnLst>
+                                    <p:set>
+                                      <p:cBhvr>
+                                        <p:cTn id="32" dur="1" fill="hold">
+                                          <p:stCondLst>
+                                            <p:cond delay="0"/>
+                                          </p:stCondLst>
+                                        </p:cTn>
+                                        <p:tgtEl>
+                                          <p:spTgt spid="26119"/>
+                                        </p:tgtEl>
+                                        <p:attrNameLst>
+                                          <p:attrName>style.visibility</p:attrName>
+                                        </p:attrNameLst>
+                                      </p:cBhvr>
+                                      <p:to>
+                                        <p:strVal val="visible"/>
+                                      </p:to>
+                                    </p:set>
+                                    <p:animEffect transition="in" filter="fade">
+                                      <p:cBhvr>
+                                        <p:cTn id="33" dur="1000"/>
+                                        <p:tgtEl>
+                                          <p:spTgt spid="26119"/>
+                                        </p:tgtEl>
+                                      </p:cBhvr>
+                                    </p:animEffect>
+                                  </p:childTnLst>
+                                </p:cTn>
+                              </p:par>
+                            </p:childTnLst>
+                          </p:cTn>
+                        </p:par>
+                      </p:childTnLst>
+                    </p:cTn>
+                  </p:par>
+                </p:childTnLst>
+              </p:cTn>
+              <p:prevCondLst>
+                <p:cond evt="onPrev" delay="0">
+                  <p:tgtEl>
+                    <p:sldTgt/>
+                  </p:tgtEl>
+                </p:cond>
+              </p:prevCondLst>
+              <p:nextCondLst>
+                <p:cond evt="onNext" delay="0">
+                  <p:tgtEl>
+                    <p:sldTgt/>
+                  </p:tgtEl>
+                </p:cond>
+              </p:nextCondLst>
+            </p:seq>
+          </p:childTnLst>
+        </p:cTn>
+      </p:par>
+    </p:tnLst>
+    <p:bldLst>
+      <p:bldP spid="26091" grpId="0" animBg="1"/>
+      <p:bldP spid="26118" grpId="0" animBg="1"/>
+      <p:bldP spid="26119" grpId="0" animBg="1"/>
+      <p:bldP spid="26120" grpId="0" animBg="1"/>
+    </p:bldLst>
+  </p:timing>
+</p:sld>
+</file>
+
 <file path=ppt/slides/slide4.xml><?xml version="1.0" encoding="utf-8"?>
 <p:sld xmlns:a="http://schemas.openxmlformats.org/drawingml/2006/main" xmlns:r="http://schemas.openxmlformats.org/officeDocument/2006/relationships" xmlns:p="http://schemas.openxmlformats.org/presentationml/2006/main">
   <p:cSld>
@@ -16698,78 +21785,37 @@
             <a:pPr algn="ctr"/>
             <a:r>
               <a:rPr lang="en-US" dirty="0" smtClean="0"/>
-              <a:t>GIỚI THIỆU</a:t>
+              <a:t>CÁC CHỨNG NĂNG CHÍNH</a:t>
             </a:r>
             <a:endParaRPr lang="en-US" dirty="0"/>
           </a:p>
         </p:txBody>
       </p:sp>
-      <p:sp>
-        <p:nvSpPr>
-          <p:cNvPr id="3" name="Content Placeholder 2"/>
-          <p:cNvSpPr>
-            <a:spLocks noGrp="1"/>
-          </p:cNvSpPr>
+      <p:graphicFrame>
+        <p:nvGraphicFramePr>
+          <p:cNvPr id="5" name="Content Placeholder 4"/>
+          <p:cNvGraphicFramePr>
+            <a:graphicFrameLocks noGrp="1"/>
+          </p:cNvGraphicFramePr>
           <p:nvPr>
             <p:ph idx="1"/>
+            <p:extLst>
+              <p:ext uri="{D42A27DB-BD31-4B8C-83A1-F6EECF244321}">
+                <p14:modId xmlns:p14="http://schemas.microsoft.com/office/powerpoint/2010/main" val="2930670034"/>
+              </p:ext>
+            </p:extLst>
           </p:nvPr>
-        </p:nvSpPr>
-        <p:spPr/>
-        <p:txBody>
-          <a:bodyPr/>
-          <a:lstStyle/>
-          <a:p>
-            <a:pPr algn="just"/>
-            <a:r>
-              <a:rPr lang="en-US" dirty="0" err="1" smtClean="0"/>
-              <a:t>Mô</a:t>
-            </a:r>
-            <a:r>
-              <a:rPr lang="en-US" dirty="0" smtClean="0"/>
-              <a:t> </a:t>
-            </a:r>
-            <a:r>
-              <a:rPr lang="en-US" dirty="0" err="1" smtClean="0"/>
-              <a:t>tả</a:t>
-            </a:r>
-            <a:r>
-              <a:rPr lang="en-US" dirty="0" smtClean="0"/>
-              <a:t>:</a:t>
-            </a:r>
-          </a:p>
-          <a:p>
-            <a:pPr lvl="1" algn="just"/>
-            <a:r>
-              <a:rPr lang="vi-VN" sz="2400" dirty="0" smtClean="0"/>
-              <a:t>Cổng thông tin SCMCT sẽ đăng thông tin về các hoạt động quyên góp sách thường xuyên để tất cả mọi người truy cập vào đều có thể biết đến những hoạt động quyên góp này.</a:t>
-            </a:r>
-            <a:endParaRPr lang="en-US" sz="2400" dirty="0" smtClean="0"/>
-          </a:p>
-          <a:p>
-            <a:pPr lvl="1" algn="just"/>
-            <a:r>
-              <a:rPr lang="vi-VN" sz="2400" dirty="0" smtClean="0"/>
-              <a:t>Các hoạt động quyên góp sách sẽ được diễn ra hằng ngày trên cổng thông tin SCMCT. Ở đó các giao dịch "cho-nhận", yêu cầu, đáp ứng được diễn ra không quản thời gian và giới hạn địa lý. Một khi ai có thiện chí cho, tặng hiện vật, hiện kim thì đăng thông tin lên (có thể không yêu cầu phải là thành viên để tránh rào cản "lười biếng đăng ký thành viên"). </a:t>
-            </a:r>
-            <a:endParaRPr lang="en-US" dirty="0" smtClean="0"/>
-          </a:p>
-          <a:p>
-            <a:pPr marL="0" indent="0" algn="just">
-              <a:buNone/>
-            </a:pPr>
-            <a:endParaRPr lang="en-US" sz="2400" b="0" dirty="0" smtClean="0"/>
-          </a:p>
-          <a:p>
-            <a:pPr marL="0" indent="0" algn="just">
-              <a:buNone/>
-            </a:pPr>
-            <a:r>
-              <a:rPr lang="en-US" sz="2400" b="0" dirty="0"/>
-              <a:t>	</a:t>
-            </a:r>
-          </a:p>
-        </p:txBody>
-      </p:sp>
+        </p:nvGraphicFramePr>
+        <p:xfrm>
+          <a:off x="1414700" y="1149988"/>
+          <a:ext cx="7961312" cy="5360987"/>
+        </p:xfrm>
+        <a:graphic>
+          <a:graphicData uri="http://schemas.openxmlformats.org/drawingml/2006/diagram">
+            <dgm:relIds xmlns:dgm="http://schemas.openxmlformats.org/drawingml/2006/diagram" xmlns:r="http://schemas.openxmlformats.org/officeDocument/2006/relationships" r:dm="rId2" r:lo="rId3" r:qs="rId4" r:cs="rId5"/>
+          </a:graphicData>
+        </a:graphic>
+      </p:graphicFrame>
       <p:sp>
         <p:nvSpPr>
           <p:cNvPr id="4" name="Slide Number Placeholder 3"/>
@@ -16797,7 +21843,7 @@
     </p:spTree>
     <p:extLst>
       <p:ext uri="{BB962C8B-B14F-4D97-AF65-F5344CB8AC3E}">
-        <p14:creationId xmlns:p14="http://schemas.microsoft.com/office/powerpoint/2010/main" val="31574285"/>
+        <p14:creationId xmlns:p14="http://schemas.microsoft.com/office/powerpoint/2010/main" val="486828623"/>
       </p:ext>
     </p:extLst>
   </p:cSld>
@@ -16892,26 +21938,32 @@
             <a:pPr lvl="1" algn="just"/>
             <a:r>
               <a:rPr lang="vi-VN" sz="2400" dirty="0" smtClean="0"/>
-              <a:t>Bên cạnh đó, nếu cá nhân, đơn vị, tổ chức nào muốn được hỗ trợ cũng có thể đăng, gửi yêu cầu đến ban điều hành.</a:t>
-            </a:r>
+              <a:t>Cổng thông tin SCMCT sẽ đăng thông tin về các hoạt động quyên góp sách thường xuyên để tất cả mọi người truy cập vào đều có thể biết đến những hoạt động quyên góp này.</a:t>
+            </a:r>
+            <a:endParaRPr lang="en-US" sz="2400" dirty="0" smtClean="0"/>
           </a:p>
           <a:p>
             <a:pPr lvl="1" algn="just"/>
             <a:r>
               <a:rPr lang="vi-VN" sz="2400" dirty="0" smtClean="0"/>
-              <a:t>Khi đăng kí thành viên và đăng nhập vào cổng thông tin SCMCT thì ngoài việc gởi yêu cầu cho sách, thành viên còn có thể gởi được yêu cầu nhận sách từ cổng thông tin. </a:t>
-            </a:r>
-            <a:endParaRPr lang="en-US" sz="2400" dirty="0" smtClean="0"/>
+              <a:t>Các hoạt động quyên góp sách sẽ được diễn ra hằng ngày trên cổng thông tin SCMCT. Ở đó các giao dịch "cho-nhận", yêu cầu, đáp ứng được diễn ra không quản thời gian và giới hạn địa lý. Một khi ai có thiện chí cho, tặng hiện vật, hiện kim thì đăng thông tin lên (có thể không yêu cầu phải là thành viên để tránh rào cản "lười biếng đăng ký thành viên"). </a:t>
+            </a:r>
+            <a:endParaRPr lang="en-US" dirty="0" smtClean="0"/>
           </a:p>
           <a:p>
             <a:pPr marL="0" indent="0" algn="just">
               <a:buNone/>
             </a:pPr>
-            <a:r>
-              <a:rPr lang="en-US" dirty="0" smtClean="0"/>
-              <a:t>		</a:t>
-            </a:r>
-            <a:endParaRPr lang="en-US" dirty="0"/>
+            <a:endParaRPr lang="en-US" sz="2400" b="0" dirty="0" smtClean="0"/>
+          </a:p>
+          <a:p>
+            <a:pPr marL="0" indent="0" algn="just">
+              <a:buNone/>
+            </a:pPr>
+            <a:r>
+              <a:rPr lang="en-US" sz="2400" b="0" dirty="0"/>
+              <a:t>	</a:t>
+            </a:r>
           </a:p>
         </p:txBody>
       </p:sp>
@@ -16942,7 +21994,7 @@
     </p:spTree>
     <p:extLst>
       <p:ext uri="{BB962C8B-B14F-4D97-AF65-F5344CB8AC3E}">
-        <p14:creationId xmlns:p14="http://schemas.microsoft.com/office/powerpoint/2010/main" val="523650111"/>
+        <p14:creationId xmlns:p14="http://schemas.microsoft.com/office/powerpoint/2010/main" val="31574285"/>
       </p:ext>
     </p:extLst>
   </p:cSld>
@@ -17037,17 +22089,26 @@
             <a:pPr lvl="1" algn="just"/>
             <a:r>
               <a:rPr lang="vi-VN" sz="2400" dirty="0" smtClean="0"/>
-              <a:t>Mỗi thành viên khi đăng nhập vào công thông tin SCMCT đều có một trang cá nhân, có thể xem được những yêu cầu “cho-nhận” của thành viên đó, hay biết được những quyển sách mình đã quyên góp được đã được sử dụng như thế nào, hoặc những yêu cầu của mình đã được đáp ứng hay chưa…</a:t>
+              <a:t>Bên cạnh đó, nếu cá nhân, đơn vị, tổ chức nào muốn được hỗ trợ cũng có thể đăng, gửi yêu cầu đến ban điều hành.</a:t>
+            </a:r>
+          </a:p>
+          <a:p>
+            <a:pPr lvl="1" algn="just"/>
+            <a:r>
+              <a:rPr lang="vi-VN" sz="2400" dirty="0" smtClean="0"/>
+              <a:t>Khi đăng kí thành viên và đăng nhập vào cổng thông tin SCMCT thì ngoài việc gởi yêu cầu cho sách, thành viên còn có thể gởi được yêu cầu nhận sách từ cổng thông tin. </a:t>
             </a:r>
             <a:endParaRPr lang="en-US" sz="2400" dirty="0" smtClean="0"/>
           </a:p>
           <a:p>
-            <a:pPr lvl="1" algn="just"/>
-            <a:r>
-              <a:rPr lang="vi-VN" sz="2400" b="0" dirty="0" smtClean="0"/>
-              <a:t>Tuy nhiên, nếu người dùng khi gởi yêu cầu quyên góp sách mà không đăng nhập vào hệ thống thì thông tin “giao dịch” này sẽ không có trong trang cá nhân. Khi đó có thể xem thông tin này ở các hạn mục tin tức tương ứng.</a:t>
-            </a:r>
-            <a:endParaRPr lang="en-US" sz="2400" b="0" dirty="0"/>
+            <a:pPr marL="0" indent="0" algn="just">
+              <a:buNone/>
+            </a:pPr>
+            <a:r>
+              <a:rPr lang="en-US" dirty="0" smtClean="0"/>
+              <a:t>		</a:t>
+            </a:r>
+            <a:endParaRPr lang="en-US" dirty="0"/>
           </a:p>
         </p:txBody>
       </p:sp>
@@ -17078,7 +22139,7 @@
     </p:spTree>
     <p:extLst>
       <p:ext uri="{BB962C8B-B14F-4D97-AF65-F5344CB8AC3E}">
-        <p14:creationId xmlns:p14="http://schemas.microsoft.com/office/powerpoint/2010/main" val="3814636312"/>
+        <p14:creationId xmlns:p14="http://schemas.microsoft.com/office/powerpoint/2010/main" val="523650111"/>
       </p:ext>
     </p:extLst>
   </p:cSld>

--- a/ scmct-2012/Documents/ĐỒ ÁN CHUYÊN NGÀNH.pptx
+++ b/ scmct-2012/Documents/ĐỒ ÁN CHUYÊN NGÀNH.pptx
@@ -1563,6 +1563,13 @@
         </dgm:presLayoutVars>
       </dgm:prSet>
       <dgm:spPr/>
+      <dgm:t>
+        <a:bodyPr/>
+        <a:lstStyle/>
+        <a:p>
+          <a:endParaRPr lang="en-US"/>
+        </a:p>
+      </dgm:t>
     </dgm:pt>
     <dgm:pt modelId="{975400B6-67C3-41A1-AAD9-13EED5763C87}" type="pres">
       <dgm:prSet presAssocID="{2C0870C3-AA78-4996-925C-38F3DA8DEE66}" presName="composite" presStyleCnt="0"/>
@@ -1585,6 +1592,13 @@
           </a:stretch>
         </a:blipFill>
       </dgm:spPr>
+      <dgm:t>
+        <a:bodyPr/>
+        <a:lstStyle/>
+        <a:p>
+          <a:endParaRPr lang="en-US"/>
+        </a:p>
+      </dgm:t>
     </dgm:pt>
     <dgm:pt modelId="{A0020A9B-5C55-40D3-94B0-70EA284449AB}" type="pres">
       <dgm:prSet presAssocID="{2C0870C3-AA78-4996-925C-38F3DA8DEE66}" presName="txShp" presStyleLbl="node1" presStyleIdx="0" presStyleCnt="7" custScaleX="121596" custLinFactNeighborX="-3612">
@@ -1702,6 +1716,13 @@
           </a:stretch>
         </a:blipFill>
       </dgm:spPr>
+      <dgm:t>
+        <a:bodyPr/>
+        <a:lstStyle/>
+        <a:p>
+          <a:endParaRPr lang="en-US"/>
+        </a:p>
+      </dgm:t>
     </dgm:pt>
     <dgm:pt modelId="{F5003679-163F-4F6D-8AF1-772BD5F715F4}" type="pres">
       <dgm:prSet presAssocID="{B7D52009-FC9D-41E8-9964-8E7898C511E1}" presName="txShp" presStyleLbl="node1" presStyleIdx="3" presStyleCnt="7" custScaleX="120559" custLinFactNeighborX="-3096">
@@ -1743,6 +1764,13 @@
           </a:stretch>
         </a:blipFill>
       </dgm:spPr>
+      <dgm:t>
+        <a:bodyPr/>
+        <a:lstStyle/>
+        <a:p>
+          <a:endParaRPr lang="en-US"/>
+        </a:p>
+      </dgm:t>
     </dgm:pt>
     <dgm:pt modelId="{F1F15CCA-18B7-483C-B056-093E5EF49A70}" type="pres">
       <dgm:prSet presAssocID="{E0581600-4AE6-42EB-BB32-9E533F718B16}" presName="txShp" presStyleLbl="node1" presStyleIdx="4" presStyleCnt="7" custScaleX="120559" custLinFactNeighborX="-3096">
@@ -1819,6 +1847,13 @@
           </a:stretch>
         </a:blipFill>
       </dgm:spPr>
+      <dgm:t>
+        <a:bodyPr/>
+        <a:lstStyle/>
+        <a:p>
+          <a:endParaRPr lang="en-US"/>
+        </a:p>
+      </dgm:t>
     </dgm:pt>
     <dgm:pt modelId="{33E1CB3D-2697-42D6-B533-B2DCC658D2B0}" type="pres">
       <dgm:prSet presAssocID="{07756BCF-5D55-4642-A6D6-A3B52CE27848}" presName="txShp" presStyleLbl="node1" presStyleIdx="6" presStyleCnt="7" custScaleX="120559" custLinFactNeighborX="-3096">
@@ -6217,53 +6252,17 @@
           <a:prstGeom prst="rect">
             <a:avLst/>
           </a:prstGeom>
-          <a:noFill/>
+          <a:blipFill>
+            <a:blip r:embed="rId2"/>
+            <a:stretch>
+              <a:fillRect/>
+            </a:stretch>
+          </a:blipFill>
           <a:ln>
             <a:noFill/>
           </a:ln>
           <a:effectLst/>
-          <a:extLst>
-            <a:ext uri="{909E8E84-426E-40DD-AFC4-6F175D3DCCD1}">
-              <a14:hiddenFill xmlns:a14="http://schemas.microsoft.com/office/drawing/2010/main">
-                <a:gradFill rotWithShape="1">
-                  <a:gsLst>
-                    <a:gs pos="0">
-                      <a:schemeClr val="accent2"/>
-                    </a:gs>
-                    <a:gs pos="100000">
-                      <a:schemeClr val="accent2">
-                        <a:gamma/>
-                        <a:shade val="46275"/>
-                        <a:invGamma/>
-                      </a:schemeClr>
-                    </a:gs>
-                  </a:gsLst>
-                  <a:lin ang="5400000" scaled="1"/>
-                </a:gradFill>
-              </a14:hiddenFill>
-            </a:ext>
-            <a:ext uri="{91240B29-F687-4F45-9708-019B960494DF}">
-              <a14:hiddenLine xmlns:a14="http://schemas.microsoft.com/office/drawing/2010/main" w="28575" algn="ctr">
-                <a:solidFill>
-                  <a:srgbClr val="FFFFFF"/>
-                </a:solidFill>
-                <a:miter lim="800000"/>
-                <a:headEnd/>
-                <a:tailEnd/>
-              </a14:hiddenLine>
-            </a:ext>
-            <a:ext uri="{AF507438-7753-43E0-B8FC-AC1667EBCBE1}">
-              <a14:hiddenEffects xmlns:a14="http://schemas.microsoft.com/office/drawing/2010/main">
-                <a:effectLst>
-                  <a:outerShdw dist="35921" dir="2700000" algn="ctr" rotWithShape="0">
-                    <a:srgbClr val="1C1C1C">
-                      <a:alpha val="50000"/>
-                    </a:srgbClr>
-                  </a:outerShdw>
-                </a:effectLst>
-              </a14:hiddenEffects>
-            </a:ext>
-          </a:extLst>
+          <a:extLst/>
         </p:spPr>
         <p:txBody>
           <a:bodyPr>
@@ -6276,15 +6275,6 @@
                 <a:spcPct val="50000"/>
               </a:spcBef>
             </a:pPr>
-            <a:r>
-              <a:rPr lang="en-US" sz="2400" dirty="0" smtClean="0">
-                <a:solidFill>
-                  <a:srgbClr val="FFFFFF"/>
-                </a:solidFill>
-                <a:latin typeface="Verdana" pitchFamily="34" charset="0"/>
-              </a:rPr>
-              <a:t>LOGO</a:t>
-            </a:r>
             <a:endParaRPr lang="en-US" sz="2400" dirty="0">
               <a:solidFill>
                 <a:srgbClr val="FFFFFF"/>
